--- a/documentation/Aura_Zelco.pptx
+++ b/documentation/Aura_Zelco.pptx
@@ -15,7 +15,6 @@
     <p:sldId id="260" r:id="rId12"/>
     <p:sldId id="261" r:id="rId13"/>
     <p:sldId id="262" r:id="rId14"/>
-    <p:sldId id="263" r:id="rId15"/>
   </p:sldIdLst>
   <p:sldSz cx="24384000" cy="13716000"/>
   <p:notesSz cx="6858000" cy="9144000"/>
@@ -46,7 +45,7 @@
         <a:uFillTx/>
       </a:defRPr>
     </a:defPPr>
-    <a:lvl1pPr marL="0" marR="0" indent="0" algn="ctr" defTabSz="2438338" rtl="0" fontAlgn="auto" latinLnBrk="0" hangingPunct="0">
+    <a:lvl1pPr marL="0" marR="0" indent="0" algn="ctr" defTabSz="2438337" rtl="0" fontAlgn="auto" latinLnBrk="0" hangingPunct="0">
       <a:lnSpc>
         <a:spcPct val="100000"/>
       </a:lnSpc>
@@ -76,7 +75,7 @@
         <a:sym typeface="Helvetica Neue"/>
       </a:defRPr>
     </a:lvl1pPr>
-    <a:lvl2pPr marL="0" marR="0" indent="457200" algn="ctr" defTabSz="2438338" rtl="0" fontAlgn="auto" latinLnBrk="0" hangingPunct="0">
+    <a:lvl2pPr marL="0" marR="0" indent="0" algn="ctr" defTabSz="2438337" rtl="0" fontAlgn="auto" latinLnBrk="0" hangingPunct="0">
       <a:lnSpc>
         <a:spcPct val="100000"/>
       </a:lnSpc>
@@ -106,7 +105,7 @@
         <a:sym typeface="Helvetica Neue"/>
       </a:defRPr>
     </a:lvl2pPr>
-    <a:lvl3pPr marL="0" marR="0" indent="914400" algn="ctr" defTabSz="2438338" rtl="0" fontAlgn="auto" latinLnBrk="0" hangingPunct="0">
+    <a:lvl3pPr marL="0" marR="0" indent="0" algn="ctr" defTabSz="2438337" rtl="0" fontAlgn="auto" latinLnBrk="0" hangingPunct="0">
       <a:lnSpc>
         <a:spcPct val="100000"/>
       </a:lnSpc>
@@ -136,7 +135,7 @@
         <a:sym typeface="Helvetica Neue"/>
       </a:defRPr>
     </a:lvl3pPr>
-    <a:lvl4pPr marL="0" marR="0" indent="1371600" algn="ctr" defTabSz="2438338" rtl="0" fontAlgn="auto" latinLnBrk="0" hangingPunct="0">
+    <a:lvl4pPr marL="0" marR="0" indent="0" algn="ctr" defTabSz="2438337" rtl="0" fontAlgn="auto" latinLnBrk="0" hangingPunct="0">
       <a:lnSpc>
         <a:spcPct val="100000"/>
       </a:lnSpc>
@@ -166,7 +165,7 @@
         <a:sym typeface="Helvetica Neue"/>
       </a:defRPr>
     </a:lvl4pPr>
-    <a:lvl5pPr marL="0" marR="0" indent="1828800" algn="ctr" defTabSz="2438338" rtl="0" fontAlgn="auto" latinLnBrk="0" hangingPunct="0">
+    <a:lvl5pPr marL="0" marR="0" indent="0" algn="ctr" defTabSz="2438337" rtl="0" fontAlgn="auto" latinLnBrk="0" hangingPunct="0">
       <a:lnSpc>
         <a:spcPct val="100000"/>
       </a:lnSpc>
@@ -196,7 +195,7 @@
         <a:sym typeface="Helvetica Neue"/>
       </a:defRPr>
     </a:lvl5pPr>
-    <a:lvl6pPr marL="0" marR="0" indent="2286000" algn="ctr" defTabSz="2438338" rtl="0" fontAlgn="auto" latinLnBrk="0" hangingPunct="0">
+    <a:lvl6pPr marL="0" marR="0" indent="0" algn="ctr" defTabSz="2438337" rtl="0" fontAlgn="auto" latinLnBrk="0" hangingPunct="0">
       <a:lnSpc>
         <a:spcPct val="100000"/>
       </a:lnSpc>
@@ -226,7 +225,7 @@
         <a:sym typeface="Helvetica Neue"/>
       </a:defRPr>
     </a:lvl6pPr>
-    <a:lvl7pPr marL="0" marR="0" indent="2743200" algn="ctr" defTabSz="2438338" rtl="0" fontAlgn="auto" latinLnBrk="0" hangingPunct="0">
+    <a:lvl7pPr marL="0" marR="0" indent="0" algn="ctr" defTabSz="2438337" rtl="0" fontAlgn="auto" latinLnBrk="0" hangingPunct="0">
       <a:lnSpc>
         <a:spcPct val="100000"/>
       </a:lnSpc>
@@ -256,7 +255,7 @@
         <a:sym typeface="Helvetica Neue"/>
       </a:defRPr>
     </a:lvl7pPr>
-    <a:lvl8pPr marL="0" marR="0" indent="3200400" algn="ctr" defTabSz="2438338" rtl="0" fontAlgn="auto" latinLnBrk="0" hangingPunct="0">
+    <a:lvl8pPr marL="0" marR="0" indent="0" algn="ctr" defTabSz="2438337" rtl="0" fontAlgn="auto" latinLnBrk="0" hangingPunct="0">
       <a:lnSpc>
         <a:spcPct val="100000"/>
       </a:lnSpc>
@@ -286,7 +285,7 @@
         <a:sym typeface="Helvetica Neue"/>
       </a:defRPr>
     </a:lvl8pPr>
-    <a:lvl9pPr marL="0" marR="0" indent="3657600" algn="ctr" defTabSz="2438338" rtl="0" fontAlgn="auto" latinLnBrk="0" hangingPunct="0">
+    <a:lvl9pPr marL="0" marR="0" indent="0" algn="ctr" defTabSz="2438337" rtl="0" fontAlgn="auto" latinLnBrk="0" hangingPunct="0">
       <a:lnSpc>
         <a:spcPct val="100000"/>
       </a:lnSpc>
@@ -499,7 +498,7 @@
 </file>
 
 <file path=ppt/slideLayouts/slideLayout1.xml><?xml version="1.0" encoding="utf-8"?>
-<p:sldLayout xmlns:a="http://schemas.openxmlformats.org/drawingml/2006/main" xmlns:r="http://schemas.openxmlformats.org/officeDocument/2006/relationships" xmlns:p="http://schemas.openxmlformats.org/presentationml/2006/main" xmlns:m="http://schemas.openxmlformats.org/officeDocument/2006/math" xmlns:a14="http://schemas.microsoft.com/office/drawing/2010/main" type="title" showMasterSp="1" showMasterPhAnim="1">
+<p:sldLayout xmlns:a="http://schemas.openxmlformats.org/drawingml/2006/main" xmlns:r="http://schemas.openxmlformats.org/officeDocument/2006/relationships" xmlns:p="http://schemas.openxmlformats.org/presentationml/2006/main" xmlns:m="http://schemas.openxmlformats.org/officeDocument/2006/math" xmlns:a14="http://schemas.microsoft.com/office/drawing/2010/main" type="tx" showMasterSp="1" showMasterPhAnim="1">
   <p:cSld name="Title">
     <p:spTree>
       <p:nvGrpSpPr>
@@ -517,23 +516,23 @@
       </p:grpSpPr>
       <p:sp>
         <p:nvSpPr>
-          <p:cNvPr id="11" name="Author and Date"/>
+          <p:cNvPr id="11" name="Body Level One…"/>
           <p:cNvSpPr txBox="1"/>
           <p:nvPr>
-            <p:ph type="body" sz="quarter" idx="21" hasCustomPrompt="1"/>
+            <p:ph type="body" sz="quarter" idx="1" hasCustomPrompt="1"/>
           </p:nvPr>
         </p:nvSpPr>
         <p:spPr>
           <a:xfrm>
             <a:off x="1201340" y="11859862"/>
-            <a:ext cx="21971003" cy="636979"/>
+            <a:ext cx="21971004" cy="636980"/>
           </a:xfrm>
           <a:prstGeom prst="rect">
             <a:avLst/>
           </a:prstGeom>
         </p:spPr>
         <p:txBody>
-          <a:bodyPr lIns="45719" tIns="45719" rIns="45719" bIns="45719"/>
+          <a:bodyPr lIns="45718" tIns="45718" rIns="45718" bIns="45718" numCol="1" spcCol="38100"/>
           <a:lstStyle>
             <a:lvl1pPr marL="0" indent="0" defTabSz="825500">
               <a:lnSpc>
@@ -546,11 +545,71 @@
               <a:buNone/>
               <a:defRPr b="1" sz="3600"/>
             </a:lvl1pPr>
+            <a:lvl2pPr marL="1066800" indent="-457200" defTabSz="825500">
+              <a:lnSpc>
+                <a:spcPct val="100000"/>
+              </a:lnSpc>
+              <a:spcBef>
+                <a:spcPts val="0"/>
+              </a:spcBef>
+              <a:defRPr b="1" sz="3600"/>
+            </a:lvl2pPr>
+            <a:lvl3pPr marL="1676400" indent="-457200" defTabSz="825500">
+              <a:lnSpc>
+                <a:spcPct val="100000"/>
+              </a:lnSpc>
+              <a:spcBef>
+                <a:spcPts val="0"/>
+              </a:spcBef>
+              <a:defRPr b="1" sz="3600"/>
+            </a:lvl3pPr>
+            <a:lvl4pPr marL="2286000" indent="-457200" defTabSz="825500">
+              <a:lnSpc>
+                <a:spcPct val="100000"/>
+              </a:lnSpc>
+              <a:spcBef>
+                <a:spcPts val="0"/>
+              </a:spcBef>
+              <a:defRPr b="1" sz="3600"/>
+            </a:lvl4pPr>
+            <a:lvl5pPr marL="2895600" indent="-457200" defTabSz="825500">
+              <a:lnSpc>
+                <a:spcPct val="100000"/>
+              </a:lnSpc>
+              <a:spcBef>
+                <a:spcPts val="0"/>
+              </a:spcBef>
+              <a:defRPr b="1" sz="3600"/>
+            </a:lvl5pPr>
           </a:lstStyle>
           <a:p>
             <a:pPr/>
             <a:r>
               <a:t>Author and Date</a:t>
+            </a:r>
+          </a:p>
+          <a:p>
+            <a:pPr lvl="1"/>
+            <a:r>
+              <a:t/>
+            </a:r>
+          </a:p>
+          <a:p>
+            <a:pPr lvl="2"/>
+            <a:r>
+              <a:t/>
+            </a:r>
+          </a:p>
+          <a:p>
+            <a:pPr lvl="3"/>
+            <a:r>
+              <a:t/>
+            </a:r>
+          </a:p>
+          <a:p>
+            <a:pPr lvl="4"/>
+            <a:r>
+              <a:t/>
             </a:r>
           </a:p>
         </p:txBody>
@@ -566,7 +625,7 @@
         <p:spPr>
           <a:xfrm>
             <a:off x="1206496" y="2574991"/>
-            <a:ext cx="21971004" cy="4648201"/>
+            <a:ext cx="21971005" cy="4648202"/>
           </a:xfrm>
           <a:prstGeom prst="rect">
             <a:avLst/>
@@ -592,20 +651,20 @@
           <p:cNvPr id="13" name="Body Level One…"/>
           <p:cNvSpPr txBox="1"/>
           <p:nvPr>
-            <p:ph type="body" sz="quarter" idx="1" hasCustomPrompt="1"/>
+            <p:ph type="body" sz="quarter" idx="21" hasCustomPrompt="1"/>
           </p:nvPr>
         </p:nvSpPr>
         <p:spPr>
           <a:xfrm>
             <a:off x="1201342" y="7223190"/>
-            <a:ext cx="21971001" cy="1905001"/>
+            <a:ext cx="21971002" cy="1905002"/>
           </a:xfrm>
           <a:prstGeom prst="rect">
             <a:avLst/>
           </a:prstGeom>
         </p:spPr>
         <p:txBody>
-          <a:bodyPr/>
+          <a:bodyPr numCol="1" spcCol="38100"/>
           <a:lstStyle>
             <a:lvl1pPr marL="0" indent="0" defTabSz="825500">
               <a:lnSpc>
@@ -618,79 +677,11 @@
               <a:buNone/>
               <a:defRPr b="1" sz="5500"/>
             </a:lvl1pPr>
-            <a:lvl2pPr marL="0" indent="457200" defTabSz="825500">
-              <a:lnSpc>
-                <a:spcPct val="100000"/>
-              </a:lnSpc>
-              <a:spcBef>
-                <a:spcPts val="0"/>
-              </a:spcBef>
-              <a:buSzTx/>
-              <a:buNone/>
-              <a:defRPr b="1" sz="5500"/>
-            </a:lvl2pPr>
-            <a:lvl3pPr marL="0" indent="914400" defTabSz="825500">
-              <a:lnSpc>
-                <a:spcPct val="100000"/>
-              </a:lnSpc>
-              <a:spcBef>
-                <a:spcPts val="0"/>
-              </a:spcBef>
-              <a:buSzTx/>
-              <a:buNone/>
-              <a:defRPr b="1" sz="5500"/>
-            </a:lvl3pPr>
-            <a:lvl4pPr marL="0" indent="1371600" defTabSz="825500">
-              <a:lnSpc>
-                <a:spcPct val="100000"/>
-              </a:lnSpc>
-              <a:spcBef>
-                <a:spcPts val="0"/>
-              </a:spcBef>
-              <a:buSzTx/>
-              <a:buNone/>
-              <a:defRPr b="1" sz="5500"/>
-            </a:lvl4pPr>
-            <a:lvl5pPr marL="0" indent="1828800" defTabSz="825500">
-              <a:lnSpc>
-                <a:spcPct val="100000"/>
-              </a:lnSpc>
-              <a:spcBef>
-                <a:spcPts val="0"/>
-              </a:spcBef>
-              <a:buSzTx/>
-              <a:buNone/>
-              <a:defRPr b="1" sz="5500"/>
-            </a:lvl5pPr>
           </a:lstStyle>
           <a:p>
             <a:pPr/>
             <a:r>
               <a:t>Presentation Subtitle</a:t>
-            </a:r>
-          </a:p>
-          <a:p>
-            <a:pPr lvl="1"/>
-            <a:r>
-              <a:t/>
-            </a:r>
-          </a:p>
-          <a:p>
-            <a:pPr lvl="2"/>
-            <a:r>
-              <a:t/>
-            </a:r>
-          </a:p>
-          <a:p>
-            <a:pPr lvl="3"/>
-            <a:r>
-              <a:t/>
-            </a:r>
-          </a:p>
-          <a:p>
-            <a:pPr lvl="4"/>
-            <a:r>
-              <a:t/>
             </a:r>
           </a:p>
         </p:txBody>
@@ -761,7 +752,7 @@
           </a:prstGeom>
         </p:spPr>
         <p:txBody>
-          <a:bodyPr anchor="ctr"/>
+          <a:bodyPr numCol="1" spcCol="38100" anchor="ctr"/>
           <a:lstStyle>
             <a:lvl1pPr marL="0" indent="0" algn="ctr">
               <a:lnSpc>
@@ -779,7 +770,7 @@
                 <a:sym typeface="Helvetica Neue Medium"/>
               </a:defRPr>
             </a:lvl1pPr>
-            <a:lvl2pPr marL="0" indent="457200" algn="ctr">
+            <a:lvl2pPr marL="0" indent="0" algn="ctr">
               <a:lnSpc>
                 <a:spcPct val="80000"/>
               </a:lnSpc>
@@ -795,7 +786,7 @@
                 <a:sym typeface="Helvetica Neue Medium"/>
               </a:defRPr>
             </a:lvl2pPr>
-            <a:lvl3pPr marL="0" indent="914400" algn="ctr">
+            <a:lvl3pPr marL="0" indent="0" algn="ctr">
               <a:lnSpc>
                 <a:spcPct val="80000"/>
               </a:lnSpc>
@@ -811,7 +802,7 @@
                 <a:sym typeface="Helvetica Neue Medium"/>
               </a:defRPr>
             </a:lvl3pPr>
-            <a:lvl4pPr marL="0" indent="1371600" algn="ctr">
+            <a:lvl4pPr marL="0" indent="0" algn="ctr">
               <a:lnSpc>
                 <a:spcPct val="80000"/>
               </a:lnSpc>
@@ -827,7 +818,7 @@
                 <a:sym typeface="Helvetica Neue Medium"/>
               </a:defRPr>
             </a:lvl4pPr>
-            <a:lvl5pPr marL="0" indent="1828800" algn="ctr">
+            <a:lvl5pPr marL="0" indent="0" algn="ctr">
               <a:lnSpc>
                 <a:spcPct val="80000"/>
               </a:lnSpc>
@@ -934,15 +925,15 @@
         </p:nvSpPr>
         <p:spPr>
           <a:xfrm>
-            <a:off x="1206500" y="1075927"/>
-            <a:ext cx="21971000" cy="7241584"/>
+            <a:off x="1206500" y="1075926"/>
+            <a:ext cx="21971000" cy="7241586"/>
           </a:xfrm>
           <a:prstGeom prst="rect">
             <a:avLst/>
           </a:prstGeom>
         </p:spPr>
         <p:txBody>
-          <a:bodyPr anchor="b"/>
+          <a:bodyPr numCol="1" spcCol="38100" anchor="b"/>
           <a:lstStyle>
             <a:lvl1pPr marL="0" indent="0" algn="ctr">
               <a:lnSpc>
@@ -955,7 +946,7 @@
               <a:buNone/>
               <a:defRPr b="1" spc="-250" sz="25000"/>
             </a:lvl1pPr>
-            <a:lvl2pPr marL="0" indent="457200" algn="ctr">
+            <a:lvl2pPr marL="0" indent="0" algn="ctr">
               <a:lnSpc>
                 <a:spcPct val="80000"/>
               </a:lnSpc>
@@ -966,7 +957,7 @@
               <a:buNone/>
               <a:defRPr b="1" spc="-250" sz="25000"/>
             </a:lvl2pPr>
-            <a:lvl3pPr marL="0" indent="914400" algn="ctr">
+            <a:lvl3pPr marL="0" indent="0" algn="ctr">
               <a:lnSpc>
                 <a:spcPct val="80000"/>
               </a:lnSpc>
@@ -977,7 +968,7 @@
               <a:buNone/>
               <a:defRPr b="1" spc="-250" sz="25000"/>
             </a:lvl3pPr>
-            <a:lvl4pPr marL="0" indent="1371600" algn="ctr">
+            <a:lvl4pPr marL="0" indent="0" algn="ctr">
               <a:lnSpc>
                 <a:spcPct val="80000"/>
               </a:lnSpc>
@@ -988,7 +979,7 @@
               <a:buNone/>
               <a:defRPr b="1" spc="-250" sz="25000"/>
             </a:lvl4pPr>
-            <a:lvl5pPr marL="0" indent="1828800" algn="ctr">
+            <a:lvl5pPr marL="0" indent="0" algn="ctr">
               <a:lnSpc>
                 <a:spcPct val="80000"/>
               </a:lnSpc>
@@ -1050,7 +1041,7 @@
           </a:prstGeom>
         </p:spPr>
         <p:txBody>
-          <a:bodyPr lIns="45719" tIns="45719" rIns="45719" bIns="45719"/>
+          <a:bodyPr lIns="45718" tIns="45718" rIns="45718" bIns="45718" numCol="1" spcCol="38100"/>
           <a:lstStyle>
             <a:lvl1pPr marL="0" indent="0" algn="ctr" defTabSz="825500">
               <a:lnSpc>
@@ -1122,23 +1113,23 @@
       </p:grpSpPr>
       <p:sp>
         <p:nvSpPr>
-          <p:cNvPr id="115" name="Attribution"/>
+          <p:cNvPr id="115" name="Body Level One…"/>
           <p:cNvSpPr txBox="1"/>
           <p:nvPr>
-            <p:ph type="body" sz="quarter" idx="21" hasCustomPrompt="1"/>
+            <p:ph type="body" sz="quarter" idx="1" hasCustomPrompt="1"/>
           </p:nvPr>
         </p:nvSpPr>
         <p:spPr>
           <a:xfrm>
-            <a:off x="2430025" y="10675453"/>
-            <a:ext cx="20200052" cy="636979"/>
+            <a:off x="2430024" y="10675453"/>
+            <a:ext cx="20200054" cy="636980"/>
           </a:xfrm>
           <a:prstGeom prst="rect">
             <a:avLst/>
           </a:prstGeom>
         </p:spPr>
         <p:txBody>
-          <a:bodyPr lIns="45719" tIns="45719" rIns="45719" bIns="45719"/>
+          <a:bodyPr lIns="45718" tIns="45718" rIns="45718" bIns="45718" numCol="1" spcCol="38100"/>
           <a:lstStyle>
             <a:lvl1pPr marL="0" indent="0" defTabSz="825500">
               <a:lnSpc>
@@ -1151,11 +1142,71 @@
               <a:buNone/>
               <a:defRPr b="1" sz="3600"/>
             </a:lvl1pPr>
+            <a:lvl2pPr marL="1066800" indent="-457200" defTabSz="825500">
+              <a:lnSpc>
+                <a:spcPct val="100000"/>
+              </a:lnSpc>
+              <a:spcBef>
+                <a:spcPts val="0"/>
+              </a:spcBef>
+              <a:defRPr b="1" sz="3600"/>
+            </a:lvl2pPr>
+            <a:lvl3pPr marL="1676400" indent="-457200" defTabSz="825500">
+              <a:lnSpc>
+                <a:spcPct val="100000"/>
+              </a:lnSpc>
+              <a:spcBef>
+                <a:spcPts val="0"/>
+              </a:spcBef>
+              <a:defRPr b="1" sz="3600"/>
+            </a:lvl3pPr>
+            <a:lvl4pPr marL="2286000" indent="-457200" defTabSz="825500">
+              <a:lnSpc>
+                <a:spcPct val="100000"/>
+              </a:lnSpc>
+              <a:spcBef>
+                <a:spcPts val="0"/>
+              </a:spcBef>
+              <a:defRPr b="1" sz="3600"/>
+            </a:lvl4pPr>
+            <a:lvl5pPr marL="2895600" indent="-457200" defTabSz="825500">
+              <a:lnSpc>
+                <a:spcPct val="100000"/>
+              </a:lnSpc>
+              <a:spcBef>
+                <a:spcPts val="0"/>
+              </a:spcBef>
+              <a:defRPr b="1" sz="3600"/>
+            </a:lvl5pPr>
           </a:lstStyle>
           <a:p>
             <a:pPr/>
             <a:r>
               <a:t>Attribution</a:t>
+            </a:r>
+          </a:p>
+          <a:p>
+            <a:pPr lvl="1"/>
+            <a:r>
+              <a:t/>
+            </a:r>
+          </a:p>
+          <a:p>
+            <a:pPr lvl="2"/>
+            <a:r>
+              <a:t/>
+            </a:r>
+          </a:p>
+          <a:p>
+            <a:pPr lvl="3"/>
+            <a:r>
+              <a:t/>
+            </a:r>
+          </a:p>
+          <a:p>
+            <a:pPr lvl="4"/>
+            <a:r>
+              <a:t/>
             </a:r>
           </a:p>
         </p:txBody>
@@ -1165,115 +1216,39 @@
           <p:cNvPr id="116" name="Body Level One…"/>
           <p:cNvSpPr txBox="1"/>
           <p:nvPr>
-            <p:ph type="body" sz="half" idx="1" hasCustomPrompt="1"/>
+            <p:ph type="body" sz="half" idx="21" hasCustomPrompt="1"/>
           </p:nvPr>
         </p:nvSpPr>
         <p:spPr>
           <a:xfrm>
             <a:off x="1753923" y="4939860"/>
-            <a:ext cx="20876154" cy="3836280"/>
+            <a:ext cx="20876154" cy="3836281"/>
           </a:xfrm>
           <a:prstGeom prst="rect">
             <a:avLst/>
           </a:prstGeom>
         </p:spPr>
         <p:txBody>
-          <a:bodyPr/>
+          <a:bodyPr numCol="1" spcCol="38100"/>
           <a:lstStyle>
-            <a:lvl1pPr marL="638923" indent="-469900">
+            <a:lvl1pPr marL="469900" indent="-300876">
               <a:spcBef>
                 <a:spcPts val="0"/>
               </a:spcBef>
               <a:buSzTx/>
               <a:buNone/>
-              <a:defRPr spc="-170" sz="8500">
+              <a:defRPr spc="-200" sz="8500">
                 <a:latin typeface="Helvetica Neue Medium"/>
                 <a:ea typeface="Helvetica Neue Medium"/>
                 <a:cs typeface="Helvetica Neue Medium"/>
                 <a:sym typeface="Helvetica Neue Medium"/>
               </a:defRPr>
             </a:lvl1pPr>
-            <a:lvl2pPr marL="638923" indent="-12700">
-              <a:spcBef>
-                <a:spcPts val="0"/>
-              </a:spcBef>
-              <a:buSzTx/>
-              <a:buNone/>
-              <a:defRPr spc="-170" sz="8500">
-                <a:latin typeface="Helvetica Neue Medium"/>
-                <a:ea typeface="Helvetica Neue Medium"/>
-                <a:cs typeface="Helvetica Neue Medium"/>
-                <a:sym typeface="Helvetica Neue Medium"/>
-              </a:defRPr>
-            </a:lvl2pPr>
-            <a:lvl3pPr marL="638923" indent="444500">
-              <a:spcBef>
-                <a:spcPts val="0"/>
-              </a:spcBef>
-              <a:buSzTx/>
-              <a:buNone/>
-              <a:defRPr spc="-170" sz="8500">
-                <a:latin typeface="Helvetica Neue Medium"/>
-                <a:ea typeface="Helvetica Neue Medium"/>
-                <a:cs typeface="Helvetica Neue Medium"/>
-                <a:sym typeface="Helvetica Neue Medium"/>
-              </a:defRPr>
-            </a:lvl3pPr>
-            <a:lvl4pPr marL="638923" indent="901700">
-              <a:spcBef>
-                <a:spcPts val="0"/>
-              </a:spcBef>
-              <a:buSzTx/>
-              <a:buNone/>
-              <a:defRPr spc="-170" sz="8500">
-                <a:latin typeface="Helvetica Neue Medium"/>
-                <a:ea typeface="Helvetica Neue Medium"/>
-                <a:cs typeface="Helvetica Neue Medium"/>
-                <a:sym typeface="Helvetica Neue Medium"/>
-              </a:defRPr>
-            </a:lvl4pPr>
-            <a:lvl5pPr marL="638923" indent="1358900">
-              <a:spcBef>
-                <a:spcPts val="0"/>
-              </a:spcBef>
-              <a:buSzTx/>
-              <a:buNone/>
-              <a:defRPr spc="-170" sz="8500">
-                <a:latin typeface="Helvetica Neue Medium"/>
-                <a:ea typeface="Helvetica Neue Medium"/>
-                <a:cs typeface="Helvetica Neue Medium"/>
-                <a:sym typeface="Helvetica Neue Medium"/>
-              </a:defRPr>
-            </a:lvl5pPr>
           </a:lstStyle>
           <a:p>
             <a:pPr/>
             <a:r>
               <a:t>“Notable Quote”</a:t>
-            </a:r>
-          </a:p>
-          <a:p>
-            <a:pPr lvl="1"/>
-            <a:r>
-              <a:t/>
-            </a:r>
-          </a:p>
-          <a:p>
-            <a:pPr lvl="2"/>
-            <a:r>
-              <a:t/>
-            </a:r>
-          </a:p>
-          <a:p>
-            <a:pPr lvl="3"/>
-            <a:r>
-              <a:t/>
-            </a:r>
-          </a:p>
-          <a:p>
-            <a:pPr lvl="4"/>
-            <a:r>
-              <a:t/>
             </a:r>
           </a:p>
         </p:txBody>
@@ -1344,7 +1319,7 @@
           </a:prstGeom>
         </p:spPr>
         <p:txBody>
-          <a:bodyPr lIns="91439" tIns="45719" rIns="91439" bIns="45719">
+          <a:bodyPr lIns="91439" tIns="45719" rIns="91439" bIns="45719" numCol="1" spcCol="38100">
             <a:noAutofit/>
           </a:bodyPr>
           <a:lstStyle/>
@@ -1371,7 +1346,7 @@
           </a:prstGeom>
         </p:spPr>
         <p:txBody>
-          <a:bodyPr lIns="91439" tIns="45719" rIns="91439" bIns="45719">
+          <a:bodyPr lIns="91439" tIns="45719" rIns="91439" bIns="45719" numCol="1" spcCol="38100">
             <a:noAutofit/>
           </a:bodyPr>
           <a:lstStyle/>
@@ -1398,7 +1373,7 @@
           </a:prstGeom>
         </p:spPr>
         <p:txBody>
-          <a:bodyPr lIns="91439" tIns="45719" rIns="91439" bIns="45719">
+          <a:bodyPr lIns="91439" tIns="45719" rIns="91439" bIns="45719" numCol="1" spcCol="38100">
             <a:noAutofit/>
           </a:bodyPr>
           <a:lstStyle/>
@@ -1473,7 +1448,7 @@
           </a:prstGeom>
         </p:spPr>
         <p:txBody>
-          <a:bodyPr lIns="91439" tIns="45719" rIns="91439" bIns="45719">
+          <a:bodyPr lIns="91439" tIns="45719" rIns="91439" bIns="45719" numCol="1" spcCol="38100">
             <a:noAutofit/>
           </a:bodyPr>
           <a:lstStyle/>
@@ -1604,7 +1579,7 @@
           </a:prstGeom>
         </p:spPr>
         <p:txBody>
-          <a:bodyPr lIns="91439" tIns="45719" rIns="91439" bIns="45719">
+          <a:bodyPr lIns="91439" tIns="45719" rIns="91439" bIns="45719" numCol="1" spcCol="38100">
             <a:noAutofit/>
           </a:bodyPr>
           <a:lstStyle/>
@@ -1647,23 +1622,23 @@
       </p:sp>
       <p:sp>
         <p:nvSpPr>
-          <p:cNvPr id="23" name="Author and Date"/>
+          <p:cNvPr id="23" name="Body Level One…"/>
           <p:cNvSpPr txBox="1"/>
           <p:nvPr>
-            <p:ph type="body" sz="quarter" idx="22" hasCustomPrompt="1"/>
+            <p:ph type="body" sz="quarter" idx="1" hasCustomPrompt="1"/>
           </p:nvPr>
         </p:nvSpPr>
         <p:spPr>
           <a:xfrm>
             <a:off x="1207690" y="1106137"/>
-            <a:ext cx="21968621" cy="636979"/>
+            <a:ext cx="21968621" cy="636980"/>
           </a:xfrm>
           <a:prstGeom prst="rect">
             <a:avLst/>
           </a:prstGeom>
         </p:spPr>
         <p:txBody>
-          <a:bodyPr lIns="45719" tIns="45719" rIns="45719" bIns="45719"/>
+          <a:bodyPr lIns="45718" tIns="45718" rIns="45718" bIns="45718" numCol="1" spcCol="38100"/>
           <a:lstStyle>
             <a:lvl1pPr marL="0" indent="0" defTabSz="825500">
               <a:lnSpc>
@@ -1676,11 +1651,71 @@
               <a:buNone/>
               <a:defRPr b="1" sz="3600"/>
             </a:lvl1pPr>
+            <a:lvl2pPr marL="1066800" indent="-457200" defTabSz="825500">
+              <a:lnSpc>
+                <a:spcPct val="100000"/>
+              </a:lnSpc>
+              <a:spcBef>
+                <a:spcPts val="0"/>
+              </a:spcBef>
+              <a:defRPr b="1" sz="3600"/>
+            </a:lvl2pPr>
+            <a:lvl3pPr marL="1676400" indent="-457200" defTabSz="825500">
+              <a:lnSpc>
+                <a:spcPct val="100000"/>
+              </a:lnSpc>
+              <a:spcBef>
+                <a:spcPts val="0"/>
+              </a:spcBef>
+              <a:defRPr b="1" sz="3600"/>
+            </a:lvl3pPr>
+            <a:lvl4pPr marL="2286000" indent="-457200" defTabSz="825500">
+              <a:lnSpc>
+                <a:spcPct val="100000"/>
+              </a:lnSpc>
+              <a:spcBef>
+                <a:spcPts val="0"/>
+              </a:spcBef>
+              <a:defRPr b="1" sz="3600"/>
+            </a:lvl4pPr>
+            <a:lvl5pPr marL="2895600" indent="-457200" defTabSz="825500">
+              <a:lnSpc>
+                <a:spcPct val="100000"/>
+              </a:lnSpc>
+              <a:spcBef>
+                <a:spcPts val="0"/>
+              </a:spcBef>
+              <a:defRPr b="1" sz="3600"/>
+            </a:lvl5pPr>
           </a:lstStyle>
           <a:p>
             <a:pPr/>
             <a:r>
               <a:t>Author and Date</a:t>
+            </a:r>
+          </a:p>
+          <a:p>
+            <a:pPr lvl="1"/>
+            <a:r>
+              <a:t/>
+            </a:r>
+          </a:p>
+          <a:p>
+            <a:pPr lvl="2"/>
+            <a:r>
+              <a:t/>
+            </a:r>
+          </a:p>
+          <a:p>
+            <a:pPr lvl="3"/>
+            <a:r>
+              <a:t/>
+            </a:r>
+          </a:p>
+          <a:p>
+            <a:pPr lvl="4"/>
+            <a:r>
+              <a:t/>
             </a:r>
           </a:p>
         </p:txBody>
@@ -1690,20 +1725,20 @@
           <p:cNvPr id="24" name="Body Level One…"/>
           <p:cNvSpPr txBox="1"/>
           <p:nvPr>
-            <p:ph type="body" sz="quarter" idx="1" hasCustomPrompt="1"/>
+            <p:ph type="body" sz="quarter" idx="22" hasCustomPrompt="1"/>
           </p:nvPr>
         </p:nvSpPr>
         <p:spPr>
           <a:xfrm>
-            <a:off x="1206500" y="11609910"/>
-            <a:ext cx="21971000" cy="1116952"/>
+            <a:off x="1206500" y="11609909"/>
+            <a:ext cx="21971000" cy="1116953"/>
           </a:xfrm>
           <a:prstGeom prst="rect">
             <a:avLst/>
           </a:prstGeom>
         </p:spPr>
         <p:txBody>
-          <a:bodyPr/>
+          <a:bodyPr numCol="1" spcCol="38100"/>
           <a:lstStyle>
             <a:lvl1pPr marL="0" indent="0" defTabSz="825500">
               <a:lnSpc>
@@ -1716,79 +1751,11 @@
               <a:buNone/>
               <a:defRPr b="1" sz="5500"/>
             </a:lvl1pPr>
-            <a:lvl2pPr marL="0" indent="457200" defTabSz="825500">
-              <a:lnSpc>
-                <a:spcPct val="100000"/>
-              </a:lnSpc>
-              <a:spcBef>
-                <a:spcPts val="0"/>
-              </a:spcBef>
-              <a:buSzTx/>
-              <a:buNone/>
-              <a:defRPr b="1" sz="5500"/>
-            </a:lvl2pPr>
-            <a:lvl3pPr marL="0" indent="914400" defTabSz="825500">
-              <a:lnSpc>
-                <a:spcPct val="100000"/>
-              </a:lnSpc>
-              <a:spcBef>
-                <a:spcPts val="0"/>
-              </a:spcBef>
-              <a:buSzTx/>
-              <a:buNone/>
-              <a:defRPr b="1" sz="5500"/>
-            </a:lvl3pPr>
-            <a:lvl4pPr marL="0" indent="1371600" defTabSz="825500">
-              <a:lnSpc>
-                <a:spcPct val="100000"/>
-              </a:lnSpc>
-              <a:spcBef>
-                <a:spcPts val="0"/>
-              </a:spcBef>
-              <a:buSzTx/>
-              <a:buNone/>
-              <a:defRPr b="1" sz="5500"/>
-            </a:lvl4pPr>
-            <a:lvl5pPr marL="0" indent="1828800" defTabSz="825500">
-              <a:lnSpc>
-                <a:spcPct val="100000"/>
-              </a:lnSpc>
-              <a:spcBef>
-                <a:spcPts val="0"/>
-              </a:spcBef>
-              <a:buSzTx/>
-              <a:buNone/>
-              <a:defRPr b="1" sz="5500"/>
-            </a:lvl5pPr>
           </a:lstStyle>
           <a:p>
             <a:pPr/>
             <a:r>
               <a:t>Presentation Subtitle</a:t>
-            </a:r>
-          </a:p>
-          <a:p>
-            <a:pPr lvl="1"/>
-            <a:r>
-              <a:t/>
-            </a:r>
-          </a:p>
-          <a:p>
-            <a:pPr lvl="2"/>
-            <a:r>
-              <a:t/>
-            </a:r>
-          </a:p>
-          <a:p>
-            <a:pPr lvl="3"/>
-            <a:r>
-              <a:t/>
-            </a:r>
-          </a:p>
-          <a:p>
-            <a:pPr lvl="4"/>
-            <a:r>
-              <a:t/>
             </a:r>
           </a:p>
         </p:txBody>
@@ -1859,7 +1826,7 @@
           </a:prstGeom>
         </p:spPr>
         <p:txBody>
-          <a:bodyPr lIns="91439" tIns="45719" rIns="91439" bIns="45719">
+          <a:bodyPr lIns="91439" tIns="45719" rIns="91439" bIns="45719" numCol="1" spcCol="38100">
             <a:noAutofit/>
           </a:bodyPr>
           <a:lstStyle/>
@@ -1879,7 +1846,7 @@
         <p:spPr>
           <a:xfrm>
             <a:off x="1206500" y="1270000"/>
-            <a:ext cx="9779000" cy="5882273"/>
+            <a:ext cx="9779000" cy="5882274"/>
           </a:xfrm>
           <a:prstGeom prst="rect">
             <a:avLst/>
@@ -1914,7 +1881,7 @@
           </a:prstGeom>
         </p:spPr>
         <p:txBody>
-          <a:bodyPr/>
+          <a:bodyPr numCol="1" spcCol="38100"/>
           <a:lstStyle>
             <a:lvl1pPr marL="0" indent="0" defTabSz="825500">
               <a:lnSpc>
@@ -1927,7 +1894,7 @@
               <a:buNone/>
               <a:defRPr b="1" sz="5500"/>
             </a:lvl1pPr>
-            <a:lvl2pPr marL="0" indent="457200" defTabSz="825500">
+            <a:lvl2pPr marL="0" indent="0" defTabSz="825500">
               <a:lnSpc>
                 <a:spcPct val="100000"/>
               </a:lnSpc>
@@ -1938,7 +1905,7 @@
               <a:buNone/>
               <a:defRPr b="1" sz="5500"/>
             </a:lvl2pPr>
-            <a:lvl3pPr marL="0" indent="914400" defTabSz="825500">
+            <a:lvl3pPr marL="0" indent="0" defTabSz="825500">
               <a:lnSpc>
                 <a:spcPct val="100000"/>
               </a:lnSpc>
@@ -1949,7 +1916,7 @@
               <a:buNone/>
               <a:defRPr b="1" sz="5500"/>
             </a:lvl3pPr>
-            <a:lvl4pPr marL="0" indent="1371600" defTabSz="825500">
+            <a:lvl4pPr marL="0" indent="0" defTabSz="825500">
               <a:lnSpc>
                 <a:spcPct val="100000"/>
               </a:lnSpc>
@@ -1960,7 +1927,7 @@
               <a:buNone/>
               <a:defRPr b="1" sz="5500"/>
             </a:lvl4pPr>
-            <a:lvl5pPr marL="0" indent="1828800" defTabSz="825500">
+            <a:lvl5pPr marL="0" indent="0" defTabSz="825500">
               <a:lnSpc>
                 <a:spcPct val="100000"/>
               </a:lnSpc>
@@ -2065,6 +2032,10 @@
           </p:nvPr>
         </p:nvSpPr>
         <p:spPr>
+          <a:xfrm>
+            <a:off x="1206500" y="1079500"/>
+            <a:ext cx="21971000" cy="1433164"/>
+          </a:xfrm>
           <a:prstGeom prst="rect">
             <a:avLst/>
           </a:prstGeom>
@@ -2082,23 +2053,23 @@
       </p:sp>
       <p:sp>
         <p:nvSpPr>
-          <p:cNvPr id="43" name="Slide Subtitle"/>
+          <p:cNvPr id="43" name="Body Level One…"/>
           <p:cNvSpPr txBox="1"/>
           <p:nvPr>
-            <p:ph type="body" sz="quarter" idx="21" hasCustomPrompt="1"/>
+            <p:ph type="body" sz="quarter" idx="1" hasCustomPrompt="1"/>
           </p:nvPr>
         </p:nvSpPr>
         <p:spPr>
           <a:xfrm>
-            <a:off x="1206500" y="2372962"/>
-            <a:ext cx="21971000" cy="934780"/>
+            <a:off x="1206500" y="2372961"/>
+            <a:ext cx="21971000" cy="934781"/>
           </a:xfrm>
           <a:prstGeom prst="rect">
             <a:avLst/>
           </a:prstGeom>
         </p:spPr>
         <p:txBody>
-          <a:bodyPr lIns="45719" tIns="45719" rIns="45719" bIns="45719"/>
+          <a:bodyPr lIns="45718" tIns="45718" rIns="45718" bIns="45718" numCol="1" spcCol="38100"/>
           <a:lstStyle>
             <a:lvl1pPr marL="0" indent="0" defTabSz="825500">
               <a:lnSpc>
@@ -2111,11 +2082,71 @@
               <a:buNone/>
               <a:defRPr b="1" sz="5500"/>
             </a:lvl1pPr>
+            <a:lvl2pPr marL="1308100" indent="-698500" defTabSz="825500">
+              <a:lnSpc>
+                <a:spcPct val="100000"/>
+              </a:lnSpc>
+              <a:spcBef>
+                <a:spcPts val="0"/>
+              </a:spcBef>
+              <a:defRPr b="1" sz="5500"/>
+            </a:lvl2pPr>
+            <a:lvl3pPr marL="1917700" indent="-698500" defTabSz="825500">
+              <a:lnSpc>
+                <a:spcPct val="100000"/>
+              </a:lnSpc>
+              <a:spcBef>
+                <a:spcPts val="0"/>
+              </a:spcBef>
+              <a:defRPr b="1" sz="5500"/>
+            </a:lvl3pPr>
+            <a:lvl4pPr marL="2527300" indent="-698500" defTabSz="825500">
+              <a:lnSpc>
+                <a:spcPct val="100000"/>
+              </a:lnSpc>
+              <a:spcBef>
+                <a:spcPts val="0"/>
+              </a:spcBef>
+              <a:defRPr b="1" sz="5500"/>
+            </a:lvl4pPr>
+            <a:lvl5pPr marL="3136900" indent="-698500" defTabSz="825500">
+              <a:lnSpc>
+                <a:spcPct val="100000"/>
+              </a:lnSpc>
+              <a:spcBef>
+                <a:spcPts val="0"/>
+              </a:spcBef>
+              <a:defRPr b="1" sz="5500"/>
+            </a:lvl5pPr>
           </a:lstStyle>
           <a:p>
             <a:pPr/>
             <a:r>
               <a:t>Slide Subtitle</a:t>
+            </a:r>
+          </a:p>
+          <a:p>
+            <a:pPr lvl="1"/>
+            <a:r>
+              <a:t/>
+            </a:r>
+          </a:p>
+          <a:p>
+            <a:pPr lvl="2"/>
+            <a:r>
+              <a:t/>
+            </a:r>
+          </a:p>
+          <a:p>
+            <a:pPr lvl="3"/>
+            <a:r>
+              <a:t/>
+            </a:r>
+          </a:p>
+          <a:p>
+            <a:pPr lvl="4"/>
+            <a:r>
+              <a:t/>
             </a:r>
           </a:p>
         </p:txBody>
@@ -2125,7 +2156,7 @@
           <p:cNvPr id="44" name="Body Level One…"/>
           <p:cNvSpPr txBox="1"/>
           <p:nvPr>
-            <p:ph type="body" idx="1" hasCustomPrompt="1"/>
+            <p:ph type="body" idx="21" hasCustomPrompt="1"/>
           </p:nvPr>
         </p:nvSpPr>
         <p:spPr>
@@ -2134,36 +2165,12 @@
           </a:prstGeom>
         </p:spPr>
         <p:txBody>
-          <a:bodyPr/>
+          <a:bodyPr numCol="1" spcCol="38100"/>
           <a:lstStyle/>
           <a:p>
             <a:pPr/>
             <a:r>
               <a:t>Slide bullet text</a:t>
-            </a:r>
-          </a:p>
-          <a:p>
-            <a:pPr lvl="1"/>
-            <a:r>
-              <a:t/>
-            </a:r>
-          </a:p>
-          <a:p>
-            <a:pPr lvl="2"/>
-            <a:r>
-              <a:t/>
-            </a:r>
-          </a:p>
-          <a:p>
-            <a:pPr lvl="3"/>
-            <a:r>
-              <a:t/>
-            </a:r>
-          </a:p>
-          <a:p>
-            <a:pPr lvl="4"/>
-            <a:r>
-              <a:t/>
             </a:r>
           </a:p>
         </p:txBody>
@@ -2230,7 +2237,7 @@
           </a:prstGeom>
         </p:spPr>
         <p:txBody>
-          <a:bodyPr numCol="2" spcCol="1098550"/>
+          <a:bodyPr/>
           <a:lstStyle/>
           <a:p>
             <a:pPr/>
@@ -2314,23 +2321,23 @@
       </p:grpSpPr>
       <p:sp>
         <p:nvSpPr>
-          <p:cNvPr id="60" name="Slide Subtitle"/>
+          <p:cNvPr id="60" name="Body Level One…"/>
           <p:cNvSpPr txBox="1"/>
           <p:nvPr>
-            <p:ph type="body" sz="quarter" idx="21" hasCustomPrompt="1"/>
+            <p:ph type="body" sz="quarter" idx="1" hasCustomPrompt="1"/>
           </p:nvPr>
         </p:nvSpPr>
         <p:spPr>
           <a:xfrm>
-            <a:off x="1206500" y="2372962"/>
-            <a:ext cx="9779000" cy="934780"/>
+            <a:off x="1206500" y="2372961"/>
+            <a:ext cx="9779000" cy="934781"/>
           </a:xfrm>
           <a:prstGeom prst="rect">
             <a:avLst/>
           </a:prstGeom>
         </p:spPr>
         <p:txBody>
-          <a:bodyPr lIns="45719" tIns="45719" rIns="45719" bIns="45719"/>
+          <a:bodyPr lIns="45718" tIns="45718" rIns="45718" bIns="45718" numCol="1" spcCol="38100"/>
           <a:lstStyle>
             <a:lvl1pPr marL="0" indent="0" defTabSz="825500">
               <a:lnSpc>
@@ -2343,11 +2350,71 @@
               <a:buNone/>
               <a:defRPr b="1" sz="5500"/>
             </a:lvl1pPr>
+            <a:lvl2pPr marL="1308100" indent="-698500" defTabSz="825500">
+              <a:lnSpc>
+                <a:spcPct val="100000"/>
+              </a:lnSpc>
+              <a:spcBef>
+                <a:spcPts val="0"/>
+              </a:spcBef>
+              <a:defRPr b="1" sz="5500"/>
+            </a:lvl2pPr>
+            <a:lvl3pPr marL="1917700" indent="-698500" defTabSz="825500">
+              <a:lnSpc>
+                <a:spcPct val="100000"/>
+              </a:lnSpc>
+              <a:spcBef>
+                <a:spcPts val="0"/>
+              </a:spcBef>
+              <a:defRPr b="1" sz="5500"/>
+            </a:lvl3pPr>
+            <a:lvl4pPr marL="2527300" indent="-698500" defTabSz="825500">
+              <a:lnSpc>
+                <a:spcPct val="100000"/>
+              </a:lnSpc>
+              <a:spcBef>
+                <a:spcPts val="0"/>
+              </a:spcBef>
+              <a:defRPr b="1" sz="5500"/>
+            </a:lvl4pPr>
+            <a:lvl5pPr marL="3136900" indent="-698500" defTabSz="825500">
+              <a:lnSpc>
+                <a:spcPct val="100000"/>
+              </a:lnSpc>
+              <a:spcBef>
+                <a:spcPts val="0"/>
+              </a:spcBef>
+              <a:defRPr b="1" sz="5500"/>
+            </a:lvl5pPr>
           </a:lstStyle>
           <a:p>
             <a:pPr/>
             <a:r>
               <a:t>Slide Subtitle</a:t>
+            </a:r>
+          </a:p>
+          <a:p>
+            <a:pPr lvl="1"/>
+            <a:r>
+              <a:t/>
+            </a:r>
+          </a:p>
+          <a:p>
+            <a:pPr lvl="2"/>
+            <a:r>
+              <a:t/>
+            </a:r>
+          </a:p>
+          <a:p>
+            <a:pPr lvl="3"/>
+            <a:r>
+              <a:t/>
+            </a:r>
+          </a:p>
+          <a:p>
+            <a:pPr lvl="4"/>
+            <a:r>
+              <a:t/>
             </a:r>
           </a:p>
         </p:txBody>
@@ -2357,49 +2424,25 @@
           <p:cNvPr id="61" name="Body Level One…"/>
           <p:cNvSpPr txBox="1"/>
           <p:nvPr>
-            <p:ph type="body" sz="half" idx="1" hasCustomPrompt="1"/>
+            <p:ph type="body" sz="half" idx="21" hasCustomPrompt="1"/>
           </p:nvPr>
         </p:nvSpPr>
         <p:spPr>
           <a:xfrm>
-            <a:off x="1206500" y="4248504"/>
-            <a:ext cx="9779000" cy="8256630"/>
+            <a:off x="1206500" y="4248503"/>
+            <a:ext cx="9779000" cy="8256631"/>
           </a:xfrm>
           <a:prstGeom prst="rect">
             <a:avLst/>
           </a:prstGeom>
         </p:spPr>
         <p:txBody>
-          <a:bodyPr/>
+          <a:bodyPr numCol="1" spcCol="38100"/>
           <a:lstStyle/>
           <a:p>
             <a:pPr/>
             <a:r>
               <a:t>Slide bullet text</a:t>
-            </a:r>
-          </a:p>
-          <a:p>
-            <a:pPr lvl="1"/>
-            <a:r>
-              <a:t/>
-            </a:r>
-          </a:p>
-          <a:p>
-            <a:pPr lvl="2"/>
-            <a:r>
-              <a:t/>
-            </a:r>
-          </a:p>
-          <a:p>
-            <a:pPr lvl="3"/>
-            <a:r>
-              <a:t/>
-            </a:r>
-          </a:p>
-          <a:p>
-            <a:pPr lvl="4"/>
-            <a:r>
-              <a:t/>
             </a:r>
           </a:p>
         </p:txBody>
@@ -2415,14 +2458,14 @@
         <p:spPr>
           <a:xfrm>
             <a:off x="12192000" y="-407266"/>
-            <a:ext cx="10916874" cy="14555832"/>
+            <a:ext cx="10916874" cy="14555833"/>
           </a:xfrm>
           <a:prstGeom prst="rect">
             <a:avLst/>
           </a:prstGeom>
         </p:spPr>
         <p:txBody>
-          <a:bodyPr lIns="91439" tIns="45719" rIns="91439" bIns="45719">
+          <a:bodyPr lIns="91439" tIns="45719" rIns="91439" bIns="45719" numCol="1" spcCol="38100">
             <a:noAutofit/>
           </a:bodyPr>
           <a:lstStyle/>
@@ -2518,7 +2561,7 @@
         <p:spPr>
           <a:xfrm>
             <a:off x="1206496" y="4533900"/>
-            <a:ext cx="21971004" cy="4648200"/>
+            <a:ext cx="21971005" cy="4648200"/>
           </a:xfrm>
           <a:prstGeom prst="rect">
             <a:avLst/>
@@ -2607,7 +2650,7 @@
         <p:spPr>
           <a:xfrm>
             <a:off x="1206500" y="1079500"/>
-            <a:ext cx="21971000" cy="1434949"/>
+            <a:ext cx="21971000" cy="1434950"/>
           </a:xfrm>
           <a:prstGeom prst="rect">
             <a:avLst/>
@@ -2626,23 +2669,23 @@
       </p:sp>
       <p:sp>
         <p:nvSpPr>
-          <p:cNvPr id="80" name="Slide Subtitle"/>
+          <p:cNvPr id="80" name="Body Level One…"/>
           <p:cNvSpPr txBox="1"/>
           <p:nvPr>
-            <p:ph type="body" sz="quarter" idx="21" hasCustomPrompt="1"/>
+            <p:ph type="body" sz="quarter" idx="1" hasCustomPrompt="1"/>
           </p:nvPr>
         </p:nvSpPr>
         <p:spPr>
           <a:xfrm>
-            <a:off x="1206500" y="2372962"/>
-            <a:ext cx="21971000" cy="934780"/>
+            <a:off x="1206500" y="2372961"/>
+            <a:ext cx="21971000" cy="934781"/>
           </a:xfrm>
           <a:prstGeom prst="rect">
             <a:avLst/>
           </a:prstGeom>
         </p:spPr>
         <p:txBody>
-          <a:bodyPr lIns="45719" tIns="45719" rIns="45719" bIns="45719"/>
+          <a:bodyPr lIns="45718" tIns="45718" rIns="45718" bIns="45718" numCol="1" spcCol="38100"/>
           <a:lstStyle>
             <a:lvl1pPr marL="0" indent="0" defTabSz="825500">
               <a:lnSpc>
@@ -2655,11 +2698,71 @@
               <a:buNone/>
               <a:defRPr b="1" sz="5500"/>
             </a:lvl1pPr>
+            <a:lvl2pPr marL="1308100" indent="-698500" defTabSz="825500">
+              <a:lnSpc>
+                <a:spcPct val="100000"/>
+              </a:lnSpc>
+              <a:spcBef>
+                <a:spcPts val="0"/>
+              </a:spcBef>
+              <a:defRPr b="1" sz="5500"/>
+            </a:lvl2pPr>
+            <a:lvl3pPr marL="1917700" indent="-698500" defTabSz="825500">
+              <a:lnSpc>
+                <a:spcPct val="100000"/>
+              </a:lnSpc>
+              <a:spcBef>
+                <a:spcPts val="0"/>
+              </a:spcBef>
+              <a:defRPr b="1" sz="5500"/>
+            </a:lvl3pPr>
+            <a:lvl4pPr marL="2527300" indent="-698500" defTabSz="825500">
+              <a:lnSpc>
+                <a:spcPct val="100000"/>
+              </a:lnSpc>
+              <a:spcBef>
+                <a:spcPts val="0"/>
+              </a:spcBef>
+              <a:defRPr b="1" sz="5500"/>
+            </a:lvl4pPr>
+            <a:lvl5pPr marL="3136900" indent="-698500" defTabSz="825500">
+              <a:lnSpc>
+                <a:spcPct val="100000"/>
+              </a:lnSpc>
+              <a:spcBef>
+                <a:spcPts val="0"/>
+              </a:spcBef>
+              <a:defRPr b="1" sz="5500"/>
+            </a:lvl5pPr>
           </a:lstStyle>
           <a:p>
             <a:pPr/>
             <a:r>
               <a:t>Slide Subtitle</a:t>
+            </a:r>
+          </a:p>
+          <a:p>
+            <a:pPr lvl="1"/>
+            <a:r>
+              <a:t/>
+            </a:r>
+          </a:p>
+          <a:p>
+            <a:pPr lvl="2"/>
+            <a:r>
+              <a:t/>
+            </a:r>
+          </a:p>
+          <a:p>
+            <a:pPr lvl="3"/>
+            <a:r>
+              <a:t/>
+            </a:r>
+          </a:p>
+          <a:p>
+            <a:pPr lvl="4"/>
+            <a:r>
+              <a:t/>
             </a:r>
           </a:p>
         </p:txBody>
@@ -2742,23 +2845,23 @@
       </p:sp>
       <p:sp>
         <p:nvSpPr>
-          <p:cNvPr id="89" name="Agenda Subtitle"/>
+          <p:cNvPr id="89" name="Body Level One…"/>
           <p:cNvSpPr txBox="1"/>
           <p:nvPr>
-            <p:ph type="body" sz="quarter" idx="21" hasCustomPrompt="1"/>
+            <p:ph type="body" sz="quarter" idx="1" hasCustomPrompt="1"/>
           </p:nvPr>
         </p:nvSpPr>
         <p:spPr>
           <a:xfrm>
-            <a:off x="1206500" y="2372962"/>
-            <a:ext cx="21971000" cy="934780"/>
+            <a:off x="1206500" y="2372961"/>
+            <a:ext cx="21971000" cy="934781"/>
           </a:xfrm>
           <a:prstGeom prst="rect">
             <a:avLst/>
           </a:prstGeom>
         </p:spPr>
         <p:txBody>
-          <a:bodyPr lIns="45719" tIns="45719" rIns="45719" bIns="45719"/>
+          <a:bodyPr lIns="45718" tIns="45718" rIns="45718" bIns="45718" numCol="1" spcCol="38100"/>
           <a:lstStyle>
             <a:lvl1pPr marL="0" indent="0" defTabSz="825500">
               <a:lnSpc>
@@ -2771,11 +2874,71 @@
               <a:buNone/>
               <a:defRPr b="1" sz="5500"/>
             </a:lvl1pPr>
+            <a:lvl2pPr marL="1308100" indent="-698500" defTabSz="825500">
+              <a:lnSpc>
+                <a:spcPct val="100000"/>
+              </a:lnSpc>
+              <a:spcBef>
+                <a:spcPts val="0"/>
+              </a:spcBef>
+              <a:defRPr b="1" sz="5500"/>
+            </a:lvl2pPr>
+            <a:lvl3pPr marL="1917700" indent="-698500" defTabSz="825500">
+              <a:lnSpc>
+                <a:spcPct val="100000"/>
+              </a:lnSpc>
+              <a:spcBef>
+                <a:spcPts val="0"/>
+              </a:spcBef>
+              <a:defRPr b="1" sz="5500"/>
+            </a:lvl3pPr>
+            <a:lvl4pPr marL="2527300" indent="-698500" defTabSz="825500">
+              <a:lnSpc>
+                <a:spcPct val="100000"/>
+              </a:lnSpc>
+              <a:spcBef>
+                <a:spcPts val="0"/>
+              </a:spcBef>
+              <a:defRPr b="1" sz="5500"/>
+            </a:lvl4pPr>
+            <a:lvl5pPr marL="3136900" indent="-698500" defTabSz="825500">
+              <a:lnSpc>
+                <a:spcPct val="100000"/>
+              </a:lnSpc>
+              <a:spcBef>
+                <a:spcPts val="0"/>
+              </a:spcBef>
+              <a:defRPr b="1" sz="5500"/>
+            </a:lvl5pPr>
           </a:lstStyle>
           <a:p>
             <a:pPr/>
             <a:r>
               <a:t>Agenda Subtitle</a:t>
+            </a:r>
+          </a:p>
+          <a:p>
+            <a:pPr lvl="1"/>
+            <a:r>
+              <a:t/>
+            </a:r>
+          </a:p>
+          <a:p>
+            <a:pPr lvl="2"/>
+            <a:r>
+              <a:t/>
+            </a:r>
+          </a:p>
+          <a:p>
+            <a:pPr lvl="3"/>
+            <a:r>
+              <a:t/>
+            </a:r>
+          </a:p>
+          <a:p>
+            <a:pPr lvl="4"/>
+            <a:r>
+              <a:t/>
             </a:r>
           </a:p>
         </p:txBody>
@@ -2785,7 +2948,7 @@
           <p:cNvPr id="90" name="Body Level One…"/>
           <p:cNvSpPr txBox="1"/>
           <p:nvPr>
-            <p:ph type="body" idx="1" hasCustomPrompt="1"/>
+            <p:ph type="body" idx="21" hasCustomPrompt="1"/>
           </p:nvPr>
         </p:nvSpPr>
         <p:spPr>
@@ -2794,7 +2957,7 @@
           </a:prstGeom>
         </p:spPr>
         <p:txBody>
-          <a:bodyPr/>
+          <a:bodyPr numCol="1" spcCol="38100"/>
           <a:lstStyle>
             <a:lvl1pPr marL="0" indent="0" defTabSz="825500">
               <a:lnSpc>
@@ -2805,81 +2968,13 @@
               </a:spcBef>
               <a:buSzTx/>
               <a:buNone/>
-              <a:defRPr spc="-55" sz="5500"/>
+              <a:defRPr spc="-99" sz="5500"/>
             </a:lvl1pPr>
-            <a:lvl2pPr marL="0" indent="457200" defTabSz="825500">
-              <a:lnSpc>
-                <a:spcPct val="100000"/>
-              </a:lnSpc>
-              <a:spcBef>
-                <a:spcPts val="1800"/>
-              </a:spcBef>
-              <a:buSzTx/>
-              <a:buNone/>
-              <a:defRPr spc="-55" sz="5500"/>
-            </a:lvl2pPr>
-            <a:lvl3pPr marL="0" indent="914400" defTabSz="825500">
-              <a:lnSpc>
-                <a:spcPct val="100000"/>
-              </a:lnSpc>
-              <a:spcBef>
-                <a:spcPts val="1800"/>
-              </a:spcBef>
-              <a:buSzTx/>
-              <a:buNone/>
-              <a:defRPr spc="-55" sz="5500"/>
-            </a:lvl3pPr>
-            <a:lvl4pPr marL="0" indent="1371600" defTabSz="825500">
-              <a:lnSpc>
-                <a:spcPct val="100000"/>
-              </a:lnSpc>
-              <a:spcBef>
-                <a:spcPts val="1800"/>
-              </a:spcBef>
-              <a:buSzTx/>
-              <a:buNone/>
-              <a:defRPr spc="-55" sz="5500"/>
-            </a:lvl4pPr>
-            <a:lvl5pPr marL="0" indent="1828800" defTabSz="825500">
-              <a:lnSpc>
-                <a:spcPct val="100000"/>
-              </a:lnSpc>
-              <a:spcBef>
-                <a:spcPts val="1800"/>
-              </a:spcBef>
-              <a:buSzTx/>
-              <a:buNone/>
-              <a:defRPr spc="-55" sz="5500"/>
-            </a:lvl5pPr>
           </a:lstStyle>
           <a:p>
             <a:pPr/>
             <a:r>
               <a:t>Agenda Topics</a:t>
-            </a:r>
-          </a:p>
-          <a:p>
-            <a:pPr lvl="1"/>
-            <a:r>
-              <a:t/>
-            </a:r>
-          </a:p>
-          <a:p>
-            <a:pPr lvl="2"/>
-            <a:r>
-              <a:t/>
-            </a:r>
-          </a:p>
-          <a:p>
-            <a:pPr lvl="3"/>
-            <a:r>
-              <a:t/>
-            </a:r>
-          </a:p>
-          <a:p>
-            <a:pPr lvl="4"/>
-            <a:r>
-              <a:t/>
             </a:r>
           </a:p>
         </p:txBody>
@@ -2941,16 +3036,78 @@
       </p:grpSpPr>
       <p:sp>
         <p:nvSpPr>
-          <p:cNvPr id="2" name="Slide Title"/>
+          <p:cNvPr id="2" name="Body Level One…"/>
           <p:cNvSpPr txBox="1"/>
           <p:nvPr>
-            <p:ph type="title" hasCustomPrompt="1"/>
+            <p:ph type="body" idx="1" hasCustomPrompt="1"/>
           </p:nvPr>
         </p:nvSpPr>
         <p:spPr>
           <a:xfrm>
-            <a:off x="1206500" y="1079500"/>
-            <a:ext cx="21971000" cy="1433163"/>
+            <a:off x="1206500" y="4248503"/>
+            <a:ext cx="21971000" cy="8256014"/>
+          </a:xfrm>
+          <a:prstGeom prst="rect">
+            <a:avLst/>
+          </a:prstGeom>
+          <a:ln w="12700">
+            <a:miter lim="400000"/>
+          </a:ln>
+          <a:extLst>
+            <a:ext uri="{C572A759-6A51-4108-AA02-DFA0A04FC94B}">
+              <ma14:wrappingTextBoxFlag xmlns:ma14="http://schemas.microsoft.com/office/mac/drawingml/2011/main" val="1"/>
+            </a:ext>
+          </a:extLst>
+        </p:spPr>
+        <p:txBody>
+          <a:bodyPr lIns="50800" tIns="50800" rIns="50800" bIns="50800" numCol="2" spcCol="1098550">
+            <a:normAutofit fontScale="100000" lnSpcReduction="0"/>
+          </a:bodyPr>
+          <a:lstStyle/>
+          <a:p>
+            <a:pPr/>
+            <a:r>
+              <a:t>Slide bullet text</a:t>
+            </a:r>
+          </a:p>
+          <a:p>
+            <a:pPr lvl="1"/>
+            <a:r>
+              <a:t/>
+            </a:r>
+          </a:p>
+          <a:p>
+            <a:pPr lvl="2"/>
+            <a:r>
+              <a:t/>
+            </a:r>
+          </a:p>
+          <a:p>
+            <a:pPr lvl="3"/>
+            <a:r>
+              <a:t/>
+            </a:r>
+          </a:p>
+          <a:p>
+            <a:pPr lvl="4"/>
+            <a:r>
+              <a:t/>
+            </a:r>
+          </a:p>
+        </p:txBody>
+      </p:sp>
+      <p:sp>
+        <p:nvSpPr>
+          <p:cNvPr id="3" name="Title Text"/>
+          <p:cNvSpPr txBox="1"/>
+          <p:nvPr>
+            <p:ph type="title"/>
+          </p:nvPr>
+        </p:nvSpPr>
+        <p:spPr>
+          <a:xfrm>
+            <a:off x="3653366" y="2743200"/>
+            <a:ext cx="19507201" cy="1505304"/>
           </a:xfrm>
           <a:prstGeom prst="rect">
             <a:avLst/>
@@ -2972,69 +3129,7 @@
           <a:p>
             <a:pPr/>
             <a:r>
-              <a:t>Slide Title</a:t>
-            </a:r>
-          </a:p>
-        </p:txBody>
-      </p:sp>
-      <p:sp>
-        <p:nvSpPr>
-          <p:cNvPr id="3" name="Body Level One…"/>
-          <p:cNvSpPr txBox="1"/>
-          <p:nvPr>
-            <p:ph type="body" idx="1" hasCustomPrompt="1"/>
-          </p:nvPr>
-        </p:nvSpPr>
-        <p:spPr>
-          <a:xfrm>
-            <a:off x="1206500" y="4248504"/>
-            <a:ext cx="21971000" cy="8256012"/>
-          </a:xfrm>
-          <a:prstGeom prst="rect">
-            <a:avLst/>
-          </a:prstGeom>
-          <a:ln w="12700">
-            <a:miter lim="400000"/>
-          </a:ln>
-          <a:extLst>
-            <a:ext uri="{C572A759-6A51-4108-AA02-DFA0A04FC94B}">
-              <ma14:wrappingTextBoxFlag xmlns:ma14="http://schemas.microsoft.com/office/mac/drawingml/2011/main" val="1"/>
-            </a:ext>
-          </a:extLst>
-        </p:spPr>
-        <p:txBody>
-          <a:bodyPr lIns="50800" tIns="50800" rIns="50800" bIns="50800">
-            <a:normAutofit fontScale="100000" lnSpcReduction="0"/>
-          </a:bodyPr>
-          <a:lstStyle/>
-          <a:p>
-            <a:pPr/>
-            <a:r>
-              <a:t>Slide bullet text</a:t>
-            </a:r>
-          </a:p>
-          <a:p>
-            <a:pPr lvl="1"/>
-            <a:r>
-              <a:t/>
-            </a:r>
-          </a:p>
-          <a:p>
-            <a:pPr lvl="2"/>
-            <a:r>
-              <a:t/>
-            </a:r>
-          </a:p>
-          <a:p>
-            <a:pPr lvl="3"/>
-            <a:r>
-              <a:t/>
-            </a:r>
-          </a:p>
-          <a:p>
-            <a:pPr lvl="4"/>
-            <a:r>
-              <a:t/>
+              <a:t>Title Text</a:t>
             </a:r>
           </a:p>
         </p:txBody>
@@ -3101,7 +3196,7 @@
   <p:transition xmlns:p14="http://schemas.microsoft.com/office/powerpoint/2010/main" spd="med" advClick="1"/>
   <p:txStyles>
     <p:titleStyle>
-      <a:lvl1pPr marL="0" marR="0" indent="0" algn="l" defTabSz="2438338" rtl="0" latinLnBrk="0">
+      <a:lvl1pPr marL="0" marR="0" indent="0" algn="l" defTabSz="2438337" rtl="0" latinLnBrk="0">
         <a:lnSpc>
           <a:spcPct val="80000"/>
         </a:lnSpc>
@@ -3127,7 +3222,7 @@
           <a:sym typeface="Helvetica Neue"/>
         </a:defRPr>
       </a:lvl1pPr>
-      <a:lvl2pPr marL="0" marR="0" indent="457200" algn="l" defTabSz="2438338" rtl="0" latinLnBrk="0">
+      <a:lvl2pPr marL="0" marR="0" indent="0" algn="l" defTabSz="2438337" rtl="0" latinLnBrk="0">
         <a:lnSpc>
           <a:spcPct val="80000"/>
         </a:lnSpc>
@@ -3153,7 +3248,7 @@
           <a:sym typeface="Helvetica Neue"/>
         </a:defRPr>
       </a:lvl2pPr>
-      <a:lvl3pPr marL="0" marR="0" indent="914400" algn="l" defTabSz="2438338" rtl="0" latinLnBrk="0">
+      <a:lvl3pPr marL="0" marR="0" indent="0" algn="l" defTabSz="2438337" rtl="0" latinLnBrk="0">
         <a:lnSpc>
           <a:spcPct val="80000"/>
         </a:lnSpc>
@@ -3179,7 +3274,7 @@
           <a:sym typeface="Helvetica Neue"/>
         </a:defRPr>
       </a:lvl3pPr>
-      <a:lvl4pPr marL="0" marR="0" indent="1371600" algn="l" defTabSz="2438338" rtl="0" latinLnBrk="0">
+      <a:lvl4pPr marL="0" marR="0" indent="0" algn="l" defTabSz="2438337" rtl="0" latinLnBrk="0">
         <a:lnSpc>
           <a:spcPct val="80000"/>
         </a:lnSpc>
@@ -3205,7 +3300,7 @@
           <a:sym typeface="Helvetica Neue"/>
         </a:defRPr>
       </a:lvl4pPr>
-      <a:lvl5pPr marL="0" marR="0" indent="1828800" algn="l" defTabSz="2438338" rtl="0" latinLnBrk="0">
+      <a:lvl5pPr marL="0" marR="0" indent="0" algn="l" defTabSz="2438337" rtl="0" latinLnBrk="0">
         <a:lnSpc>
           <a:spcPct val="80000"/>
         </a:lnSpc>
@@ -3231,7 +3326,7 @@
           <a:sym typeface="Helvetica Neue"/>
         </a:defRPr>
       </a:lvl5pPr>
-      <a:lvl6pPr marL="0" marR="0" indent="2286000" algn="l" defTabSz="2438338" rtl="0" latinLnBrk="0">
+      <a:lvl6pPr marL="0" marR="0" indent="0" algn="l" defTabSz="2438337" rtl="0" latinLnBrk="0">
         <a:lnSpc>
           <a:spcPct val="80000"/>
         </a:lnSpc>
@@ -3257,7 +3352,7 @@
           <a:sym typeface="Helvetica Neue"/>
         </a:defRPr>
       </a:lvl6pPr>
-      <a:lvl7pPr marL="0" marR="0" indent="2743200" algn="l" defTabSz="2438338" rtl="0" latinLnBrk="0">
+      <a:lvl7pPr marL="0" marR="0" indent="0" algn="l" defTabSz="2438337" rtl="0" latinLnBrk="0">
         <a:lnSpc>
           <a:spcPct val="80000"/>
         </a:lnSpc>
@@ -3283,7 +3378,7 @@
           <a:sym typeface="Helvetica Neue"/>
         </a:defRPr>
       </a:lvl7pPr>
-      <a:lvl8pPr marL="0" marR="0" indent="3200400" algn="l" defTabSz="2438338" rtl="0" latinLnBrk="0">
+      <a:lvl8pPr marL="0" marR="0" indent="0" algn="l" defTabSz="2438337" rtl="0" latinLnBrk="0">
         <a:lnSpc>
           <a:spcPct val="80000"/>
         </a:lnSpc>
@@ -3309,7 +3404,7 @@
           <a:sym typeface="Helvetica Neue"/>
         </a:defRPr>
       </a:lvl8pPr>
-      <a:lvl9pPr marL="0" marR="0" indent="3657600" algn="l" defTabSz="2438338" rtl="0" latinLnBrk="0">
+      <a:lvl9pPr marL="0" marR="0" indent="0" algn="l" defTabSz="2438337" rtl="0" latinLnBrk="0">
         <a:lnSpc>
           <a:spcPct val="80000"/>
         </a:lnSpc>
@@ -3337,7 +3432,7 @@
       </a:lvl9pPr>
     </p:titleStyle>
     <p:bodyStyle>
-      <a:lvl1pPr marL="609600" marR="0" indent="-609600" algn="l" defTabSz="2438338" rtl="0" latinLnBrk="0">
+      <a:lvl1pPr marL="609600" marR="0" indent="-609600" algn="l" defTabSz="2438337" rtl="0" latinLnBrk="0">
         <a:lnSpc>
           <a:spcPct val="90000"/>
         </a:lnSpc>
@@ -3363,7 +3458,7 @@
           <a:sym typeface="Helvetica Neue"/>
         </a:defRPr>
       </a:lvl1pPr>
-      <a:lvl2pPr marL="1219200" marR="0" indent="-609600" algn="l" defTabSz="2438338" rtl="0" latinLnBrk="0">
+      <a:lvl2pPr marL="1219200" marR="0" indent="-609600" algn="l" defTabSz="2438337" rtl="0" latinLnBrk="0">
         <a:lnSpc>
           <a:spcPct val="90000"/>
         </a:lnSpc>
@@ -3389,7 +3484,7 @@
           <a:sym typeface="Helvetica Neue"/>
         </a:defRPr>
       </a:lvl2pPr>
-      <a:lvl3pPr marL="1828800" marR="0" indent="-609600" algn="l" defTabSz="2438338" rtl="0" latinLnBrk="0">
+      <a:lvl3pPr marL="1828800" marR="0" indent="-609600" algn="l" defTabSz="2438337" rtl="0" latinLnBrk="0">
         <a:lnSpc>
           <a:spcPct val="90000"/>
         </a:lnSpc>
@@ -3415,7 +3510,7 @@
           <a:sym typeface="Helvetica Neue"/>
         </a:defRPr>
       </a:lvl3pPr>
-      <a:lvl4pPr marL="2438400" marR="0" indent="-609600" algn="l" defTabSz="2438338" rtl="0" latinLnBrk="0">
+      <a:lvl4pPr marL="2438400" marR="0" indent="-609600" algn="l" defTabSz="2438337" rtl="0" latinLnBrk="0">
         <a:lnSpc>
           <a:spcPct val="90000"/>
         </a:lnSpc>
@@ -3441,7 +3536,7 @@
           <a:sym typeface="Helvetica Neue"/>
         </a:defRPr>
       </a:lvl4pPr>
-      <a:lvl5pPr marL="3048000" marR="0" indent="-609600" algn="l" defTabSz="2438338" rtl="0" latinLnBrk="0">
+      <a:lvl5pPr marL="3048000" marR="0" indent="-609600" algn="l" defTabSz="2438337" rtl="0" latinLnBrk="0">
         <a:lnSpc>
           <a:spcPct val="90000"/>
         </a:lnSpc>
@@ -3467,7 +3562,7 @@
           <a:sym typeface="Helvetica Neue"/>
         </a:defRPr>
       </a:lvl5pPr>
-      <a:lvl6pPr marL="3657600" marR="0" indent="-609600" algn="l" defTabSz="2438338" rtl="0" latinLnBrk="0">
+      <a:lvl6pPr marL="3657600" marR="0" indent="-609600" algn="l" defTabSz="2438337" rtl="0" latinLnBrk="0">
         <a:lnSpc>
           <a:spcPct val="90000"/>
         </a:lnSpc>
@@ -3493,7 +3588,7 @@
           <a:sym typeface="Helvetica Neue"/>
         </a:defRPr>
       </a:lvl6pPr>
-      <a:lvl7pPr marL="4267200" marR="0" indent="-609600" algn="l" defTabSz="2438338" rtl="0" latinLnBrk="0">
+      <a:lvl7pPr marL="4267200" marR="0" indent="-609600" algn="l" defTabSz="2438337" rtl="0" latinLnBrk="0">
         <a:lnSpc>
           <a:spcPct val="90000"/>
         </a:lnSpc>
@@ -3519,7 +3614,7 @@
           <a:sym typeface="Helvetica Neue"/>
         </a:defRPr>
       </a:lvl7pPr>
-      <a:lvl8pPr marL="4876800" marR="0" indent="-609600" algn="l" defTabSz="2438338" rtl="0" latinLnBrk="0">
+      <a:lvl8pPr marL="4876800" marR="0" indent="-609600" algn="l" defTabSz="2438337" rtl="0" latinLnBrk="0">
         <a:lnSpc>
           <a:spcPct val="90000"/>
         </a:lnSpc>
@@ -3545,7 +3640,7 @@
           <a:sym typeface="Helvetica Neue"/>
         </a:defRPr>
       </a:lvl8pPr>
-      <a:lvl9pPr marL="5486400" marR="0" indent="-609600" algn="l" defTabSz="2438338" rtl="0" latinLnBrk="0">
+      <a:lvl9pPr marL="5486400" marR="0" indent="-609600" algn="l" defTabSz="2438337" rtl="0" latinLnBrk="0">
         <a:lnSpc>
           <a:spcPct val="90000"/>
         </a:lnSpc>
@@ -3599,7 +3694,7 @@
           <a:sym typeface="Helvetica Neue"/>
         </a:defRPr>
       </a:lvl1pPr>
-      <a:lvl2pPr marL="0" marR="0" indent="457200" algn="ctr" defTabSz="584200" rtl="0" latinLnBrk="0">
+      <a:lvl2pPr marL="0" marR="0" indent="0" algn="ctr" defTabSz="584200" rtl="0" latinLnBrk="0">
         <a:lnSpc>
           <a:spcPct val="100000"/>
         </a:lnSpc>
@@ -3625,7 +3720,7 @@
           <a:sym typeface="Helvetica Neue"/>
         </a:defRPr>
       </a:lvl2pPr>
-      <a:lvl3pPr marL="0" marR="0" indent="914400" algn="ctr" defTabSz="584200" rtl="0" latinLnBrk="0">
+      <a:lvl3pPr marL="0" marR="0" indent="0" algn="ctr" defTabSz="584200" rtl="0" latinLnBrk="0">
         <a:lnSpc>
           <a:spcPct val="100000"/>
         </a:lnSpc>
@@ -3651,7 +3746,7 @@
           <a:sym typeface="Helvetica Neue"/>
         </a:defRPr>
       </a:lvl3pPr>
-      <a:lvl4pPr marL="0" marR="0" indent="1371600" algn="ctr" defTabSz="584200" rtl="0" latinLnBrk="0">
+      <a:lvl4pPr marL="0" marR="0" indent="0" algn="ctr" defTabSz="584200" rtl="0" latinLnBrk="0">
         <a:lnSpc>
           <a:spcPct val="100000"/>
         </a:lnSpc>
@@ -3677,7 +3772,7 @@
           <a:sym typeface="Helvetica Neue"/>
         </a:defRPr>
       </a:lvl4pPr>
-      <a:lvl5pPr marL="0" marR="0" indent="1828800" algn="ctr" defTabSz="584200" rtl="0" latinLnBrk="0">
+      <a:lvl5pPr marL="0" marR="0" indent="0" algn="ctr" defTabSz="584200" rtl="0" latinLnBrk="0">
         <a:lnSpc>
           <a:spcPct val="100000"/>
         </a:lnSpc>
@@ -3703,7 +3798,7 @@
           <a:sym typeface="Helvetica Neue"/>
         </a:defRPr>
       </a:lvl5pPr>
-      <a:lvl6pPr marL="0" marR="0" indent="2286000" algn="ctr" defTabSz="584200" rtl="0" latinLnBrk="0">
+      <a:lvl6pPr marL="0" marR="0" indent="0" algn="ctr" defTabSz="584200" rtl="0" latinLnBrk="0">
         <a:lnSpc>
           <a:spcPct val="100000"/>
         </a:lnSpc>
@@ -3729,7 +3824,7 @@
           <a:sym typeface="Helvetica Neue"/>
         </a:defRPr>
       </a:lvl6pPr>
-      <a:lvl7pPr marL="0" marR="0" indent="2743200" algn="ctr" defTabSz="584200" rtl="0" latinLnBrk="0">
+      <a:lvl7pPr marL="0" marR="0" indent="0" algn="ctr" defTabSz="584200" rtl="0" latinLnBrk="0">
         <a:lnSpc>
           <a:spcPct val="100000"/>
         </a:lnSpc>
@@ -3755,7 +3850,7 @@
           <a:sym typeface="Helvetica Neue"/>
         </a:defRPr>
       </a:lvl7pPr>
-      <a:lvl8pPr marL="0" marR="0" indent="3200400" algn="ctr" defTabSz="584200" rtl="0" latinLnBrk="0">
+      <a:lvl8pPr marL="0" marR="0" indent="0" algn="ctr" defTabSz="584200" rtl="0" latinLnBrk="0">
         <a:lnSpc>
           <a:spcPct val="100000"/>
         </a:lnSpc>
@@ -3781,7 +3876,7 @@
           <a:sym typeface="Helvetica Neue"/>
         </a:defRPr>
       </a:lvl8pPr>
-      <a:lvl9pPr marL="0" marR="0" indent="3657600" algn="ctr" defTabSz="584200" rtl="0" latinLnBrk="0">
+      <a:lvl9pPr marL="0" marR="0" indent="0" algn="ctr" defTabSz="584200" rtl="0" latinLnBrk="0">
         <a:lnSpc>
           <a:spcPct val="100000"/>
         </a:lnSpc>
@@ -3841,15 +3936,14 @@
           <a:blip r:embed="rId2">
             <a:extLst/>
           </a:blip>
-          <a:srcRect l="28203" t="13011" r="30175" b="13011"/>
           <a:stretch>
             <a:fillRect/>
           </a:stretch>
         </p:blipFill>
         <p:spPr>
           <a:xfrm>
-            <a:off x="11914049" y="1246516"/>
-            <a:ext cx="11229383" cy="9979600"/>
+            <a:off x="5568557" y="2147217"/>
+            <a:ext cx="18662227" cy="9331115"/>
           </a:xfrm>
           <a:prstGeom prst="rect">
             <a:avLst/>
@@ -3861,45 +3955,16 @@
       </p:pic>
       <p:sp>
         <p:nvSpPr>
-          <p:cNvPr id="152" name="Aura Zelco, Lund University"/>
+          <p:cNvPr id="152" name="Aura Zelco, 2022/03/15"/>
           <p:cNvSpPr txBox="1"/>
           <p:nvPr>
-            <p:ph type="body" idx="21"/>
-          </p:nvPr>
-        </p:nvSpPr>
-        <p:spPr>
-          <a:prstGeom prst="rect">
-            <a:avLst/>
-          </a:prstGeom>
-          <a:extLst>
-            <a:ext uri="{C572A759-6A51-4108-AA02-DFA0A04FC94B}">
-              <ma14:wrappingTextBoxFlag xmlns:ma14="http://schemas.microsoft.com/office/mac/drawingml/2011/main" val="1"/>
-            </a:ext>
-          </a:extLst>
-        </p:spPr>
-        <p:txBody>
-          <a:bodyPr/>
-          <a:lstStyle/>
-          <a:p>
-            <a:pPr/>
-            <a:r>
-              <a:t>Aura Zelco, Lund University</a:t>
-            </a:r>
-          </a:p>
-        </p:txBody>
-      </p:sp>
-      <p:sp>
-        <p:nvSpPr>
-          <p:cNvPr id="153" name="Studying the genome with plotZcurve"/>
-          <p:cNvSpPr txBox="1"/>
-          <p:nvPr>
-            <p:ph type="ctrTitle"/>
+            <p:ph type="body" sz="quarter" idx="1"/>
           </p:nvPr>
         </p:nvSpPr>
         <p:spPr>
           <a:xfrm>
-            <a:off x="1206496" y="2574991"/>
-            <a:ext cx="11229580" cy="7479164"/>
+            <a:off x="1201341" y="11859862"/>
+            <a:ext cx="21971002" cy="636980"/>
           </a:xfrm>
           <a:prstGeom prst="rect">
             <a:avLst/>
@@ -3907,29 +3972,58 @@
         </p:spPr>
         <p:txBody>
           <a:bodyPr/>
-          <a:lstStyle>
-            <a:lvl1pPr>
-              <a:defRPr>
+          <a:lstStyle/>
+          <a:p>
+            <a:pPr/>
+            <a:r>
+              <a:t>Aura Zelco, 2022/03/15</a:t>
+            </a:r>
+          </a:p>
+        </p:txBody>
+      </p:sp>
+      <p:sp>
+        <p:nvSpPr>
+          <p:cNvPr id="153" name="Plotting the…"/>
+          <p:cNvSpPr txBox="1"/>
+          <p:nvPr>
+            <p:ph type="title"/>
+          </p:nvPr>
+        </p:nvSpPr>
+        <p:spPr>
+          <a:xfrm>
+            <a:off x="1206495" y="2574991"/>
+            <a:ext cx="21971006" cy="4648202"/>
+          </a:xfrm>
+          <a:prstGeom prst="rect">
+            <a:avLst/>
+          </a:prstGeom>
+        </p:spPr>
+        <p:txBody>
+          <a:bodyPr/>
+          <a:lstStyle/>
+          <a:p>
+            <a:pPr>
+              <a:defRPr spc="-300">
                 <a:solidFill>
-                  <a:schemeClr val="accent4">
-                    <a:hueOff val="-1247790"/>
-                    <a:lumOff val="-12326"/>
-                  </a:schemeClr>
+                  <a:srgbClr val="F27100"/>
                 </a:solidFill>
               </a:defRPr>
-            </a:lvl1pPr>
-          </a:lstStyle>
-          <a:p>
-            <a:pPr/>
+            </a:pPr>
             <a:r>
-              <a:t>Studying the genome with plotZcurve</a:t>
+              <a:t>Plotting the</a:t>
             </a:r>
-            <a:endParaRPr>
-              <a:latin typeface="Helvetica"/>
-              <a:ea typeface="Helvetica"/>
-              <a:cs typeface="Helvetica"/>
-              <a:sym typeface="Helvetica"/>
-            </a:endParaRPr>
+          </a:p>
+          <a:p>
+            <a:pPr>
+              <a:defRPr spc="-300">
+                <a:solidFill>
+                  <a:srgbClr val="F27100"/>
+                </a:solidFill>
+              </a:defRPr>
+            </a:pPr>
+            <a:r>
+              <a:t> Z-curve</a:t>
+            </a:r>
           </a:p>
         </p:txBody>
       </p:sp>
@@ -3941,8 +4035,8 @@
         </p:nvSpPr>
         <p:spPr>
           <a:xfrm>
-            <a:off x="11649550" y="11916809"/>
-            <a:ext cx="7259372" cy="523086"/>
+            <a:off x="6962509" y="11916808"/>
+            <a:ext cx="7259371" cy="523087"/>
           </a:xfrm>
           <a:prstGeom prst="rect">
             <a:avLst/>
@@ -4018,8 +4112,8 @@
         </p:nvSpPr>
         <p:spPr>
           <a:xfrm>
-            <a:off x="408573" y="7240937"/>
-            <a:ext cx="11374854" cy="6419195"/>
+            <a:off x="408572" y="7240937"/>
+            <a:ext cx="11374856" cy="6419196"/>
           </a:xfrm>
           <a:prstGeom prst="rect">
             <a:avLst/>
@@ -4146,9 +4240,9 @@
                 <a:solidFill>
                   <a:srgbClr val="000000"/>
                 </a:solidFill>
-                <a:latin typeface="Helvetica"/>
-                <a:ea typeface="Helvetica"/>
-                <a:cs typeface="Helvetica"/>
+                <a:latin typeface="+mj-lt"/>
+                <a:ea typeface="+mj-ea"/>
+                <a:cs typeface="+mj-cs"/>
                 <a:sym typeface="Helvetica"/>
               </a:defRPr>
             </a:pPr>
@@ -4261,9 +4355,9 @@
                 <a:solidFill>
                   <a:srgbClr val="000000"/>
                 </a:solidFill>
-                <a:latin typeface="Helvetica"/>
-                <a:ea typeface="Helvetica"/>
-                <a:cs typeface="Helvetica"/>
+                <a:latin typeface="+mj-lt"/>
+                <a:ea typeface="+mj-ea"/>
+                <a:cs typeface="+mj-cs"/>
                 <a:sym typeface="Helvetica"/>
               </a:defRPr>
             </a:pPr>
@@ -4376,9 +4470,9 @@
                 <a:solidFill>
                   <a:srgbClr val="000000"/>
                 </a:solidFill>
-                <a:latin typeface="Helvetica"/>
-                <a:ea typeface="Helvetica"/>
-                <a:cs typeface="Helvetica"/>
+                <a:latin typeface="+mj-lt"/>
+                <a:ea typeface="+mj-ea"/>
+                <a:cs typeface="+mj-cs"/>
                 <a:sym typeface="Helvetica"/>
               </a:defRPr>
             </a:pPr>
@@ -4491,9 +4585,9 @@
                 <a:solidFill>
                   <a:srgbClr val="000000"/>
                 </a:solidFill>
-                <a:latin typeface="Helvetica"/>
-                <a:ea typeface="Helvetica"/>
-                <a:cs typeface="Helvetica"/>
+                <a:latin typeface="+mj-lt"/>
+                <a:ea typeface="+mj-ea"/>
+                <a:cs typeface="+mj-cs"/>
                 <a:sym typeface="Helvetica"/>
               </a:defRPr>
             </a:pPr>
@@ -4606,9 +4700,9 @@
                 <a:solidFill>
                   <a:srgbClr val="000000"/>
                 </a:solidFill>
-                <a:latin typeface="Helvetica"/>
-                <a:ea typeface="Helvetica"/>
-                <a:cs typeface="Helvetica"/>
+                <a:latin typeface="+mj-lt"/>
+                <a:ea typeface="+mj-ea"/>
+                <a:cs typeface="+mj-cs"/>
                 <a:sym typeface="Helvetica"/>
               </a:defRPr>
             </a:pPr>
@@ -4721,9 +4815,9 @@
                 <a:solidFill>
                   <a:srgbClr val="000000"/>
                 </a:solidFill>
-                <a:latin typeface="Helvetica"/>
-                <a:ea typeface="Helvetica"/>
-                <a:cs typeface="Helvetica"/>
+                <a:latin typeface="+mj-lt"/>
+                <a:ea typeface="+mj-ea"/>
+                <a:cs typeface="+mj-cs"/>
                 <a:sym typeface="Helvetica"/>
               </a:defRPr>
             </a:pPr>
@@ -4836,9 +4930,9 @@
                 <a:solidFill>
                   <a:srgbClr val="000000"/>
                 </a:solidFill>
-                <a:latin typeface="Helvetica"/>
-                <a:ea typeface="Helvetica"/>
-                <a:cs typeface="Helvetica"/>
+                <a:latin typeface="+mj-lt"/>
+                <a:ea typeface="+mj-ea"/>
+                <a:cs typeface="+mj-cs"/>
                 <a:sym typeface="Helvetica"/>
               </a:defRPr>
             </a:pPr>
@@ -4951,9 +5045,9 @@
                 <a:solidFill>
                   <a:srgbClr val="000000"/>
                 </a:solidFill>
-                <a:latin typeface="Helvetica"/>
-                <a:ea typeface="Helvetica"/>
-                <a:cs typeface="Helvetica"/>
+                <a:latin typeface="+mj-lt"/>
+                <a:ea typeface="+mj-ea"/>
+                <a:cs typeface="+mj-cs"/>
                 <a:sym typeface="Helvetica"/>
               </a:defRPr>
             </a:pPr>
@@ -5064,14 +5158,11 @@
               </a:tabLst>
               <a:defRPr sz="2200">
                 <a:solidFill>
-                  <a:schemeClr val="accent4">
-                    <a:hueOff val="-1247790"/>
-                    <a:lumOff val="-12326"/>
-                  </a:schemeClr>
+                  <a:srgbClr val="F27100"/>
                 </a:solidFill>
-                <a:latin typeface="Helvetica"/>
-                <a:ea typeface="Helvetica"/>
-                <a:cs typeface="Helvetica"/>
+                <a:latin typeface="+mj-lt"/>
+                <a:ea typeface="+mj-ea"/>
+                <a:cs typeface="+mj-cs"/>
                 <a:sym typeface="Helvetica"/>
               </a:defRPr>
             </a:pPr>
@@ -5187,9 +5278,9 @@
                 <a:solidFill>
                   <a:srgbClr val="000000"/>
                 </a:solidFill>
-                <a:latin typeface="Helvetica"/>
-                <a:ea typeface="Helvetica"/>
-                <a:cs typeface="Helvetica"/>
+                <a:latin typeface="+mj-lt"/>
+                <a:ea typeface="+mj-ea"/>
+                <a:cs typeface="+mj-cs"/>
                 <a:sym typeface="Helvetica"/>
               </a:defRPr>
             </a:pPr>
@@ -5305,9 +5396,9 @@
                 <a:solidFill>
                   <a:srgbClr val="000000"/>
                 </a:solidFill>
-                <a:latin typeface="Helvetica"/>
-                <a:ea typeface="Helvetica"/>
-                <a:cs typeface="Helvetica"/>
+                <a:latin typeface="+mj-lt"/>
+                <a:ea typeface="+mj-ea"/>
+                <a:cs typeface="+mj-cs"/>
                 <a:sym typeface="Helvetica"/>
               </a:defRPr>
             </a:pPr>
@@ -5423,9 +5514,9 @@
                 <a:solidFill>
                   <a:srgbClr val="000000"/>
                 </a:solidFill>
-                <a:latin typeface="Helvetica"/>
-                <a:ea typeface="Helvetica"/>
-                <a:cs typeface="Helvetica"/>
+                <a:latin typeface="+mj-lt"/>
+                <a:ea typeface="+mj-ea"/>
+                <a:cs typeface="+mj-cs"/>
                 <a:sym typeface="Helvetica"/>
               </a:defRPr>
             </a:pPr>
@@ -5541,9 +5632,9 @@
                 <a:solidFill>
                   <a:srgbClr val="000000"/>
                 </a:solidFill>
-                <a:latin typeface="Helvetica"/>
-                <a:ea typeface="Helvetica"/>
-                <a:cs typeface="Helvetica"/>
+                <a:latin typeface="+mj-lt"/>
+                <a:ea typeface="+mj-ea"/>
+                <a:cs typeface="+mj-cs"/>
                 <a:sym typeface="Helvetica"/>
               </a:defRPr>
             </a:pPr>
@@ -5654,14 +5745,11 @@
               </a:tabLst>
               <a:defRPr sz="2200">
                 <a:solidFill>
-                  <a:schemeClr val="accent4">
-                    <a:hueOff val="-1247790"/>
-                    <a:lumOff val="-12326"/>
-                  </a:schemeClr>
+                  <a:srgbClr val="F27100"/>
                 </a:solidFill>
-                <a:latin typeface="Helvetica"/>
-                <a:ea typeface="Helvetica"/>
-                <a:cs typeface="Helvetica"/>
+                <a:latin typeface="+mj-lt"/>
+                <a:ea typeface="+mj-ea"/>
+                <a:cs typeface="+mj-cs"/>
                 <a:sym typeface="Helvetica"/>
               </a:defRPr>
             </a:pPr>
@@ -5777,9 +5865,9 @@
                 <a:solidFill>
                   <a:srgbClr val="000000"/>
                 </a:solidFill>
-                <a:latin typeface="Helvetica"/>
-                <a:ea typeface="Helvetica"/>
-                <a:cs typeface="Helvetica"/>
+                <a:latin typeface="+mj-lt"/>
+                <a:ea typeface="+mj-ea"/>
+                <a:cs typeface="+mj-cs"/>
                 <a:sym typeface="Helvetica"/>
               </a:defRPr>
             </a:pPr>
@@ -5787,6 +5875,36 @@
               <a:t>Create a software that plots such curve, and compare bacterial and viral sequences. </a:t>
             </a:r>
           </a:p>
+        </p:txBody>
+      </p:sp>
+      <p:sp>
+        <p:nvSpPr>
+          <p:cNvPr id="157" name="The nucleotides are divided in according to three properties1:…"/>
+          <p:cNvSpPr txBox="1"/>
+          <p:nvPr/>
+        </p:nvSpPr>
+        <p:spPr>
+          <a:xfrm>
+            <a:off x="408572" y="7240937"/>
+            <a:ext cx="11374856" cy="6419196"/>
+          </a:xfrm>
+          <a:prstGeom prst="rect">
+            <a:avLst/>
+          </a:prstGeom>
+          <a:ln w="12700">
+            <a:miter lim="400000"/>
+          </a:ln>
+          <a:extLst>
+            <a:ext uri="{C572A759-6A51-4108-AA02-DFA0A04FC94B}">
+              <ma14:wrappingTextBoxFlag xmlns:ma14="http://schemas.microsoft.com/office/mac/drawingml/2011/main" val="1"/>
+            </a:ext>
+          </a:extLst>
+        </p:spPr>
+        <p:txBody>
+          <a:bodyPr lIns="50800" tIns="50800" rIns="50800" bIns="50800">
+            <a:normAutofit fontScale="100000" lnSpcReduction="0"/>
+          </a:bodyPr>
+          <a:lstStyle/>
           <a:p>
             <a:pPr algn="l" defTabSz="12700">
               <a:tabLst>
@@ -5895,43 +6013,13 @@
                 <a:solidFill>
                   <a:srgbClr val="000000"/>
                 </a:solidFill>
-                <a:latin typeface="Helvetica"/>
-                <a:ea typeface="Helvetica"/>
-                <a:cs typeface="Helvetica"/>
+                <a:latin typeface="+mj-lt"/>
+                <a:ea typeface="+mj-ea"/>
+                <a:cs typeface="+mj-cs"/>
                 <a:sym typeface="Helvetica"/>
               </a:defRPr>
             </a:pPr>
           </a:p>
-        </p:txBody>
-      </p:sp>
-      <p:sp>
-        <p:nvSpPr>
-          <p:cNvPr id="157" name="The nucleotides are divided in according to three properties1:…"/>
-          <p:cNvSpPr txBox="1"/>
-          <p:nvPr/>
-        </p:nvSpPr>
-        <p:spPr>
-          <a:xfrm>
-            <a:off x="408573" y="7240937"/>
-            <a:ext cx="11374854" cy="6419195"/>
-          </a:xfrm>
-          <a:prstGeom prst="rect">
-            <a:avLst/>
-          </a:prstGeom>
-          <a:ln w="12700">
-            <a:miter lim="400000"/>
-          </a:ln>
-          <a:extLst>
-            <a:ext uri="{C572A759-6A51-4108-AA02-DFA0A04FC94B}">
-              <ma14:wrappingTextBoxFlag xmlns:ma14="http://schemas.microsoft.com/office/mac/drawingml/2011/main" val="1"/>
-            </a:ext>
-          </a:extLst>
-        </p:spPr>
-        <p:txBody>
-          <a:bodyPr lIns="50800" tIns="50800" rIns="50800" bIns="50800">
-            <a:normAutofit fontScale="100000" lnSpcReduction="0"/>
-          </a:bodyPr>
-          <a:lstStyle/>
           <a:p>
             <a:pPr algn="l" defTabSz="12700">
               <a:tabLst>
@@ -6040,9 +6128,9 @@
                 <a:solidFill>
                   <a:srgbClr val="000000"/>
                 </a:solidFill>
-                <a:latin typeface="Helvetica"/>
-                <a:ea typeface="Helvetica"/>
-                <a:cs typeface="Helvetica"/>
+                <a:latin typeface="+mj-lt"/>
+                <a:ea typeface="+mj-ea"/>
+                <a:cs typeface="+mj-cs"/>
                 <a:sym typeface="Helvetica"/>
               </a:defRPr>
             </a:pPr>
@@ -6155,9 +6243,9 @@
                 <a:solidFill>
                   <a:srgbClr val="000000"/>
                 </a:solidFill>
-                <a:latin typeface="Helvetica"/>
-                <a:ea typeface="Helvetica"/>
-                <a:cs typeface="Helvetica"/>
+                <a:latin typeface="+mj-lt"/>
+                <a:ea typeface="+mj-ea"/>
+                <a:cs typeface="+mj-cs"/>
                 <a:sym typeface="Helvetica"/>
               </a:defRPr>
             </a:pPr>
@@ -6270,12 +6358,262 @@
                 <a:solidFill>
                   <a:srgbClr val="000000"/>
                 </a:solidFill>
-                <a:latin typeface="Helvetica"/>
-                <a:ea typeface="Helvetica"/>
-                <a:cs typeface="Helvetica"/>
+                <a:latin typeface="+mj-lt"/>
+                <a:ea typeface="+mj-ea"/>
+                <a:cs typeface="+mj-cs"/>
                 <a:sym typeface="Helvetica"/>
               </a:defRPr>
             </a:pPr>
+            <a:r>
+              <a:t>The nucleotides are divided in according to three properties</a:t>
+            </a:r>
+            <a:r>
+              <a:rPr baseline="31999"/>
+              <a:t>1</a:t>
+            </a:r>
+            <a:r>
+              <a:t>:</a:t>
+            </a:r>
+          </a:p>
+          <a:p>
+            <a:pPr marL="294105" indent="-294105" algn="l" defTabSz="12700">
+              <a:buSzPct val="100000"/>
+              <a:buAutoNum type="arabicPeriod" startAt="1"/>
+              <a:tabLst>
+                <a:tab pos="355600" algn="l"/>
+                <a:tab pos="711200" algn="l"/>
+                <a:tab pos="1066800" algn="l"/>
+                <a:tab pos="1422400" algn="l"/>
+                <a:tab pos="1778000" algn="l"/>
+                <a:tab pos="2133600" algn="l"/>
+                <a:tab pos="2489200" algn="l"/>
+                <a:tab pos="2844800" algn="l"/>
+                <a:tab pos="3200400" algn="l"/>
+                <a:tab pos="3556000" algn="l"/>
+                <a:tab pos="3911600" algn="l"/>
+                <a:tab pos="4267200" algn="l"/>
+                <a:tab pos="4622800" algn="l"/>
+                <a:tab pos="4978400" algn="l"/>
+                <a:tab pos="5334000" algn="l"/>
+                <a:tab pos="5689600" algn="l"/>
+                <a:tab pos="6045200" algn="l"/>
+                <a:tab pos="6400800" algn="l"/>
+                <a:tab pos="6756400" algn="l"/>
+                <a:tab pos="7112000" algn="l"/>
+                <a:tab pos="7467600" algn="l"/>
+                <a:tab pos="7823200" algn="l"/>
+                <a:tab pos="8178800" algn="l"/>
+                <a:tab pos="8534400" algn="l"/>
+                <a:tab pos="8890000" algn="l"/>
+                <a:tab pos="9245600" algn="l"/>
+                <a:tab pos="9601200" algn="l"/>
+                <a:tab pos="9956800" algn="l"/>
+                <a:tab pos="10312400" algn="l"/>
+                <a:tab pos="10668000" algn="l"/>
+                <a:tab pos="11023600" algn="l"/>
+                <a:tab pos="11391900" algn="l"/>
+                <a:tab pos="11747500" algn="l"/>
+                <a:tab pos="12103100" algn="l"/>
+                <a:tab pos="12458700" algn="l"/>
+                <a:tab pos="12814300" algn="l"/>
+                <a:tab pos="13169900" algn="l"/>
+                <a:tab pos="13525500" algn="l"/>
+                <a:tab pos="13881100" algn="l"/>
+                <a:tab pos="14236700" algn="l"/>
+                <a:tab pos="14592300" algn="l"/>
+                <a:tab pos="14947900" algn="l"/>
+                <a:tab pos="15303500" algn="l"/>
+                <a:tab pos="15659100" algn="l"/>
+                <a:tab pos="16014700" algn="l"/>
+                <a:tab pos="16370300" algn="l"/>
+                <a:tab pos="16725900" algn="l"/>
+                <a:tab pos="17081500" algn="l"/>
+                <a:tab pos="17437100" algn="l"/>
+                <a:tab pos="17792700" algn="l"/>
+                <a:tab pos="18148300" algn="l"/>
+                <a:tab pos="18503900" algn="l"/>
+                <a:tab pos="18859500" algn="l"/>
+                <a:tab pos="19215100" algn="l"/>
+                <a:tab pos="19570700" algn="l"/>
+                <a:tab pos="19926300" algn="l"/>
+                <a:tab pos="20281900" algn="l"/>
+                <a:tab pos="20637500" algn="l"/>
+                <a:tab pos="20993100" algn="l"/>
+                <a:tab pos="21348700" algn="l"/>
+                <a:tab pos="21704300" algn="l"/>
+                <a:tab pos="22059900" algn="l"/>
+                <a:tab pos="22415500" algn="l"/>
+                <a:tab pos="22783800" algn="l"/>
+                <a:tab pos="23139400" algn="l"/>
+                <a:tab pos="23495000" algn="l"/>
+                <a:tab pos="23850600" algn="l"/>
+                <a:tab pos="24206200" algn="l"/>
+                <a:tab pos="24561800" algn="l"/>
+                <a:tab pos="24917400" algn="l"/>
+                <a:tab pos="25273000" algn="l"/>
+                <a:tab pos="25628600" algn="l"/>
+                <a:tab pos="25984200" algn="l"/>
+                <a:tab pos="26339800" algn="l"/>
+                <a:tab pos="26695400" algn="l"/>
+                <a:tab pos="27051000" algn="l"/>
+                <a:tab pos="27406600" algn="l"/>
+                <a:tab pos="27762200" algn="l"/>
+                <a:tab pos="28117800" algn="l"/>
+                <a:tab pos="28473400" algn="l"/>
+                <a:tab pos="28829000" algn="l"/>
+                <a:tab pos="29184600" algn="l"/>
+                <a:tab pos="29540200" algn="l"/>
+                <a:tab pos="29895800" algn="l"/>
+                <a:tab pos="30251400" algn="l"/>
+                <a:tab pos="30607000" algn="l"/>
+                <a:tab pos="30962600" algn="l"/>
+                <a:tab pos="31318200" algn="l"/>
+                <a:tab pos="31673800" algn="l"/>
+                <a:tab pos="32029400" algn="l"/>
+                <a:tab pos="32385000" algn="l"/>
+                <a:tab pos="32740600" algn="l"/>
+                <a:tab pos="33096200" algn="l"/>
+                <a:tab pos="33451800" algn="l"/>
+                <a:tab pos="33807400" algn="l"/>
+                <a:tab pos="34175700" algn="l"/>
+                <a:tab pos="34531300" algn="l"/>
+                <a:tab pos="34886900" algn="l"/>
+                <a:tab pos="35242500" algn="l"/>
+                <a:tab pos="35598100" algn="l"/>
+              </a:tabLst>
+              <a:defRPr sz="2200">
+                <a:solidFill>
+                  <a:srgbClr val="000000"/>
+                </a:solidFill>
+                <a:latin typeface="+mj-lt"/>
+                <a:ea typeface="+mj-ea"/>
+                <a:cs typeface="+mj-cs"/>
+                <a:sym typeface="Helvetica"/>
+              </a:defRPr>
+            </a:pPr>
+            <a:r>
+              <a:t>puRine/pYrimide (R/Y) bases -&gt; X </a:t>
+            </a:r>
+          </a:p>
+          <a:p>
+            <a:pPr marL="294105" indent="-294105" algn="l" defTabSz="12700">
+              <a:buSzPct val="100000"/>
+              <a:buAutoNum type="arabicPeriod" startAt="1"/>
+              <a:tabLst>
+                <a:tab pos="355600" algn="l"/>
+                <a:tab pos="711200" algn="l"/>
+                <a:tab pos="1066800" algn="l"/>
+                <a:tab pos="1422400" algn="l"/>
+                <a:tab pos="1778000" algn="l"/>
+                <a:tab pos="2133600" algn="l"/>
+                <a:tab pos="2489200" algn="l"/>
+                <a:tab pos="2844800" algn="l"/>
+                <a:tab pos="3200400" algn="l"/>
+                <a:tab pos="3556000" algn="l"/>
+                <a:tab pos="3911600" algn="l"/>
+                <a:tab pos="4267200" algn="l"/>
+                <a:tab pos="4622800" algn="l"/>
+                <a:tab pos="4978400" algn="l"/>
+                <a:tab pos="5334000" algn="l"/>
+                <a:tab pos="5689600" algn="l"/>
+                <a:tab pos="6045200" algn="l"/>
+                <a:tab pos="6400800" algn="l"/>
+                <a:tab pos="6756400" algn="l"/>
+                <a:tab pos="7112000" algn="l"/>
+                <a:tab pos="7467600" algn="l"/>
+                <a:tab pos="7823200" algn="l"/>
+                <a:tab pos="8178800" algn="l"/>
+                <a:tab pos="8534400" algn="l"/>
+                <a:tab pos="8890000" algn="l"/>
+                <a:tab pos="9245600" algn="l"/>
+                <a:tab pos="9601200" algn="l"/>
+                <a:tab pos="9956800" algn="l"/>
+                <a:tab pos="10312400" algn="l"/>
+                <a:tab pos="10668000" algn="l"/>
+                <a:tab pos="11023600" algn="l"/>
+                <a:tab pos="11391900" algn="l"/>
+                <a:tab pos="11747500" algn="l"/>
+                <a:tab pos="12103100" algn="l"/>
+                <a:tab pos="12458700" algn="l"/>
+                <a:tab pos="12814300" algn="l"/>
+                <a:tab pos="13169900" algn="l"/>
+                <a:tab pos="13525500" algn="l"/>
+                <a:tab pos="13881100" algn="l"/>
+                <a:tab pos="14236700" algn="l"/>
+                <a:tab pos="14592300" algn="l"/>
+                <a:tab pos="14947900" algn="l"/>
+                <a:tab pos="15303500" algn="l"/>
+                <a:tab pos="15659100" algn="l"/>
+                <a:tab pos="16014700" algn="l"/>
+                <a:tab pos="16370300" algn="l"/>
+                <a:tab pos="16725900" algn="l"/>
+                <a:tab pos="17081500" algn="l"/>
+                <a:tab pos="17437100" algn="l"/>
+                <a:tab pos="17792700" algn="l"/>
+                <a:tab pos="18148300" algn="l"/>
+                <a:tab pos="18503900" algn="l"/>
+                <a:tab pos="18859500" algn="l"/>
+                <a:tab pos="19215100" algn="l"/>
+                <a:tab pos="19570700" algn="l"/>
+                <a:tab pos="19926300" algn="l"/>
+                <a:tab pos="20281900" algn="l"/>
+                <a:tab pos="20637500" algn="l"/>
+                <a:tab pos="20993100" algn="l"/>
+                <a:tab pos="21348700" algn="l"/>
+                <a:tab pos="21704300" algn="l"/>
+                <a:tab pos="22059900" algn="l"/>
+                <a:tab pos="22415500" algn="l"/>
+                <a:tab pos="22783800" algn="l"/>
+                <a:tab pos="23139400" algn="l"/>
+                <a:tab pos="23495000" algn="l"/>
+                <a:tab pos="23850600" algn="l"/>
+                <a:tab pos="24206200" algn="l"/>
+                <a:tab pos="24561800" algn="l"/>
+                <a:tab pos="24917400" algn="l"/>
+                <a:tab pos="25273000" algn="l"/>
+                <a:tab pos="25628600" algn="l"/>
+                <a:tab pos="25984200" algn="l"/>
+                <a:tab pos="26339800" algn="l"/>
+                <a:tab pos="26695400" algn="l"/>
+                <a:tab pos="27051000" algn="l"/>
+                <a:tab pos="27406600" algn="l"/>
+                <a:tab pos="27762200" algn="l"/>
+                <a:tab pos="28117800" algn="l"/>
+                <a:tab pos="28473400" algn="l"/>
+                <a:tab pos="28829000" algn="l"/>
+                <a:tab pos="29184600" algn="l"/>
+                <a:tab pos="29540200" algn="l"/>
+                <a:tab pos="29895800" algn="l"/>
+                <a:tab pos="30251400" algn="l"/>
+                <a:tab pos="30607000" algn="l"/>
+                <a:tab pos="30962600" algn="l"/>
+                <a:tab pos="31318200" algn="l"/>
+                <a:tab pos="31673800" algn="l"/>
+                <a:tab pos="32029400" algn="l"/>
+                <a:tab pos="32385000" algn="l"/>
+                <a:tab pos="32740600" algn="l"/>
+                <a:tab pos="33096200" algn="l"/>
+                <a:tab pos="33451800" algn="l"/>
+                <a:tab pos="33807400" algn="l"/>
+                <a:tab pos="34175700" algn="l"/>
+                <a:tab pos="34531300" algn="l"/>
+                <a:tab pos="34886900" algn="l"/>
+                <a:tab pos="35242500" algn="l"/>
+                <a:tab pos="35598100" algn="l"/>
+              </a:tabLst>
+              <a:defRPr sz="2200">
+                <a:solidFill>
+                  <a:srgbClr val="000000"/>
+                </a:solidFill>
+                <a:latin typeface="+mj-lt"/>
+                <a:ea typeface="+mj-ea"/>
+                <a:cs typeface="+mj-cs"/>
+                <a:sym typeface="Helvetica"/>
+              </a:defRPr>
+            </a:pPr>
+            <a:r>
+              <a:t>aMino/Keto (M/K) bases -&gt; Y</a:t>
+            </a:r>
           </a:p>
           <a:p>
             <a:pPr algn="l" defTabSz="12700">
@@ -6385,21 +6723,14 @@
                 <a:solidFill>
                   <a:srgbClr val="000000"/>
                 </a:solidFill>
-                <a:latin typeface="Helvetica"/>
-                <a:ea typeface="Helvetica"/>
-                <a:cs typeface="Helvetica"/>
+                <a:latin typeface="+mj-lt"/>
+                <a:ea typeface="+mj-ea"/>
+                <a:cs typeface="+mj-cs"/>
                 <a:sym typeface="Helvetica"/>
               </a:defRPr>
             </a:pPr>
             <a:r>
-              <a:t>The nucleotides are divided in according to three properties</a:t>
-            </a:r>
-            <a:r>
-              <a:rPr baseline="31999"/>
-              <a:t>1</a:t>
-            </a:r>
-            <a:r>
-              <a:t>:</a:t>
+              <a:t>3. Weak/Strong H-bonds (W/S) -&gt; Z </a:t>
             </a:r>
           </a:p>
           <a:p>
@@ -6510,15 +6841,12 @@
                 <a:solidFill>
                   <a:srgbClr val="000000"/>
                 </a:solidFill>
-                <a:latin typeface="Helvetica"/>
-                <a:ea typeface="Helvetica"/>
-                <a:cs typeface="Helvetica"/>
+                <a:latin typeface="+mj-lt"/>
+                <a:ea typeface="+mj-ea"/>
+                <a:cs typeface="+mj-cs"/>
                 <a:sym typeface="Helvetica"/>
               </a:defRPr>
             </a:pPr>
-            <a:r>
-              <a:t>1. puRine/pYrimide (R/Y) bases -&gt; X</a:t>
-            </a:r>
           </a:p>
           <a:p>
             <a:pPr algn="l" defTabSz="12700">
@@ -6628,15 +6956,12 @@
                 <a:solidFill>
                   <a:srgbClr val="000000"/>
                 </a:solidFill>
-                <a:latin typeface="Helvetica"/>
-                <a:ea typeface="Helvetica"/>
-                <a:cs typeface="Helvetica"/>
+                <a:latin typeface="+mj-lt"/>
+                <a:ea typeface="+mj-ea"/>
+                <a:cs typeface="+mj-cs"/>
                 <a:sym typeface="Helvetica"/>
               </a:defRPr>
             </a:pPr>
-            <a:r>
-              <a:t>2. aMino/Keto (M/K) bases -&gt; Y</a:t>
-            </a:r>
           </a:p>
           <a:p>
             <a:pPr algn="l" defTabSz="12700">
@@ -6746,15 +7071,12 @@
                 <a:solidFill>
                   <a:srgbClr val="000000"/>
                 </a:solidFill>
-                <a:latin typeface="Helvetica"/>
-                <a:ea typeface="Helvetica"/>
-                <a:cs typeface="Helvetica"/>
+                <a:latin typeface="+mj-lt"/>
+                <a:ea typeface="+mj-ea"/>
+                <a:cs typeface="+mj-cs"/>
                 <a:sym typeface="Helvetica"/>
               </a:defRPr>
             </a:pPr>
-            <a:r>
-              <a:t>3. Weak/Strong H-bonds (W/S) -&gt; Z </a:t>
-            </a:r>
           </a:p>
           <a:p>
             <a:pPr algn="l" defTabSz="12700">
@@ -6864,9 +7186,9 @@
                 <a:solidFill>
                   <a:srgbClr val="000000"/>
                 </a:solidFill>
-                <a:latin typeface="Helvetica"/>
-                <a:ea typeface="Helvetica"/>
-                <a:cs typeface="Helvetica"/>
+                <a:latin typeface="+mj-lt"/>
+                <a:ea typeface="+mj-ea"/>
+                <a:cs typeface="+mj-cs"/>
                 <a:sym typeface="Helvetica"/>
               </a:defRPr>
             </a:pPr>
@@ -6979,9 +7301,9 @@
                 <a:solidFill>
                   <a:srgbClr val="000000"/>
                 </a:solidFill>
-                <a:latin typeface="Helvetica"/>
-                <a:ea typeface="Helvetica"/>
-                <a:cs typeface="Helvetica"/>
+                <a:latin typeface="+mj-lt"/>
+                <a:ea typeface="+mj-ea"/>
+                <a:cs typeface="+mj-cs"/>
                 <a:sym typeface="Helvetica"/>
               </a:defRPr>
             </a:pPr>
@@ -7094,9 +7416,9 @@
                 <a:solidFill>
                   <a:srgbClr val="000000"/>
                 </a:solidFill>
-                <a:latin typeface="Helvetica"/>
-                <a:ea typeface="Helvetica"/>
-                <a:cs typeface="Helvetica"/>
+                <a:latin typeface="+mj-lt"/>
+                <a:ea typeface="+mj-ea"/>
+                <a:cs typeface="+mj-cs"/>
                 <a:sym typeface="Helvetica"/>
               </a:defRPr>
             </a:pPr>
@@ -7209,9 +7531,9 @@
                 <a:solidFill>
                   <a:srgbClr val="000000"/>
                 </a:solidFill>
-                <a:latin typeface="Helvetica"/>
-                <a:ea typeface="Helvetica"/>
-                <a:cs typeface="Helvetica"/>
+                <a:latin typeface="+mj-lt"/>
+                <a:ea typeface="+mj-ea"/>
+                <a:cs typeface="+mj-cs"/>
                 <a:sym typeface="Helvetica"/>
               </a:defRPr>
             </a:pPr>
@@ -7324,9 +7646,9 @@
                 <a:solidFill>
                   <a:srgbClr val="000000"/>
                 </a:solidFill>
-                <a:latin typeface="Helvetica"/>
-                <a:ea typeface="Helvetica"/>
-                <a:cs typeface="Helvetica"/>
+                <a:latin typeface="+mj-lt"/>
+                <a:ea typeface="+mj-ea"/>
+                <a:cs typeface="+mj-cs"/>
                 <a:sym typeface="Helvetica"/>
               </a:defRPr>
             </a:pPr>
@@ -7439,9 +7761,9 @@
                 <a:solidFill>
                   <a:srgbClr val="000000"/>
                 </a:solidFill>
-                <a:latin typeface="Helvetica"/>
-                <a:ea typeface="Helvetica"/>
-                <a:cs typeface="Helvetica"/>
+                <a:latin typeface="+mj-lt"/>
+                <a:ea typeface="+mj-ea"/>
+                <a:cs typeface="+mj-cs"/>
                 <a:sym typeface="Helvetica"/>
               </a:defRPr>
             </a:pPr>
@@ -7554,354 +7876,9 @@
                 <a:solidFill>
                   <a:srgbClr val="000000"/>
                 </a:solidFill>
-                <a:latin typeface="Helvetica"/>
-                <a:ea typeface="Helvetica"/>
-                <a:cs typeface="Helvetica"/>
-                <a:sym typeface="Helvetica"/>
-              </a:defRPr>
-            </a:pPr>
-          </a:p>
-          <a:p>
-            <a:pPr algn="l" defTabSz="12700">
-              <a:tabLst>
-                <a:tab pos="355600" algn="l"/>
-                <a:tab pos="711200" algn="l"/>
-                <a:tab pos="1066800" algn="l"/>
-                <a:tab pos="1422400" algn="l"/>
-                <a:tab pos="1778000" algn="l"/>
-                <a:tab pos="2133600" algn="l"/>
-                <a:tab pos="2489200" algn="l"/>
-                <a:tab pos="2844800" algn="l"/>
-                <a:tab pos="3200400" algn="l"/>
-                <a:tab pos="3556000" algn="l"/>
-                <a:tab pos="3911600" algn="l"/>
-                <a:tab pos="4267200" algn="l"/>
-                <a:tab pos="4622800" algn="l"/>
-                <a:tab pos="4978400" algn="l"/>
-                <a:tab pos="5334000" algn="l"/>
-                <a:tab pos="5689600" algn="l"/>
-                <a:tab pos="6045200" algn="l"/>
-                <a:tab pos="6400800" algn="l"/>
-                <a:tab pos="6756400" algn="l"/>
-                <a:tab pos="7112000" algn="l"/>
-                <a:tab pos="7467600" algn="l"/>
-                <a:tab pos="7823200" algn="l"/>
-                <a:tab pos="8178800" algn="l"/>
-                <a:tab pos="8534400" algn="l"/>
-                <a:tab pos="8890000" algn="l"/>
-                <a:tab pos="9245600" algn="l"/>
-                <a:tab pos="9601200" algn="l"/>
-                <a:tab pos="9956800" algn="l"/>
-                <a:tab pos="10312400" algn="l"/>
-                <a:tab pos="10668000" algn="l"/>
-                <a:tab pos="11023600" algn="l"/>
-                <a:tab pos="11391900" algn="l"/>
-                <a:tab pos="11747500" algn="l"/>
-                <a:tab pos="12103100" algn="l"/>
-                <a:tab pos="12458700" algn="l"/>
-                <a:tab pos="12814300" algn="l"/>
-                <a:tab pos="13169900" algn="l"/>
-                <a:tab pos="13525500" algn="l"/>
-                <a:tab pos="13881100" algn="l"/>
-                <a:tab pos="14236700" algn="l"/>
-                <a:tab pos="14592300" algn="l"/>
-                <a:tab pos="14947900" algn="l"/>
-                <a:tab pos="15303500" algn="l"/>
-                <a:tab pos="15659100" algn="l"/>
-                <a:tab pos="16014700" algn="l"/>
-                <a:tab pos="16370300" algn="l"/>
-                <a:tab pos="16725900" algn="l"/>
-                <a:tab pos="17081500" algn="l"/>
-                <a:tab pos="17437100" algn="l"/>
-                <a:tab pos="17792700" algn="l"/>
-                <a:tab pos="18148300" algn="l"/>
-                <a:tab pos="18503900" algn="l"/>
-                <a:tab pos="18859500" algn="l"/>
-                <a:tab pos="19215100" algn="l"/>
-                <a:tab pos="19570700" algn="l"/>
-                <a:tab pos="19926300" algn="l"/>
-                <a:tab pos="20281900" algn="l"/>
-                <a:tab pos="20637500" algn="l"/>
-                <a:tab pos="20993100" algn="l"/>
-                <a:tab pos="21348700" algn="l"/>
-                <a:tab pos="21704300" algn="l"/>
-                <a:tab pos="22059900" algn="l"/>
-                <a:tab pos="22415500" algn="l"/>
-                <a:tab pos="22783800" algn="l"/>
-                <a:tab pos="23139400" algn="l"/>
-                <a:tab pos="23495000" algn="l"/>
-                <a:tab pos="23850600" algn="l"/>
-                <a:tab pos="24206200" algn="l"/>
-                <a:tab pos="24561800" algn="l"/>
-                <a:tab pos="24917400" algn="l"/>
-                <a:tab pos="25273000" algn="l"/>
-                <a:tab pos="25628600" algn="l"/>
-                <a:tab pos="25984200" algn="l"/>
-                <a:tab pos="26339800" algn="l"/>
-                <a:tab pos="26695400" algn="l"/>
-                <a:tab pos="27051000" algn="l"/>
-                <a:tab pos="27406600" algn="l"/>
-                <a:tab pos="27762200" algn="l"/>
-                <a:tab pos="28117800" algn="l"/>
-                <a:tab pos="28473400" algn="l"/>
-                <a:tab pos="28829000" algn="l"/>
-                <a:tab pos="29184600" algn="l"/>
-                <a:tab pos="29540200" algn="l"/>
-                <a:tab pos="29895800" algn="l"/>
-                <a:tab pos="30251400" algn="l"/>
-                <a:tab pos="30607000" algn="l"/>
-                <a:tab pos="30962600" algn="l"/>
-                <a:tab pos="31318200" algn="l"/>
-                <a:tab pos="31673800" algn="l"/>
-                <a:tab pos="32029400" algn="l"/>
-                <a:tab pos="32385000" algn="l"/>
-                <a:tab pos="32740600" algn="l"/>
-                <a:tab pos="33096200" algn="l"/>
-                <a:tab pos="33451800" algn="l"/>
-                <a:tab pos="33807400" algn="l"/>
-                <a:tab pos="34175700" algn="l"/>
-                <a:tab pos="34531300" algn="l"/>
-                <a:tab pos="34886900" algn="l"/>
-                <a:tab pos="35242500" algn="l"/>
-                <a:tab pos="35598100" algn="l"/>
-              </a:tabLst>
-              <a:defRPr sz="2200">
-                <a:solidFill>
-                  <a:srgbClr val="000000"/>
-                </a:solidFill>
-                <a:latin typeface="Helvetica"/>
-                <a:ea typeface="Helvetica"/>
-                <a:cs typeface="Helvetica"/>
-                <a:sym typeface="Helvetica"/>
-              </a:defRPr>
-            </a:pPr>
-          </a:p>
-          <a:p>
-            <a:pPr algn="l" defTabSz="12700">
-              <a:tabLst>
-                <a:tab pos="355600" algn="l"/>
-                <a:tab pos="711200" algn="l"/>
-                <a:tab pos="1066800" algn="l"/>
-                <a:tab pos="1422400" algn="l"/>
-                <a:tab pos="1778000" algn="l"/>
-                <a:tab pos="2133600" algn="l"/>
-                <a:tab pos="2489200" algn="l"/>
-                <a:tab pos="2844800" algn="l"/>
-                <a:tab pos="3200400" algn="l"/>
-                <a:tab pos="3556000" algn="l"/>
-                <a:tab pos="3911600" algn="l"/>
-                <a:tab pos="4267200" algn="l"/>
-                <a:tab pos="4622800" algn="l"/>
-                <a:tab pos="4978400" algn="l"/>
-                <a:tab pos="5334000" algn="l"/>
-                <a:tab pos="5689600" algn="l"/>
-                <a:tab pos="6045200" algn="l"/>
-                <a:tab pos="6400800" algn="l"/>
-                <a:tab pos="6756400" algn="l"/>
-                <a:tab pos="7112000" algn="l"/>
-                <a:tab pos="7467600" algn="l"/>
-                <a:tab pos="7823200" algn="l"/>
-                <a:tab pos="8178800" algn="l"/>
-                <a:tab pos="8534400" algn="l"/>
-                <a:tab pos="8890000" algn="l"/>
-                <a:tab pos="9245600" algn="l"/>
-                <a:tab pos="9601200" algn="l"/>
-                <a:tab pos="9956800" algn="l"/>
-                <a:tab pos="10312400" algn="l"/>
-                <a:tab pos="10668000" algn="l"/>
-                <a:tab pos="11023600" algn="l"/>
-                <a:tab pos="11391900" algn="l"/>
-                <a:tab pos="11747500" algn="l"/>
-                <a:tab pos="12103100" algn="l"/>
-                <a:tab pos="12458700" algn="l"/>
-                <a:tab pos="12814300" algn="l"/>
-                <a:tab pos="13169900" algn="l"/>
-                <a:tab pos="13525500" algn="l"/>
-                <a:tab pos="13881100" algn="l"/>
-                <a:tab pos="14236700" algn="l"/>
-                <a:tab pos="14592300" algn="l"/>
-                <a:tab pos="14947900" algn="l"/>
-                <a:tab pos="15303500" algn="l"/>
-                <a:tab pos="15659100" algn="l"/>
-                <a:tab pos="16014700" algn="l"/>
-                <a:tab pos="16370300" algn="l"/>
-                <a:tab pos="16725900" algn="l"/>
-                <a:tab pos="17081500" algn="l"/>
-                <a:tab pos="17437100" algn="l"/>
-                <a:tab pos="17792700" algn="l"/>
-                <a:tab pos="18148300" algn="l"/>
-                <a:tab pos="18503900" algn="l"/>
-                <a:tab pos="18859500" algn="l"/>
-                <a:tab pos="19215100" algn="l"/>
-                <a:tab pos="19570700" algn="l"/>
-                <a:tab pos="19926300" algn="l"/>
-                <a:tab pos="20281900" algn="l"/>
-                <a:tab pos="20637500" algn="l"/>
-                <a:tab pos="20993100" algn="l"/>
-                <a:tab pos="21348700" algn="l"/>
-                <a:tab pos="21704300" algn="l"/>
-                <a:tab pos="22059900" algn="l"/>
-                <a:tab pos="22415500" algn="l"/>
-                <a:tab pos="22783800" algn="l"/>
-                <a:tab pos="23139400" algn="l"/>
-                <a:tab pos="23495000" algn="l"/>
-                <a:tab pos="23850600" algn="l"/>
-                <a:tab pos="24206200" algn="l"/>
-                <a:tab pos="24561800" algn="l"/>
-                <a:tab pos="24917400" algn="l"/>
-                <a:tab pos="25273000" algn="l"/>
-                <a:tab pos="25628600" algn="l"/>
-                <a:tab pos="25984200" algn="l"/>
-                <a:tab pos="26339800" algn="l"/>
-                <a:tab pos="26695400" algn="l"/>
-                <a:tab pos="27051000" algn="l"/>
-                <a:tab pos="27406600" algn="l"/>
-                <a:tab pos="27762200" algn="l"/>
-                <a:tab pos="28117800" algn="l"/>
-                <a:tab pos="28473400" algn="l"/>
-                <a:tab pos="28829000" algn="l"/>
-                <a:tab pos="29184600" algn="l"/>
-                <a:tab pos="29540200" algn="l"/>
-                <a:tab pos="29895800" algn="l"/>
-                <a:tab pos="30251400" algn="l"/>
-                <a:tab pos="30607000" algn="l"/>
-                <a:tab pos="30962600" algn="l"/>
-                <a:tab pos="31318200" algn="l"/>
-                <a:tab pos="31673800" algn="l"/>
-                <a:tab pos="32029400" algn="l"/>
-                <a:tab pos="32385000" algn="l"/>
-                <a:tab pos="32740600" algn="l"/>
-                <a:tab pos="33096200" algn="l"/>
-                <a:tab pos="33451800" algn="l"/>
-                <a:tab pos="33807400" algn="l"/>
-                <a:tab pos="34175700" algn="l"/>
-                <a:tab pos="34531300" algn="l"/>
-                <a:tab pos="34886900" algn="l"/>
-                <a:tab pos="35242500" algn="l"/>
-                <a:tab pos="35598100" algn="l"/>
-              </a:tabLst>
-              <a:defRPr sz="2200">
-                <a:solidFill>
-                  <a:srgbClr val="000000"/>
-                </a:solidFill>
-                <a:latin typeface="Helvetica"/>
-                <a:ea typeface="Helvetica"/>
-                <a:cs typeface="Helvetica"/>
-                <a:sym typeface="Helvetica"/>
-              </a:defRPr>
-            </a:pPr>
-          </a:p>
-          <a:p>
-            <a:pPr algn="l" defTabSz="12700">
-              <a:tabLst>
-                <a:tab pos="355600" algn="l"/>
-                <a:tab pos="711200" algn="l"/>
-                <a:tab pos="1066800" algn="l"/>
-                <a:tab pos="1422400" algn="l"/>
-                <a:tab pos="1778000" algn="l"/>
-                <a:tab pos="2133600" algn="l"/>
-                <a:tab pos="2489200" algn="l"/>
-                <a:tab pos="2844800" algn="l"/>
-                <a:tab pos="3200400" algn="l"/>
-                <a:tab pos="3556000" algn="l"/>
-                <a:tab pos="3911600" algn="l"/>
-                <a:tab pos="4267200" algn="l"/>
-                <a:tab pos="4622800" algn="l"/>
-                <a:tab pos="4978400" algn="l"/>
-                <a:tab pos="5334000" algn="l"/>
-                <a:tab pos="5689600" algn="l"/>
-                <a:tab pos="6045200" algn="l"/>
-                <a:tab pos="6400800" algn="l"/>
-                <a:tab pos="6756400" algn="l"/>
-                <a:tab pos="7112000" algn="l"/>
-                <a:tab pos="7467600" algn="l"/>
-                <a:tab pos="7823200" algn="l"/>
-                <a:tab pos="8178800" algn="l"/>
-                <a:tab pos="8534400" algn="l"/>
-                <a:tab pos="8890000" algn="l"/>
-                <a:tab pos="9245600" algn="l"/>
-                <a:tab pos="9601200" algn="l"/>
-                <a:tab pos="9956800" algn="l"/>
-                <a:tab pos="10312400" algn="l"/>
-                <a:tab pos="10668000" algn="l"/>
-                <a:tab pos="11023600" algn="l"/>
-                <a:tab pos="11391900" algn="l"/>
-                <a:tab pos="11747500" algn="l"/>
-                <a:tab pos="12103100" algn="l"/>
-                <a:tab pos="12458700" algn="l"/>
-                <a:tab pos="12814300" algn="l"/>
-                <a:tab pos="13169900" algn="l"/>
-                <a:tab pos="13525500" algn="l"/>
-                <a:tab pos="13881100" algn="l"/>
-                <a:tab pos="14236700" algn="l"/>
-                <a:tab pos="14592300" algn="l"/>
-                <a:tab pos="14947900" algn="l"/>
-                <a:tab pos="15303500" algn="l"/>
-                <a:tab pos="15659100" algn="l"/>
-                <a:tab pos="16014700" algn="l"/>
-                <a:tab pos="16370300" algn="l"/>
-                <a:tab pos="16725900" algn="l"/>
-                <a:tab pos="17081500" algn="l"/>
-                <a:tab pos="17437100" algn="l"/>
-                <a:tab pos="17792700" algn="l"/>
-                <a:tab pos="18148300" algn="l"/>
-                <a:tab pos="18503900" algn="l"/>
-                <a:tab pos="18859500" algn="l"/>
-                <a:tab pos="19215100" algn="l"/>
-                <a:tab pos="19570700" algn="l"/>
-                <a:tab pos="19926300" algn="l"/>
-                <a:tab pos="20281900" algn="l"/>
-                <a:tab pos="20637500" algn="l"/>
-                <a:tab pos="20993100" algn="l"/>
-                <a:tab pos="21348700" algn="l"/>
-                <a:tab pos="21704300" algn="l"/>
-                <a:tab pos="22059900" algn="l"/>
-                <a:tab pos="22415500" algn="l"/>
-                <a:tab pos="22783800" algn="l"/>
-                <a:tab pos="23139400" algn="l"/>
-                <a:tab pos="23495000" algn="l"/>
-                <a:tab pos="23850600" algn="l"/>
-                <a:tab pos="24206200" algn="l"/>
-                <a:tab pos="24561800" algn="l"/>
-                <a:tab pos="24917400" algn="l"/>
-                <a:tab pos="25273000" algn="l"/>
-                <a:tab pos="25628600" algn="l"/>
-                <a:tab pos="25984200" algn="l"/>
-                <a:tab pos="26339800" algn="l"/>
-                <a:tab pos="26695400" algn="l"/>
-                <a:tab pos="27051000" algn="l"/>
-                <a:tab pos="27406600" algn="l"/>
-                <a:tab pos="27762200" algn="l"/>
-                <a:tab pos="28117800" algn="l"/>
-                <a:tab pos="28473400" algn="l"/>
-                <a:tab pos="28829000" algn="l"/>
-                <a:tab pos="29184600" algn="l"/>
-                <a:tab pos="29540200" algn="l"/>
-                <a:tab pos="29895800" algn="l"/>
-                <a:tab pos="30251400" algn="l"/>
-                <a:tab pos="30607000" algn="l"/>
-                <a:tab pos="30962600" algn="l"/>
-                <a:tab pos="31318200" algn="l"/>
-                <a:tab pos="31673800" algn="l"/>
-                <a:tab pos="32029400" algn="l"/>
-                <a:tab pos="32385000" algn="l"/>
-                <a:tab pos="32740600" algn="l"/>
-                <a:tab pos="33096200" algn="l"/>
-                <a:tab pos="33451800" algn="l"/>
-                <a:tab pos="33807400" algn="l"/>
-                <a:tab pos="34175700" algn="l"/>
-                <a:tab pos="34531300" algn="l"/>
-                <a:tab pos="34886900" algn="l"/>
-                <a:tab pos="35242500" algn="l"/>
-                <a:tab pos="35598100" algn="l"/>
-              </a:tabLst>
-              <a:defRPr sz="2200">
-                <a:solidFill>
-                  <a:srgbClr val="000000"/>
-                </a:solidFill>
-                <a:latin typeface="Helvetica"/>
-                <a:ea typeface="Helvetica"/>
-                <a:cs typeface="Helvetica"/>
+                <a:latin typeface="+mj-lt"/>
+                <a:ea typeface="+mj-ea"/>
+                <a:cs typeface="+mj-cs"/>
                 <a:sym typeface="Helvetica"/>
               </a:defRPr>
             </a:pPr>
@@ -8014,9 +7991,9 @@
                 <a:solidFill>
                   <a:srgbClr val="000000"/>
                 </a:solidFill>
-                <a:latin typeface="Helvetica"/>
-                <a:ea typeface="Helvetica"/>
-                <a:cs typeface="Helvetica"/>
+                <a:latin typeface="+mj-lt"/>
+                <a:ea typeface="+mj-ea"/>
+                <a:cs typeface="+mj-cs"/>
                 <a:sym typeface="Helvetica"/>
               </a:defRPr>
             </a:pPr>
@@ -8042,10 +8019,42 @@
           <p:cNvPr id="158" name="Background"/>
           <p:cNvSpPr txBox="1"/>
           <p:nvPr>
+            <p:ph type="body" sz="quarter" idx="1"/>
+          </p:nvPr>
+        </p:nvSpPr>
+        <p:spPr>
+          <a:xfrm>
+            <a:off x="1206500" y="2372961"/>
+            <a:ext cx="9779000" cy="934780"/>
+          </a:xfrm>
+          <a:prstGeom prst="rect">
+            <a:avLst/>
+          </a:prstGeom>
+        </p:spPr>
+        <p:txBody>
+          <a:bodyPr/>
+          <a:lstStyle/>
+          <a:p>
+            <a:pPr/>
+            <a:r>
+              <a:t>Background</a:t>
+            </a:r>
+          </a:p>
+        </p:txBody>
+      </p:sp>
+      <p:sp>
+        <p:nvSpPr>
+          <p:cNvPr id="159" name="The Z-curve is a line in a 3D space, as long as the target sequence, which displays chemical properties of the sequence based on the nucleotides."/>
+          <p:cNvSpPr txBox="1"/>
+          <p:nvPr>
             <p:ph type="body" idx="21"/>
           </p:nvPr>
         </p:nvSpPr>
         <p:spPr>
+          <a:xfrm>
+            <a:off x="408572" y="6957838"/>
+            <a:ext cx="11374856" cy="1775430"/>
+          </a:xfrm>
           <a:prstGeom prst="rect">
             <a:avLst/>
           </a:prstGeom>
@@ -8054,34 +8063,6 @@
               <ma14:wrappingTextBoxFlag xmlns:ma14="http://schemas.microsoft.com/office/mac/drawingml/2011/main" val="1"/>
             </a:ext>
           </a:extLst>
-        </p:spPr>
-        <p:txBody>
-          <a:bodyPr/>
-          <a:lstStyle/>
-          <a:p>
-            <a:pPr/>
-            <a:r>
-              <a:t>Background</a:t>
-            </a:r>
-          </a:p>
-        </p:txBody>
-      </p:sp>
-      <p:sp>
-        <p:nvSpPr>
-          <p:cNvPr id="159" name="The Z-curve is a line in a 3D space, as long as the target sequence, which displays chemical properties of the sequence based on the nucleotides."/>
-          <p:cNvSpPr txBox="1"/>
-          <p:nvPr>
-            <p:ph type="body" sz="quarter" idx="1"/>
-          </p:nvPr>
-        </p:nvSpPr>
-        <p:spPr>
-          <a:xfrm>
-            <a:off x="408573" y="6860037"/>
-            <a:ext cx="11374854" cy="1775429"/>
-          </a:xfrm>
-          <a:prstGeom prst="rect">
-            <a:avLst/>
-          </a:prstGeom>
         </p:spPr>
         <p:txBody>
           <a:bodyPr/>
@@ -8199,9 +8180,9 @@
                 <a:tab pos="35598100" algn="l"/>
               </a:tabLst>
               <a:defRPr sz="2200">
-                <a:latin typeface="Helvetica"/>
-                <a:ea typeface="Helvetica"/>
-                <a:cs typeface="Helvetica"/>
+                <a:latin typeface="+mj-lt"/>
+                <a:ea typeface="+mj-ea"/>
+                <a:cs typeface="+mj-cs"/>
                 <a:sym typeface="Helvetica"/>
               </a:defRPr>
             </a:pPr>
@@ -8319,135 +8300,15 @@
                 <a:tab pos="35598100" algn="l"/>
               </a:tabLst>
               <a:defRPr sz="2200">
-                <a:latin typeface="Helvetica"/>
-                <a:ea typeface="Helvetica"/>
-                <a:cs typeface="Helvetica"/>
+                <a:latin typeface="+mj-lt"/>
+                <a:ea typeface="+mj-ea"/>
+                <a:cs typeface="+mj-cs"/>
                 <a:sym typeface="Helvetica"/>
               </a:defRPr>
             </a:pPr>
             <a:r>
               <a:t>The Z-curve is a line in a 3D space, as long as the target sequence, which displays chemical properties of the sequence based on the nucleotides. </a:t>
             </a:r>
-          </a:p>
-          <a:p>
-            <a:pPr marL="0" indent="0" defTabSz="12700">
-              <a:lnSpc>
-                <a:spcPct val="100000"/>
-              </a:lnSpc>
-              <a:spcBef>
-                <a:spcPts val="0"/>
-              </a:spcBef>
-              <a:buSzTx/>
-              <a:buNone/>
-              <a:tabLst>
-                <a:tab pos="355600" algn="l"/>
-                <a:tab pos="711200" algn="l"/>
-                <a:tab pos="1066800" algn="l"/>
-                <a:tab pos="1422400" algn="l"/>
-                <a:tab pos="1778000" algn="l"/>
-                <a:tab pos="2133600" algn="l"/>
-                <a:tab pos="2489200" algn="l"/>
-                <a:tab pos="2844800" algn="l"/>
-                <a:tab pos="3200400" algn="l"/>
-                <a:tab pos="3556000" algn="l"/>
-                <a:tab pos="3911600" algn="l"/>
-                <a:tab pos="4267200" algn="l"/>
-                <a:tab pos="4622800" algn="l"/>
-                <a:tab pos="4978400" algn="l"/>
-                <a:tab pos="5334000" algn="l"/>
-                <a:tab pos="5689600" algn="l"/>
-                <a:tab pos="6045200" algn="l"/>
-                <a:tab pos="6400800" algn="l"/>
-                <a:tab pos="6756400" algn="l"/>
-                <a:tab pos="7112000" algn="l"/>
-                <a:tab pos="7467600" algn="l"/>
-                <a:tab pos="7823200" algn="l"/>
-                <a:tab pos="8178800" algn="l"/>
-                <a:tab pos="8534400" algn="l"/>
-                <a:tab pos="8890000" algn="l"/>
-                <a:tab pos="9245600" algn="l"/>
-                <a:tab pos="9601200" algn="l"/>
-                <a:tab pos="9956800" algn="l"/>
-                <a:tab pos="10312400" algn="l"/>
-                <a:tab pos="10668000" algn="l"/>
-                <a:tab pos="11023600" algn="l"/>
-                <a:tab pos="11391900" algn="l"/>
-                <a:tab pos="11747500" algn="l"/>
-                <a:tab pos="12103100" algn="l"/>
-                <a:tab pos="12458700" algn="l"/>
-                <a:tab pos="12814300" algn="l"/>
-                <a:tab pos="13169900" algn="l"/>
-                <a:tab pos="13525500" algn="l"/>
-                <a:tab pos="13881100" algn="l"/>
-                <a:tab pos="14236700" algn="l"/>
-                <a:tab pos="14592300" algn="l"/>
-                <a:tab pos="14947900" algn="l"/>
-                <a:tab pos="15303500" algn="l"/>
-                <a:tab pos="15659100" algn="l"/>
-                <a:tab pos="16014700" algn="l"/>
-                <a:tab pos="16370300" algn="l"/>
-                <a:tab pos="16725900" algn="l"/>
-                <a:tab pos="17081500" algn="l"/>
-                <a:tab pos="17437100" algn="l"/>
-                <a:tab pos="17792700" algn="l"/>
-                <a:tab pos="18148300" algn="l"/>
-                <a:tab pos="18503900" algn="l"/>
-                <a:tab pos="18859500" algn="l"/>
-                <a:tab pos="19215100" algn="l"/>
-                <a:tab pos="19570700" algn="l"/>
-                <a:tab pos="19926300" algn="l"/>
-                <a:tab pos="20281900" algn="l"/>
-                <a:tab pos="20637500" algn="l"/>
-                <a:tab pos="20993100" algn="l"/>
-                <a:tab pos="21348700" algn="l"/>
-                <a:tab pos="21704300" algn="l"/>
-                <a:tab pos="22059900" algn="l"/>
-                <a:tab pos="22415500" algn="l"/>
-                <a:tab pos="22783800" algn="l"/>
-                <a:tab pos="23139400" algn="l"/>
-                <a:tab pos="23495000" algn="l"/>
-                <a:tab pos="23850600" algn="l"/>
-                <a:tab pos="24206200" algn="l"/>
-                <a:tab pos="24561800" algn="l"/>
-                <a:tab pos="24917400" algn="l"/>
-                <a:tab pos="25273000" algn="l"/>
-                <a:tab pos="25628600" algn="l"/>
-                <a:tab pos="25984200" algn="l"/>
-                <a:tab pos="26339800" algn="l"/>
-                <a:tab pos="26695400" algn="l"/>
-                <a:tab pos="27051000" algn="l"/>
-                <a:tab pos="27406600" algn="l"/>
-                <a:tab pos="27762200" algn="l"/>
-                <a:tab pos="28117800" algn="l"/>
-                <a:tab pos="28473400" algn="l"/>
-                <a:tab pos="28829000" algn="l"/>
-                <a:tab pos="29184600" algn="l"/>
-                <a:tab pos="29540200" algn="l"/>
-                <a:tab pos="29895800" algn="l"/>
-                <a:tab pos="30251400" algn="l"/>
-                <a:tab pos="30607000" algn="l"/>
-                <a:tab pos="30962600" algn="l"/>
-                <a:tab pos="31318200" algn="l"/>
-                <a:tab pos="31673800" algn="l"/>
-                <a:tab pos="32029400" algn="l"/>
-                <a:tab pos="32385000" algn="l"/>
-                <a:tab pos="32740600" algn="l"/>
-                <a:tab pos="33096200" algn="l"/>
-                <a:tab pos="33451800" algn="l"/>
-                <a:tab pos="33807400" algn="l"/>
-                <a:tab pos="34175700" algn="l"/>
-                <a:tab pos="34531300" algn="l"/>
-                <a:tab pos="34886900" algn="l"/>
-                <a:tab pos="35242500" algn="l"/>
-                <a:tab pos="35598100" algn="l"/>
-              </a:tabLst>
-              <a:defRPr sz="2200">
-                <a:latin typeface="Helvetica"/>
-                <a:ea typeface="Helvetica"/>
-                <a:cs typeface="Helvetica"/>
-                <a:sym typeface="Helvetica"/>
-              </a:defRPr>
-            </a:pPr>
           </a:p>
         </p:txBody>
       </p:sp>
@@ -8468,12 +8329,9 @@
           <a:bodyPr/>
           <a:lstStyle>
             <a:lvl1pPr>
-              <a:defRPr>
+              <a:defRPr spc="-200">
                 <a:solidFill>
-                  <a:schemeClr val="accent4">
-                    <a:hueOff val="-1247790"/>
-                    <a:lumOff val="-12326"/>
-                  </a:schemeClr>
+                  <a:srgbClr val="F27100"/>
                 </a:solidFill>
               </a:defRPr>
             </a:lvl1pPr>
@@ -8494,10 +8352,10 @@
         </p:nvGrpSpPr>
         <p:grpSpPr>
           <a:xfrm>
-            <a:off x="13510424" y="-107789"/>
-            <a:ext cx="11237919" cy="14108072"/>
+            <a:off x="13510423" y="-107790"/>
+            <a:ext cx="11237920" cy="13672719"/>
             <a:chOff x="0" y="0"/>
-            <a:chExt cx="11237917" cy="14108070"/>
+            <a:chExt cx="11237919" cy="13672717"/>
           </a:xfrm>
         </p:grpSpPr>
         <p:pic>
@@ -8520,7 +8378,7 @@
           <p:spPr>
             <a:xfrm>
               <a:off x="0" y="0"/>
-              <a:ext cx="11237918" cy="9058457"/>
+              <a:ext cx="11237920" cy="9058459"/>
             </a:xfrm>
             <a:prstGeom prst="rect">
               <a:avLst/>
@@ -8535,15 +8393,15 @@
         <p:sp>
           <p:nvSpPr>
             <p:cNvPr id="162" name="From paper1"/>
-            <p:cNvSpPr/>
+            <p:cNvSpPr txBox="1"/>
             <p:nvPr/>
           </p:nvSpPr>
           <p:spPr>
             <a:xfrm>
-              <a:off x="5618956" y="12838070"/>
-              <a:ext cx="1270001" cy="1270001"/>
+              <a:off x="5490983" y="13273429"/>
+              <a:ext cx="1525949" cy="399289"/>
             </a:xfrm>
-            <a:prstGeom prst="line">
+            <a:prstGeom prst="rect">
               <a:avLst/>
             </a:prstGeom>
             <a:noFill/>
@@ -8590,10 +8448,10 @@
         </p:nvGrpSpPr>
         <p:grpSpPr>
           <a:xfrm>
-            <a:off x="5318125" y="653807"/>
-            <a:ext cx="8184023" cy="6155447"/>
+            <a:off x="5318125" y="653806"/>
+            <a:ext cx="8184024" cy="6155449"/>
             <a:chOff x="0" y="0"/>
-            <a:chExt cx="8184022" cy="6155445"/>
+            <a:chExt cx="8184023" cy="6155447"/>
           </a:xfrm>
         </p:grpSpPr>
         <p:pic>
@@ -8614,8 +8472,8 @@
           </p:blipFill>
           <p:spPr>
             <a:xfrm>
-              <a:off x="0" y="0"/>
-              <a:ext cx="8184023" cy="6138018"/>
+              <a:off x="0" y="-1"/>
+              <a:ext cx="8184024" cy="6138022"/>
             </a:xfrm>
             <a:prstGeom prst="rect">
               <a:avLst/>
@@ -8635,7 +8493,7 @@
           </p:nvSpPr>
           <p:spPr>
             <a:xfrm>
-              <a:off x="4040832" y="5756157"/>
+              <a:off x="4040832" y="5756159"/>
               <a:ext cx="1224535" cy="399289"/>
             </a:xfrm>
             <a:prstGeom prst="rect">
@@ -8888,9 +8746,9 @@
     </p:tnLst>
     <p:bldLst>
       <p:bldP build="whole" bldLvl="1" animBg="1" rev="0" advAuto="0" spid="163" grpId="3"/>
-      <p:bldP build="whole" bldLvl="1" animBg="1" rev="0" advAuto="0" spid="157" grpId="2"/>
       <p:bldP build="whole" bldLvl="1" animBg="1" rev="0" advAuto="0" spid="156" grpId="4"/>
       <p:bldP build="whole" bldLvl="1" animBg="1" rev="0" advAuto="0" spid="166" grpId="1"/>
+      <p:bldP build="whole" bldLvl="1" animBg="1" rev="0" advAuto="0" spid="157" grpId="2"/>
     </p:bldLst>
   </p:timing>
 </p:sld>
@@ -8915,7 +8773,7 @@
       </p:grpSpPr>
       <p:sp>
         <p:nvSpPr>
-          <p:cNvPr id="168" name="plotZcurve"/>
+          <p:cNvPr id="168" name="Z-curve"/>
           <p:cNvSpPr txBox="1"/>
           <p:nvPr>
             <p:ph type="title"/>
@@ -8934,12 +8792,9 @@
           <a:bodyPr/>
           <a:lstStyle>
             <a:lvl1pPr>
-              <a:defRPr>
+              <a:defRPr spc="-200">
                 <a:solidFill>
-                  <a:schemeClr val="accent4">
-                    <a:hueOff val="-1247790"/>
-                    <a:lumOff val="-12326"/>
-                  </a:schemeClr>
+                  <a:srgbClr val="F27100"/>
                 </a:solidFill>
               </a:defRPr>
             </a:lvl1pPr>
@@ -8947,21 +8802,21 @@
           <a:p>
             <a:pPr/>
             <a:r>
-              <a:t>plotZcurve</a:t>
+              <a:t>Z-curve</a:t>
             </a:r>
           </a:p>
         </p:txBody>
       </p:sp>
       <p:sp>
         <p:nvSpPr>
-          <p:cNvPr id="169" name="Python script with R custom function - help message"/>
+          <p:cNvPr id="169" name="plotZcurve.py Python script with R custom function - pipeline"/>
           <p:cNvSpPr txBox="1"/>
           <p:nvPr/>
         </p:nvSpPr>
         <p:spPr>
           <a:xfrm>
             <a:off x="1206500" y="2372962"/>
-            <a:ext cx="20385942" cy="934780"/>
+            <a:ext cx="20385942" cy="934778"/>
           </a:xfrm>
           <a:prstGeom prst="rect">
             <a:avLst/>
@@ -8976,12 +8831,12 @@
           </a:extLst>
         </p:spPr>
         <p:txBody>
-          <a:bodyPr lIns="45719" rIns="45719">
+          <a:bodyPr lIns="45718" tIns="45718" rIns="45718" bIns="45718">
             <a:normAutofit fontScale="100000" lnSpcReduction="0"/>
           </a:bodyPr>
           <a:lstStyle>
-            <a:lvl1pPr algn="l" defTabSz="825500">
-              <a:defRPr b="1" sz="5500">
+            <a:lvl1pPr algn="l" defTabSz="817244">
+              <a:defRPr b="1" sz="5400">
                 <a:solidFill>
                   <a:srgbClr val="000000"/>
                 </a:solidFill>
@@ -8991,14 +8846,14 @@
           <a:p>
             <a:pPr/>
             <a:r>
-              <a:t>Python script with R custom function - help message</a:t>
+              <a:t>plotZcurve.py Python script with R custom function - pipeline</a:t>
             </a:r>
           </a:p>
         </p:txBody>
       </p:sp>
       <p:pic>
         <p:nvPicPr>
-          <p:cNvPr id="170" name="Screenshot 2022-03-17 at 12.11.52.png" descr="Screenshot 2022-03-17 at 12.11.52.png"/>
+          <p:cNvPr id="170" name="Screenshot 2022-03-14 at 19.40.01.png" descr="Screenshot 2022-03-14 at 19.40.01.png"/>
           <p:cNvPicPr>
             <a:picLocks noChangeAspect="1"/>
           </p:cNvPicPr>
@@ -9008,14 +8863,15 @@
           <a:blip r:embed="rId2">
             <a:extLst/>
           </a:blip>
+          <a:srcRect l="0" t="2163" r="0" b="0"/>
           <a:stretch>
             <a:fillRect/>
           </a:stretch>
         </p:blipFill>
         <p:spPr>
           <a:xfrm>
-            <a:off x="179145" y="5254968"/>
-            <a:ext cx="24025710" cy="4385375"/>
+            <a:off x="262334" y="8161651"/>
+            <a:ext cx="23859228" cy="4811757"/>
           </a:xfrm>
           <a:prstGeom prst="rect">
             <a:avLst/>
@@ -9025,6 +8881,1338 @@
           </a:ln>
         </p:spPr>
       </p:pic>
+      <p:sp>
+        <p:nvSpPr>
+          <p:cNvPr id="171" name="Input genome file(s)"/>
+          <p:cNvSpPr txBox="1"/>
+          <p:nvPr/>
+        </p:nvSpPr>
+        <p:spPr>
+          <a:xfrm>
+            <a:off x="225132" y="4163914"/>
+            <a:ext cx="3810916" cy="585113"/>
+          </a:xfrm>
+          <a:prstGeom prst="rect">
+            <a:avLst/>
+          </a:prstGeom>
+          <a:solidFill>
+            <a:srgbClr val="FEAD00"/>
+          </a:solidFill>
+          <a:ln w="12700">
+            <a:miter lim="400000"/>
+          </a:ln>
+          <a:extLst>
+            <a:ext uri="{C572A759-6A51-4108-AA02-DFA0A04FC94B}">
+              <ma14:wrappingTextBoxFlag xmlns:ma14="http://schemas.microsoft.com/office/mac/drawingml/2011/main" val="1"/>
+            </a:ext>
+          </a:extLst>
+        </p:spPr>
+        <p:txBody>
+          <a:bodyPr wrap="none" lIns="50800" tIns="50800" rIns="50800" bIns="50800" anchor="ctr">
+            <a:spAutoFit/>
+          </a:bodyPr>
+          <a:lstStyle>
+            <a:lvl1pPr defTabSz="825500">
+              <a:defRPr sz="3200">
+                <a:solidFill>
+                  <a:srgbClr val="000000"/>
+                </a:solidFill>
+                <a:latin typeface="Helvetica Neue Medium"/>
+                <a:ea typeface="Helvetica Neue Medium"/>
+                <a:cs typeface="Helvetica Neue Medium"/>
+                <a:sym typeface="Helvetica Neue Medium"/>
+              </a:defRPr>
+            </a:lvl1pPr>
+          </a:lstStyle>
+          <a:p>
+            <a:pPr/>
+            <a:r>
+              <a:t>Input genome file(s)</a:t>
+            </a:r>
+          </a:p>
+        </p:txBody>
+      </p:sp>
+      <p:sp>
+        <p:nvSpPr>
+          <p:cNvPr id="172" name="Correct format?"/>
+          <p:cNvSpPr txBox="1"/>
+          <p:nvPr/>
+        </p:nvSpPr>
+        <p:spPr>
+          <a:xfrm>
+            <a:off x="5196000" y="4163914"/>
+            <a:ext cx="3080615" cy="585113"/>
+          </a:xfrm>
+          <a:prstGeom prst="rect">
+            <a:avLst/>
+          </a:prstGeom>
+          <a:solidFill>
+            <a:srgbClr val="FEAD00"/>
+          </a:solidFill>
+          <a:ln w="12700">
+            <a:miter lim="400000"/>
+          </a:ln>
+          <a:extLst>
+            <a:ext uri="{C572A759-6A51-4108-AA02-DFA0A04FC94B}">
+              <ma14:wrappingTextBoxFlag xmlns:ma14="http://schemas.microsoft.com/office/mac/drawingml/2011/main" val="1"/>
+            </a:ext>
+          </a:extLst>
+        </p:spPr>
+        <p:txBody>
+          <a:bodyPr wrap="none" lIns="50800" tIns="50800" rIns="50800" bIns="50800" anchor="ctr">
+            <a:spAutoFit/>
+          </a:bodyPr>
+          <a:lstStyle>
+            <a:lvl1pPr defTabSz="825500">
+              <a:defRPr sz="3200">
+                <a:solidFill>
+                  <a:srgbClr val="000000"/>
+                </a:solidFill>
+                <a:latin typeface="Helvetica Neue Medium"/>
+                <a:ea typeface="Helvetica Neue Medium"/>
+                <a:cs typeface="Helvetica Neue Medium"/>
+                <a:sym typeface="Helvetica Neue Medium"/>
+              </a:defRPr>
+            </a:lvl1pPr>
+          </a:lstStyle>
+          <a:p>
+            <a:pPr/>
+            <a:r>
+              <a:t>Correct format?</a:t>
+            </a:r>
+          </a:p>
+        </p:txBody>
+      </p:sp>
+      <p:sp>
+        <p:nvSpPr>
+          <p:cNvPr id="173" name="Arrow 11"/>
+          <p:cNvSpPr/>
+          <p:nvPr/>
+        </p:nvSpPr>
+        <p:spPr>
+          <a:xfrm>
+            <a:off x="4227457" y="4163914"/>
+            <a:ext cx="777137" cy="585114"/>
+          </a:xfrm>
+          <a:custGeom>
+            <a:avLst/>
+            <a:gdLst/>
+            <a:ahLst/>
+            <a:cxnLst>
+              <a:cxn ang="0">
+                <a:pos x="wd2" y="hd2"/>
+              </a:cxn>
+              <a:cxn ang="5400000">
+                <a:pos x="wd2" y="hd2"/>
+              </a:cxn>
+              <a:cxn ang="10800000">
+                <a:pos x="wd2" y="hd2"/>
+              </a:cxn>
+              <a:cxn ang="16200000">
+                <a:pos x="wd2" y="hd2"/>
+              </a:cxn>
+            </a:cxnLst>
+            <a:rect l="0" t="0" r="r" b="b"/>
+            <a:pathLst>
+              <a:path w="21600" h="21600" fill="norm" stroke="1" extrusionOk="0">
+                <a:moveTo>
+                  <a:pt x="13469" y="0"/>
+                </a:moveTo>
+                <a:cubicBezTo>
+                  <a:pt x="13010" y="0"/>
+                  <a:pt x="12551" y="232"/>
+                  <a:pt x="12200" y="697"/>
+                </a:cubicBezTo>
+                <a:cubicBezTo>
+                  <a:pt x="11500" y="1626"/>
+                  <a:pt x="11500" y="3135"/>
+                  <a:pt x="12200" y="4065"/>
+                </a:cubicBezTo>
+                <a:lnTo>
+                  <a:pt x="15479" y="8419"/>
+                </a:lnTo>
+                <a:lnTo>
+                  <a:pt x="1793" y="8419"/>
+                </a:lnTo>
+                <a:cubicBezTo>
+                  <a:pt x="802" y="8419"/>
+                  <a:pt x="0" y="9485"/>
+                  <a:pt x="0" y="10800"/>
+                </a:cubicBezTo>
+                <a:cubicBezTo>
+                  <a:pt x="0" y="12115"/>
+                  <a:pt x="802" y="13181"/>
+                  <a:pt x="1793" y="13181"/>
+                </a:cubicBezTo>
+                <a:lnTo>
+                  <a:pt x="15479" y="13181"/>
+                </a:lnTo>
+                <a:lnTo>
+                  <a:pt x="12200" y="17535"/>
+                </a:lnTo>
+                <a:cubicBezTo>
+                  <a:pt x="11500" y="18465"/>
+                  <a:pt x="11500" y="19974"/>
+                  <a:pt x="12200" y="20903"/>
+                </a:cubicBezTo>
+                <a:cubicBezTo>
+                  <a:pt x="12551" y="21368"/>
+                  <a:pt x="13010" y="21600"/>
+                  <a:pt x="13469" y="21600"/>
+                </a:cubicBezTo>
+                <a:cubicBezTo>
+                  <a:pt x="13927" y="21600"/>
+                  <a:pt x="14387" y="21368"/>
+                  <a:pt x="14737" y="20903"/>
+                </a:cubicBezTo>
+                <a:lnTo>
+                  <a:pt x="21074" y="12484"/>
+                </a:lnTo>
+                <a:cubicBezTo>
+                  <a:pt x="21424" y="12019"/>
+                  <a:pt x="21600" y="11409"/>
+                  <a:pt x="21600" y="10800"/>
+                </a:cubicBezTo>
+                <a:cubicBezTo>
+                  <a:pt x="21600" y="10191"/>
+                  <a:pt x="21424" y="9581"/>
+                  <a:pt x="21074" y="9116"/>
+                </a:cubicBezTo>
+                <a:lnTo>
+                  <a:pt x="14737" y="697"/>
+                </a:lnTo>
+                <a:cubicBezTo>
+                  <a:pt x="14387" y="232"/>
+                  <a:pt x="13927" y="0"/>
+                  <a:pt x="13469" y="0"/>
+                </a:cubicBezTo>
+                <a:close/>
+              </a:path>
+            </a:pathLst>
+          </a:custGeom>
+          <a:solidFill>
+            <a:srgbClr val="000000"/>
+          </a:solidFill>
+          <a:ln w="12700">
+            <a:miter lim="400000"/>
+          </a:ln>
+        </p:spPr>
+        <p:txBody>
+          <a:bodyPr lIns="50800" tIns="50800" rIns="50800" bIns="50800" anchor="ctr"/>
+          <a:lstStyle/>
+          <a:p>
+            <a:pPr defTabSz="825500">
+              <a:defRPr sz="3200">
+                <a:solidFill>
+                  <a:srgbClr val="FFFFFF"/>
+                </a:solidFill>
+                <a:latin typeface="Helvetica Neue Medium"/>
+                <a:ea typeface="Helvetica Neue Medium"/>
+                <a:cs typeface="Helvetica Neue Medium"/>
+                <a:sym typeface="Helvetica Neue Medium"/>
+              </a:defRPr>
+            </a:pPr>
+          </a:p>
+        </p:txBody>
+      </p:sp>
+      <p:sp>
+        <p:nvSpPr>
+          <p:cNvPr id="174" name="Arrow 11"/>
+          <p:cNvSpPr/>
+          <p:nvPr/>
+        </p:nvSpPr>
+        <p:spPr>
+          <a:xfrm>
+            <a:off x="8468024" y="4163914"/>
+            <a:ext cx="777137" cy="585114"/>
+          </a:xfrm>
+          <a:custGeom>
+            <a:avLst/>
+            <a:gdLst/>
+            <a:ahLst/>
+            <a:cxnLst>
+              <a:cxn ang="0">
+                <a:pos x="wd2" y="hd2"/>
+              </a:cxn>
+              <a:cxn ang="5400000">
+                <a:pos x="wd2" y="hd2"/>
+              </a:cxn>
+              <a:cxn ang="10800000">
+                <a:pos x="wd2" y="hd2"/>
+              </a:cxn>
+              <a:cxn ang="16200000">
+                <a:pos x="wd2" y="hd2"/>
+              </a:cxn>
+            </a:cxnLst>
+            <a:rect l="0" t="0" r="r" b="b"/>
+            <a:pathLst>
+              <a:path w="21600" h="21600" fill="norm" stroke="1" extrusionOk="0">
+                <a:moveTo>
+                  <a:pt x="13469" y="0"/>
+                </a:moveTo>
+                <a:cubicBezTo>
+                  <a:pt x="13010" y="0"/>
+                  <a:pt x="12551" y="232"/>
+                  <a:pt x="12200" y="697"/>
+                </a:cubicBezTo>
+                <a:cubicBezTo>
+                  <a:pt x="11500" y="1626"/>
+                  <a:pt x="11500" y="3135"/>
+                  <a:pt x="12200" y="4065"/>
+                </a:cubicBezTo>
+                <a:lnTo>
+                  <a:pt x="15479" y="8419"/>
+                </a:lnTo>
+                <a:lnTo>
+                  <a:pt x="1793" y="8419"/>
+                </a:lnTo>
+                <a:cubicBezTo>
+                  <a:pt x="802" y="8419"/>
+                  <a:pt x="0" y="9485"/>
+                  <a:pt x="0" y="10800"/>
+                </a:cubicBezTo>
+                <a:cubicBezTo>
+                  <a:pt x="0" y="12115"/>
+                  <a:pt x="802" y="13181"/>
+                  <a:pt x="1793" y="13181"/>
+                </a:cubicBezTo>
+                <a:lnTo>
+                  <a:pt x="15479" y="13181"/>
+                </a:lnTo>
+                <a:lnTo>
+                  <a:pt x="12200" y="17535"/>
+                </a:lnTo>
+                <a:cubicBezTo>
+                  <a:pt x="11500" y="18465"/>
+                  <a:pt x="11500" y="19974"/>
+                  <a:pt x="12200" y="20903"/>
+                </a:cubicBezTo>
+                <a:cubicBezTo>
+                  <a:pt x="12551" y="21368"/>
+                  <a:pt x="13010" y="21600"/>
+                  <a:pt x="13469" y="21600"/>
+                </a:cubicBezTo>
+                <a:cubicBezTo>
+                  <a:pt x="13927" y="21600"/>
+                  <a:pt x="14387" y="21368"/>
+                  <a:pt x="14737" y="20903"/>
+                </a:cubicBezTo>
+                <a:lnTo>
+                  <a:pt x="21074" y="12484"/>
+                </a:lnTo>
+                <a:cubicBezTo>
+                  <a:pt x="21424" y="12019"/>
+                  <a:pt x="21600" y="11409"/>
+                  <a:pt x="21600" y="10800"/>
+                </a:cubicBezTo>
+                <a:cubicBezTo>
+                  <a:pt x="21600" y="10191"/>
+                  <a:pt x="21424" y="9581"/>
+                  <a:pt x="21074" y="9116"/>
+                </a:cubicBezTo>
+                <a:lnTo>
+                  <a:pt x="14737" y="697"/>
+                </a:lnTo>
+                <a:cubicBezTo>
+                  <a:pt x="14387" y="232"/>
+                  <a:pt x="13927" y="0"/>
+                  <a:pt x="13469" y="0"/>
+                </a:cubicBezTo>
+                <a:close/>
+              </a:path>
+            </a:pathLst>
+          </a:custGeom>
+          <a:solidFill>
+            <a:srgbClr val="000000"/>
+          </a:solidFill>
+          <a:ln w="12700">
+            <a:miter lim="400000"/>
+          </a:ln>
+        </p:spPr>
+        <p:txBody>
+          <a:bodyPr lIns="50800" tIns="50800" rIns="50800" bIns="50800" anchor="ctr"/>
+          <a:lstStyle/>
+          <a:p>
+            <a:pPr defTabSz="825500">
+              <a:defRPr sz="3200">
+                <a:solidFill>
+                  <a:srgbClr val="FFFFFF"/>
+                </a:solidFill>
+                <a:latin typeface="Helvetica Neue Medium"/>
+                <a:ea typeface="Helvetica Neue Medium"/>
+                <a:cs typeface="Helvetica Neue Medium"/>
+                <a:sym typeface="Helvetica Neue Medium"/>
+              </a:defRPr>
+            </a:pPr>
+          </a:p>
+        </p:txBody>
+      </p:sp>
+      <p:sp>
+        <p:nvSpPr>
+          <p:cNvPr id="175" name="Extracts genome sequence"/>
+          <p:cNvSpPr txBox="1"/>
+          <p:nvPr/>
+        </p:nvSpPr>
+        <p:spPr>
+          <a:xfrm>
+            <a:off x="9436568" y="4163914"/>
+            <a:ext cx="5241444" cy="585113"/>
+          </a:xfrm>
+          <a:prstGeom prst="rect">
+            <a:avLst/>
+          </a:prstGeom>
+          <a:solidFill>
+            <a:srgbClr val="FEAD00"/>
+          </a:solidFill>
+          <a:ln w="12700">
+            <a:miter lim="400000"/>
+          </a:ln>
+          <a:extLst>
+            <a:ext uri="{C572A759-6A51-4108-AA02-DFA0A04FC94B}">
+              <ma14:wrappingTextBoxFlag xmlns:ma14="http://schemas.microsoft.com/office/mac/drawingml/2011/main" val="1"/>
+            </a:ext>
+          </a:extLst>
+        </p:spPr>
+        <p:txBody>
+          <a:bodyPr wrap="none" lIns="50800" tIns="50800" rIns="50800" bIns="50800" anchor="ctr">
+            <a:spAutoFit/>
+          </a:bodyPr>
+          <a:lstStyle>
+            <a:lvl1pPr defTabSz="825500">
+              <a:defRPr sz="3200">
+                <a:solidFill>
+                  <a:srgbClr val="000000"/>
+                </a:solidFill>
+                <a:latin typeface="Helvetica Neue Medium"/>
+                <a:ea typeface="Helvetica Neue Medium"/>
+                <a:cs typeface="Helvetica Neue Medium"/>
+                <a:sym typeface="Helvetica Neue Medium"/>
+              </a:defRPr>
+            </a:lvl1pPr>
+          </a:lstStyle>
+          <a:p>
+            <a:pPr/>
+            <a:r>
+              <a:t>Extracts genome sequence</a:t>
+            </a:r>
+          </a:p>
+        </p:txBody>
+      </p:sp>
+      <p:sp>
+        <p:nvSpPr>
+          <p:cNvPr id="176" name="Arrow 11"/>
+          <p:cNvSpPr/>
+          <p:nvPr/>
+        </p:nvSpPr>
+        <p:spPr>
+          <a:xfrm>
+            <a:off x="14869421" y="4163914"/>
+            <a:ext cx="777137" cy="585114"/>
+          </a:xfrm>
+          <a:custGeom>
+            <a:avLst/>
+            <a:gdLst/>
+            <a:ahLst/>
+            <a:cxnLst>
+              <a:cxn ang="0">
+                <a:pos x="wd2" y="hd2"/>
+              </a:cxn>
+              <a:cxn ang="5400000">
+                <a:pos x="wd2" y="hd2"/>
+              </a:cxn>
+              <a:cxn ang="10800000">
+                <a:pos x="wd2" y="hd2"/>
+              </a:cxn>
+              <a:cxn ang="16200000">
+                <a:pos x="wd2" y="hd2"/>
+              </a:cxn>
+            </a:cxnLst>
+            <a:rect l="0" t="0" r="r" b="b"/>
+            <a:pathLst>
+              <a:path w="21600" h="21600" fill="norm" stroke="1" extrusionOk="0">
+                <a:moveTo>
+                  <a:pt x="13469" y="0"/>
+                </a:moveTo>
+                <a:cubicBezTo>
+                  <a:pt x="13010" y="0"/>
+                  <a:pt x="12551" y="232"/>
+                  <a:pt x="12200" y="697"/>
+                </a:cubicBezTo>
+                <a:cubicBezTo>
+                  <a:pt x="11500" y="1626"/>
+                  <a:pt x="11500" y="3135"/>
+                  <a:pt x="12200" y="4065"/>
+                </a:cubicBezTo>
+                <a:lnTo>
+                  <a:pt x="15479" y="8419"/>
+                </a:lnTo>
+                <a:lnTo>
+                  <a:pt x="1793" y="8419"/>
+                </a:lnTo>
+                <a:cubicBezTo>
+                  <a:pt x="802" y="8419"/>
+                  <a:pt x="0" y="9485"/>
+                  <a:pt x="0" y="10800"/>
+                </a:cubicBezTo>
+                <a:cubicBezTo>
+                  <a:pt x="0" y="12115"/>
+                  <a:pt x="802" y="13181"/>
+                  <a:pt x="1793" y="13181"/>
+                </a:cubicBezTo>
+                <a:lnTo>
+                  <a:pt x="15479" y="13181"/>
+                </a:lnTo>
+                <a:lnTo>
+                  <a:pt x="12200" y="17535"/>
+                </a:lnTo>
+                <a:cubicBezTo>
+                  <a:pt x="11500" y="18465"/>
+                  <a:pt x="11500" y="19974"/>
+                  <a:pt x="12200" y="20903"/>
+                </a:cubicBezTo>
+                <a:cubicBezTo>
+                  <a:pt x="12551" y="21368"/>
+                  <a:pt x="13010" y="21600"/>
+                  <a:pt x="13469" y="21600"/>
+                </a:cubicBezTo>
+                <a:cubicBezTo>
+                  <a:pt x="13927" y="21600"/>
+                  <a:pt x="14387" y="21368"/>
+                  <a:pt x="14737" y="20903"/>
+                </a:cubicBezTo>
+                <a:lnTo>
+                  <a:pt x="21074" y="12484"/>
+                </a:lnTo>
+                <a:cubicBezTo>
+                  <a:pt x="21424" y="12019"/>
+                  <a:pt x="21600" y="11409"/>
+                  <a:pt x="21600" y="10800"/>
+                </a:cubicBezTo>
+                <a:cubicBezTo>
+                  <a:pt x="21600" y="10191"/>
+                  <a:pt x="21424" y="9581"/>
+                  <a:pt x="21074" y="9116"/>
+                </a:cubicBezTo>
+                <a:lnTo>
+                  <a:pt x="14737" y="697"/>
+                </a:lnTo>
+                <a:cubicBezTo>
+                  <a:pt x="14387" y="232"/>
+                  <a:pt x="13927" y="0"/>
+                  <a:pt x="13469" y="0"/>
+                </a:cubicBezTo>
+                <a:close/>
+              </a:path>
+            </a:pathLst>
+          </a:custGeom>
+          <a:solidFill>
+            <a:srgbClr val="000000"/>
+          </a:solidFill>
+          <a:ln w="12700">
+            <a:miter lim="400000"/>
+          </a:ln>
+        </p:spPr>
+        <p:txBody>
+          <a:bodyPr lIns="50800" tIns="50800" rIns="50800" bIns="50800" anchor="ctr"/>
+          <a:lstStyle/>
+          <a:p>
+            <a:pPr defTabSz="825500">
+              <a:defRPr sz="3200">
+                <a:solidFill>
+                  <a:srgbClr val="FFFFFF"/>
+                </a:solidFill>
+                <a:latin typeface="Helvetica Neue Medium"/>
+                <a:ea typeface="Helvetica Neue Medium"/>
+                <a:cs typeface="Helvetica Neue Medium"/>
+                <a:sym typeface="Helvetica Neue Medium"/>
+              </a:defRPr>
+            </a:pPr>
+          </a:p>
+        </p:txBody>
+      </p:sp>
+      <p:sp>
+        <p:nvSpPr>
+          <p:cNvPr id="177" name="Calculates GC content"/>
+          <p:cNvSpPr txBox="1"/>
+          <p:nvPr/>
+        </p:nvSpPr>
+        <p:spPr>
+          <a:xfrm>
+            <a:off x="15837963" y="4163914"/>
+            <a:ext cx="4344925" cy="585113"/>
+          </a:xfrm>
+          <a:prstGeom prst="rect">
+            <a:avLst/>
+          </a:prstGeom>
+          <a:solidFill>
+            <a:srgbClr val="FEAD00"/>
+          </a:solidFill>
+          <a:ln w="12700">
+            <a:miter lim="400000"/>
+          </a:ln>
+          <a:extLst>
+            <a:ext uri="{C572A759-6A51-4108-AA02-DFA0A04FC94B}">
+              <ma14:wrappingTextBoxFlag xmlns:ma14="http://schemas.microsoft.com/office/mac/drawingml/2011/main" val="1"/>
+            </a:ext>
+          </a:extLst>
+        </p:spPr>
+        <p:txBody>
+          <a:bodyPr wrap="none" lIns="50800" tIns="50800" rIns="50800" bIns="50800" anchor="ctr">
+            <a:spAutoFit/>
+          </a:bodyPr>
+          <a:lstStyle>
+            <a:lvl1pPr defTabSz="825500">
+              <a:defRPr sz="3200">
+                <a:solidFill>
+                  <a:srgbClr val="000000"/>
+                </a:solidFill>
+                <a:latin typeface="Helvetica Neue Medium"/>
+                <a:ea typeface="Helvetica Neue Medium"/>
+                <a:cs typeface="Helvetica Neue Medium"/>
+                <a:sym typeface="Helvetica Neue Medium"/>
+              </a:defRPr>
+            </a:lvl1pPr>
+          </a:lstStyle>
+          <a:p>
+            <a:pPr/>
+            <a:r>
+              <a:t>Calculates GC content</a:t>
+            </a:r>
+          </a:p>
+        </p:txBody>
+      </p:sp>
+      <p:sp>
+        <p:nvSpPr>
+          <p:cNvPr id="178" name="Arrow 11"/>
+          <p:cNvSpPr/>
+          <p:nvPr/>
+        </p:nvSpPr>
+        <p:spPr>
+          <a:xfrm rot="5400000">
+            <a:off x="22371329" y="5606107"/>
+            <a:ext cx="777137" cy="585113"/>
+          </a:xfrm>
+          <a:custGeom>
+            <a:avLst/>
+            <a:gdLst/>
+            <a:ahLst/>
+            <a:cxnLst>
+              <a:cxn ang="0">
+                <a:pos x="wd2" y="hd2"/>
+              </a:cxn>
+              <a:cxn ang="5400000">
+                <a:pos x="wd2" y="hd2"/>
+              </a:cxn>
+              <a:cxn ang="10800000">
+                <a:pos x="wd2" y="hd2"/>
+              </a:cxn>
+              <a:cxn ang="16200000">
+                <a:pos x="wd2" y="hd2"/>
+              </a:cxn>
+            </a:cxnLst>
+            <a:rect l="0" t="0" r="r" b="b"/>
+            <a:pathLst>
+              <a:path w="21600" h="21600" fill="norm" stroke="1" extrusionOk="0">
+                <a:moveTo>
+                  <a:pt x="13469" y="0"/>
+                </a:moveTo>
+                <a:cubicBezTo>
+                  <a:pt x="13010" y="0"/>
+                  <a:pt x="12551" y="232"/>
+                  <a:pt x="12200" y="697"/>
+                </a:cubicBezTo>
+                <a:cubicBezTo>
+                  <a:pt x="11500" y="1626"/>
+                  <a:pt x="11500" y="3135"/>
+                  <a:pt x="12200" y="4065"/>
+                </a:cubicBezTo>
+                <a:lnTo>
+                  <a:pt x="15479" y="8419"/>
+                </a:lnTo>
+                <a:lnTo>
+                  <a:pt x="1793" y="8419"/>
+                </a:lnTo>
+                <a:cubicBezTo>
+                  <a:pt x="802" y="8419"/>
+                  <a:pt x="0" y="9485"/>
+                  <a:pt x="0" y="10800"/>
+                </a:cubicBezTo>
+                <a:cubicBezTo>
+                  <a:pt x="0" y="12115"/>
+                  <a:pt x="802" y="13181"/>
+                  <a:pt x="1793" y="13181"/>
+                </a:cubicBezTo>
+                <a:lnTo>
+                  <a:pt x="15479" y="13181"/>
+                </a:lnTo>
+                <a:lnTo>
+                  <a:pt x="12200" y="17535"/>
+                </a:lnTo>
+                <a:cubicBezTo>
+                  <a:pt x="11500" y="18465"/>
+                  <a:pt x="11500" y="19974"/>
+                  <a:pt x="12200" y="20903"/>
+                </a:cubicBezTo>
+                <a:cubicBezTo>
+                  <a:pt x="12551" y="21368"/>
+                  <a:pt x="13010" y="21600"/>
+                  <a:pt x="13469" y="21600"/>
+                </a:cubicBezTo>
+                <a:cubicBezTo>
+                  <a:pt x="13927" y="21600"/>
+                  <a:pt x="14387" y="21368"/>
+                  <a:pt x="14737" y="20903"/>
+                </a:cubicBezTo>
+                <a:lnTo>
+                  <a:pt x="21074" y="12484"/>
+                </a:lnTo>
+                <a:cubicBezTo>
+                  <a:pt x="21424" y="12019"/>
+                  <a:pt x="21600" y="11409"/>
+                  <a:pt x="21600" y="10800"/>
+                </a:cubicBezTo>
+                <a:cubicBezTo>
+                  <a:pt x="21600" y="10191"/>
+                  <a:pt x="21424" y="9581"/>
+                  <a:pt x="21074" y="9116"/>
+                </a:cubicBezTo>
+                <a:lnTo>
+                  <a:pt x="14737" y="697"/>
+                </a:lnTo>
+                <a:cubicBezTo>
+                  <a:pt x="14387" y="232"/>
+                  <a:pt x="13927" y="0"/>
+                  <a:pt x="13469" y="0"/>
+                </a:cubicBezTo>
+                <a:close/>
+              </a:path>
+            </a:pathLst>
+          </a:custGeom>
+          <a:solidFill>
+            <a:srgbClr val="000000"/>
+          </a:solidFill>
+          <a:ln w="12700">
+            <a:miter lim="400000"/>
+          </a:ln>
+        </p:spPr>
+        <p:txBody>
+          <a:bodyPr lIns="50800" tIns="50800" rIns="50800" bIns="50800" anchor="ctr"/>
+          <a:lstStyle/>
+          <a:p>
+            <a:pPr defTabSz="825500">
+              <a:defRPr sz="3200">
+                <a:solidFill>
+                  <a:srgbClr val="FFFFFF"/>
+                </a:solidFill>
+                <a:latin typeface="Helvetica Neue Medium"/>
+                <a:ea typeface="Helvetica Neue Medium"/>
+                <a:cs typeface="Helvetica Neue Medium"/>
+                <a:sym typeface="Helvetica Neue Medium"/>
+              </a:defRPr>
+            </a:pPr>
+          </a:p>
+        </p:txBody>
+      </p:sp>
+      <p:sp>
+        <p:nvSpPr>
+          <p:cNvPr id="179" name="Either printed to console or to output file"/>
+          <p:cNvSpPr txBox="1"/>
+          <p:nvPr/>
+        </p:nvSpPr>
+        <p:spPr>
+          <a:xfrm>
+            <a:off x="21342841" y="3668614"/>
+            <a:ext cx="2834109" cy="1575713"/>
+          </a:xfrm>
+          <a:prstGeom prst="rect">
+            <a:avLst/>
+          </a:prstGeom>
+          <a:solidFill>
+            <a:srgbClr val="FEAD00"/>
+          </a:solidFill>
+          <a:ln w="12700">
+            <a:miter lim="400000"/>
+          </a:ln>
+          <a:extLst>
+            <a:ext uri="{C572A759-6A51-4108-AA02-DFA0A04FC94B}">
+              <ma14:wrappingTextBoxFlag xmlns:ma14="http://schemas.microsoft.com/office/mac/drawingml/2011/main" val="1"/>
+            </a:ext>
+          </a:extLst>
+        </p:spPr>
+        <p:txBody>
+          <a:bodyPr lIns="50800" tIns="50800" rIns="50800" bIns="50800" anchor="ctr">
+            <a:spAutoFit/>
+          </a:bodyPr>
+          <a:lstStyle>
+            <a:lvl1pPr defTabSz="825500">
+              <a:defRPr sz="3200">
+                <a:solidFill>
+                  <a:srgbClr val="000000"/>
+                </a:solidFill>
+                <a:latin typeface="Helvetica Neue Medium"/>
+                <a:ea typeface="Helvetica Neue Medium"/>
+                <a:cs typeface="Helvetica Neue Medium"/>
+                <a:sym typeface="Helvetica Neue Medium"/>
+              </a:defRPr>
+            </a:lvl1pPr>
+          </a:lstStyle>
+          <a:p>
+            <a:pPr/>
+            <a:r>
+              <a:t>Either printed to console or to output file</a:t>
+            </a:r>
+          </a:p>
+        </p:txBody>
+      </p:sp>
+      <p:sp>
+        <p:nvSpPr>
+          <p:cNvPr id="180" name="Creates coordinates matrix"/>
+          <p:cNvSpPr txBox="1"/>
+          <p:nvPr/>
+        </p:nvSpPr>
+        <p:spPr>
+          <a:xfrm>
+            <a:off x="18987931" y="6596557"/>
+            <a:ext cx="5189018" cy="585112"/>
+          </a:xfrm>
+          <a:prstGeom prst="rect">
+            <a:avLst/>
+          </a:prstGeom>
+          <a:solidFill>
+            <a:srgbClr val="FEAD00"/>
+          </a:solidFill>
+          <a:ln w="12700">
+            <a:miter lim="400000"/>
+          </a:ln>
+          <a:extLst>
+            <a:ext uri="{C572A759-6A51-4108-AA02-DFA0A04FC94B}">
+              <ma14:wrappingTextBoxFlag xmlns:ma14="http://schemas.microsoft.com/office/mac/drawingml/2011/main" val="1"/>
+            </a:ext>
+          </a:extLst>
+        </p:spPr>
+        <p:txBody>
+          <a:bodyPr wrap="none" lIns="50800" tIns="50800" rIns="50800" bIns="50800" anchor="ctr">
+            <a:spAutoFit/>
+          </a:bodyPr>
+          <a:lstStyle>
+            <a:lvl1pPr defTabSz="825500">
+              <a:defRPr sz="3200">
+                <a:solidFill>
+                  <a:srgbClr val="000000"/>
+                </a:solidFill>
+                <a:latin typeface="Helvetica Neue Medium"/>
+                <a:ea typeface="Helvetica Neue Medium"/>
+                <a:cs typeface="Helvetica Neue Medium"/>
+                <a:sym typeface="Helvetica Neue Medium"/>
+              </a:defRPr>
+            </a:lvl1pPr>
+          </a:lstStyle>
+          <a:p>
+            <a:pPr/>
+            <a:r>
+              <a:t>Creates coordinates matrix</a:t>
+            </a:r>
+          </a:p>
+        </p:txBody>
+      </p:sp>
+      <p:sp>
+        <p:nvSpPr>
+          <p:cNvPr id="181" name="Arrow 11"/>
+          <p:cNvSpPr/>
+          <p:nvPr/>
+        </p:nvSpPr>
+        <p:spPr>
+          <a:xfrm flipH="1">
+            <a:off x="17918151" y="6596557"/>
+            <a:ext cx="777138" cy="585113"/>
+          </a:xfrm>
+          <a:custGeom>
+            <a:avLst/>
+            <a:gdLst/>
+            <a:ahLst/>
+            <a:cxnLst>
+              <a:cxn ang="0">
+                <a:pos x="wd2" y="hd2"/>
+              </a:cxn>
+              <a:cxn ang="5400000">
+                <a:pos x="wd2" y="hd2"/>
+              </a:cxn>
+              <a:cxn ang="10800000">
+                <a:pos x="wd2" y="hd2"/>
+              </a:cxn>
+              <a:cxn ang="16200000">
+                <a:pos x="wd2" y="hd2"/>
+              </a:cxn>
+            </a:cxnLst>
+            <a:rect l="0" t="0" r="r" b="b"/>
+            <a:pathLst>
+              <a:path w="21600" h="21600" fill="norm" stroke="1" extrusionOk="0">
+                <a:moveTo>
+                  <a:pt x="13469" y="0"/>
+                </a:moveTo>
+                <a:cubicBezTo>
+                  <a:pt x="13010" y="0"/>
+                  <a:pt x="12551" y="232"/>
+                  <a:pt x="12200" y="697"/>
+                </a:cubicBezTo>
+                <a:cubicBezTo>
+                  <a:pt x="11500" y="1626"/>
+                  <a:pt x="11500" y="3135"/>
+                  <a:pt x="12200" y="4065"/>
+                </a:cubicBezTo>
+                <a:lnTo>
+                  <a:pt x="15479" y="8419"/>
+                </a:lnTo>
+                <a:lnTo>
+                  <a:pt x="1793" y="8419"/>
+                </a:lnTo>
+                <a:cubicBezTo>
+                  <a:pt x="802" y="8419"/>
+                  <a:pt x="0" y="9485"/>
+                  <a:pt x="0" y="10800"/>
+                </a:cubicBezTo>
+                <a:cubicBezTo>
+                  <a:pt x="0" y="12115"/>
+                  <a:pt x="802" y="13181"/>
+                  <a:pt x="1793" y="13181"/>
+                </a:cubicBezTo>
+                <a:lnTo>
+                  <a:pt x="15479" y="13181"/>
+                </a:lnTo>
+                <a:lnTo>
+                  <a:pt x="12200" y="17535"/>
+                </a:lnTo>
+                <a:cubicBezTo>
+                  <a:pt x="11500" y="18465"/>
+                  <a:pt x="11500" y="19974"/>
+                  <a:pt x="12200" y="20903"/>
+                </a:cubicBezTo>
+                <a:cubicBezTo>
+                  <a:pt x="12551" y="21368"/>
+                  <a:pt x="13010" y="21600"/>
+                  <a:pt x="13469" y="21600"/>
+                </a:cubicBezTo>
+                <a:cubicBezTo>
+                  <a:pt x="13927" y="21600"/>
+                  <a:pt x="14387" y="21368"/>
+                  <a:pt x="14737" y="20903"/>
+                </a:cubicBezTo>
+                <a:lnTo>
+                  <a:pt x="21074" y="12484"/>
+                </a:lnTo>
+                <a:cubicBezTo>
+                  <a:pt x="21424" y="12019"/>
+                  <a:pt x="21600" y="11409"/>
+                  <a:pt x="21600" y="10800"/>
+                </a:cubicBezTo>
+                <a:cubicBezTo>
+                  <a:pt x="21600" y="10191"/>
+                  <a:pt x="21424" y="9581"/>
+                  <a:pt x="21074" y="9116"/>
+                </a:cubicBezTo>
+                <a:lnTo>
+                  <a:pt x="14737" y="697"/>
+                </a:lnTo>
+                <a:cubicBezTo>
+                  <a:pt x="14387" y="232"/>
+                  <a:pt x="13927" y="0"/>
+                  <a:pt x="13469" y="0"/>
+                </a:cubicBezTo>
+                <a:close/>
+              </a:path>
+            </a:pathLst>
+          </a:custGeom>
+          <a:solidFill>
+            <a:srgbClr val="000000"/>
+          </a:solidFill>
+          <a:ln w="12700">
+            <a:miter lim="400000"/>
+          </a:ln>
+        </p:spPr>
+        <p:txBody>
+          <a:bodyPr lIns="50800" tIns="50800" rIns="50800" bIns="50800" anchor="ctr"/>
+          <a:lstStyle/>
+          <a:p>
+            <a:pPr defTabSz="825500">
+              <a:defRPr sz="3200">
+                <a:solidFill>
+                  <a:srgbClr val="FFFFFF"/>
+                </a:solidFill>
+                <a:latin typeface="Helvetica Neue Medium"/>
+                <a:ea typeface="Helvetica Neue Medium"/>
+                <a:cs typeface="Helvetica Neue Medium"/>
+                <a:sym typeface="Helvetica Neue Medium"/>
+              </a:defRPr>
+            </a:pPr>
+          </a:p>
+        </p:txBody>
+      </p:sp>
+      <p:sp>
+        <p:nvSpPr>
+          <p:cNvPr id="182" name="Uses imported R function to plot"/>
+          <p:cNvSpPr txBox="1"/>
+          <p:nvPr/>
+        </p:nvSpPr>
+        <p:spPr>
+          <a:xfrm>
+            <a:off x="11416560" y="6596557"/>
+            <a:ext cx="6226963" cy="585112"/>
+          </a:xfrm>
+          <a:prstGeom prst="rect">
+            <a:avLst/>
+          </a:prstGeom>
+          <a:solidFill>
+            <a:srgbClr val="FEAD00"/>
+          </a:solidFill>
+          <a:ln w="12700">
+            <a:miter lim="400000"/>
+          </a:ln>
+          <a:extLst>
+            <a:ext uri="{C572A759-6A51-4108-AA02-DFA0A04FC94B}">
+              <ma14:wrappingTextBoxFlag xmlns:ma14="http://schemas.microsoft.com/office/mac/drawingml/2011/main" val="1"/>
+            </a:ext>
+          </a:extLst>
+        </p:spPr>
+        <p:txBody>
+          <a:bodyPr wrap="none" lIns="50800" tIns="50800" rIns="50800" bIns="50800" anchor="ctr">
+            <a:spAutoFit/>
+          </a:bodyPr>
+          <a:lstStyle>
+            <a:lvl1pPr defTabSz="825500">
+              <a:defRPr sz="3200">
+                <a:solidFill>
+                  <a:srgbClr val="000000"/>
+                </a:solidFill>
+                <a:latin typeface="Helvetica Neue Medium"/>
+                <a:ea typeface="Helvetica Neue Medium"/>
+                <a:cs typeface="Helvetica Neue Medium"/>
+                <a:sym typeface="Helvetica Neue Medium"/>
+              </a:defRPr>
+            </a:lvl1pPr>
+          </a:lstStyle>
+          <a:p>
+            <a:pPr/>
+            <a:r>
+              <a:t>Uses imported R function to plot</a:t>
+            </a:r>
+          </a:p>
+        </p:txBody>
+      </p:sp>
+      <p:sp>
+        <p:nvSpPr>
+          <p:cNvPr id="183" name="Arrow 11"/>
+          <p:cNvSpPr/>
+          <p:nvPr/>
+        </p:nvSpPr>
+        <p:spPr>
+          <a:xfrm flipH="1">
+            <a:off x="10364795" y="6596557"/>
+            <a:ext cx="777137" cy="585113"/>
+          </a:xfrm>
+          <a:custGeom>
+            <a:avLst/>
+            <a:gdLst/>
+            <a:ahLst/>
+            <a:cxnLst>
+              <a:cxn ang="0">
+                <a:pos x="wd2" y="hd2"/>
+              </a:cxn>
+              <a:cxn ang="5400000">
+                <a:pos x="wd2" y="hd2"/>
+              </a:cxn>
+              <a:cxn ang="10800000">
+                <a:pos x="wd2" y="hd2"/>
+              </a:cxn>
+              <a:cxn ang="16200000">
+                <a:pos x="wd2" y="hd2"/>
+              </a:cxn>
+            </a:cxnLst>
+            <a:rect l="0" t="0" r="r" b="b"/>
+            <a:pathLst>
+              <a:path w="21600" h="21600" fill="norm" stroke="1" extrusionOk="0">
+                <a:moveTo>
+                  <a:pt x="13469" y="0"/>
+                </a:moveTo>
+                <a:cubicBezTo>
+                  <a:pt x="13010" y="0"/>
+                  <a:pt x="12551" y="232"/>
+                  <a:pt x="12200" y="697"/>
+                </a:cubicBezTo>
+                <a:cubicBezTo>
+                  <a:pt x="11500" y="1626"/>
+                  <a:pt x="11500" y="3135"/>
+                  <a:pt x="12200" y="4065"/>
+                </a:cubicBezTo>
+                <a:lnTo>
+                  <a:pt x="15479" y="8419"/>
+                </a:lnTo>
+                <a:lnTo>
+                  <a:pt x="1793" y="8419"/>
+                </a:lnTo>
+                <a:cubicBezTo>
+                  <a:pt x="802" y="8419"/>
+                  <a:pt x="0" y="9485"/>
+                  <a:pt x="0" y="10800"/>
+                </a:cubicBezTo>
+                <a:cubicBezTo>
+                  <a:pt x="0" y="12115"/>
+                  <a:pt x="802" y="13181"/>
+                  <a:pt x="1793" y="13181"/>
+                </a:cubicBezTo>
+                <a:lnTo>
+                  <a:pt x="15479" y="13181"/>
+                </a:lnTo>
+                <a:lnTo>
+                  <a:pt x="12200" y="17535"/>
+                </a:lnTo>
+                <a:cubicBezTo>
+                  <a:pt x="11500" y="18465"/>
+                  <a:pt x="11500" y="19974"/>
+                  <a:pt x="12200" y="20903"/>
+                </a:cubicBezTo>
+                <a:cubicBezTo>
+                  <a:pt x="12551" y="21368"/>
+                  <a:pt x="13010" y="21600"/>
+                  <a:pt x="13469" y="21600"/>
+                </a:cubicBezTo>
+                <a:cubicBezTo>
+                  <a:pt x="13927" y="21600"/>
+                  <a:pt x="14387" y="21368"/>
+                  <a:pt x="14737" y="20903"/>
+                </a:cubicBezTo>
+                <a:lnTo>
+                  <a:pt x="21074" y="12484"/>
+                </a:lnTo>
+                <a:cubicBezTo>
+                  <a:pt x="21424" y="12019"/>
+                  <a:pt x="21600" y="11409"/>
+                  <a:pt x="21600" y="10800"/>
+                </a:cubicBezTo>
+                <a:cubicBezTo>
+                  <a:pt x="21600" y="10191"/>
+                  <a:pt x="21424" y="9581"/>
+                  <a:pt x="21074" y="9116"/>
+                </a:cubicBezTo>
+                <a:lnTo>
+                  <a:pt x="14737" y="697"/>
+                </a:lnTo>
+                <a:cubicBezTo>
+                  <a:pt x="14387" y="232"/>
+                  <a:pt x="13927" y="0"/>
+                  <a:pt x="13469" y="0"/>
+                </a:cubicBezTo>
+                <a:close/>
+              </a:path>
+            </a:pathLst>
+          </a:custGeom>
+          <a:solidFill>
+            <a:srgbClr val="000000"/>
+          </a:solidFill>
+          <a:ln w="12700">
+            <a:miter lim="400000"/>
+          </a:ln>
+        </p:spPr>
+        <p:txBody>
+          <a:bodyPr lIns="50800" tIns="50800" rIns="50800" bIns="50800" anchor="ctr"/>
+          <a:lstStyle/>
+          <a:p>
+            <a:pPr defTabSz="825500">
+              <a:defRPr sz="3200">
+                <a:solidFill>
+                  <a:srgbClr val="FFFFFF"/>
+                </a:solidFill>
+                <a:latin typeface="Helvetica Neue Medium"/>
+                <a:ea typeface="Helvetica Neue Medium"/>
+                <a:cs typeface="Helvetica Neue Medium"/>
+                <a:sym typeface="Helvetica Neue Medium"/>
+              </a:defRPr>
+            </a:pPr>
+          </a:p>
+        </p:txBody>
+      </p:sp>
+      <p:sp>
+        <p:nvSpPr>
+          <p:cNvPr id="184" name="Arrow 11"/>
+          <p:cNvSpPr/>
+          <p:nvPr/>
+        </p:nvSpPr>
+        <p:spPr>
+          <a:xfrm>
+            <a:off x="20374297" y="4163914"/>
+            <a:ext cx="777137" cy="585114"/>
+          </a:xfrm>
+          <a:custGeom>
+            <a:avLst/>
+            <a:gdLst/>
+            <a:ahLst/>
+            <a:cxnLst>
+              <a:cxn ang="0">
+                <a:pos x="wd2" y="hd2"/>
+              </a:cxn>
+              <a:cxn ang="5400000">
+                <a:pos x="wd2" y="hd2"/>
+              </a:cxn>
+              <a:cxn ang="10800000">
+                <a:pos x="wd2" y="hd2"/>
+              </a:cxn>
+              <a:cxn ang="16200000">
+                <a:pos x="wd2" y="hd2"/>
+              </a:cxn>
+            </a:cxnLst>
+            <a:rect l="0" t="0" r="r" b="b"/>
+            <a:pathLst>
+              <a:path w="21600" h="21600" fill="norm" stroke="1" extrusionOk="0">
+                <a:moveTo>
+                  <a:pt x="13469" y="0"/>
+                </a:moveTo>
+                <a:cubicBezTo>
+                  <a:pt x="13010" y="0"/>
+                  <a:pt x="12551" y="232"/>
+                  <a:pt x="12200" y="697"/>
+                </a:cubicBezTo>
+                <a:cubicBezTo>
+                  <a:pt x="11500" y="1626"/>
+                  <a:pt x="11500" y="3135"/>
+                  <a:pt x="12200" y="4065"/>
+                </a:cubicBezTo>
+                <a:lnTo>
+                  <a:pt x="15479" y="8419"/>
+                </a:lnTo>
+                <a:lnTo>
+                  <a:pt x="1793" y="8419"/>
+                </a:lnTo>
+                <a:cubicBezTo>
+                  <a:pt x="802" y="8419"/>
+                  <a:pt x="0" y="9485"/>
+                  <a:pt x="0" y="10800"/>
+                </a:cubicBezTo>
+                <a:cubicBezTo>
+                  <a:pt x="0" y="12115"/>
+                  <a:pt x="802" y="13181"/>
+                  <a:pt x="1793" y="13181"/>
+                </a:cubicBezTo>
+                <a:lnTo>
+                  <a:pt x="15479" y="13181"/>
+                </a:lnTo>
+                <a:lnTo>
+                  <a:pt x="12200" y="17535"/>
+                </a:lnTo>
+                <a:cubicBezTo>
+                  <a:pt x="11500" y="18465"/>
+                  <a:pt x="11500" y="19974"/>
+                  <a:pt x="12200" y="20903"/>
+                </a:cubicBezTo>
+                <a:cubicBezTo>
+                  <a:pt x="12551" y="21368"/>
+                  <a:pt x="13010" y="21600"/>
+                  <a:pt x="13469" y="21600"/>
+                </a:cubicBezTo>
+                <a:cubicBezTo>
+                  <a:pt x="13927" y="21600"/>
+                  <a:pt x="14387" y="21368"/>
+                  <a:pt x="14737" y="20903"/>
+                </a:cubicBezTo>
+                <a:lnTo>
+                  <a:pt x="21074" y="12484"/>
+                </a:lnTo>
+                <a:cubicBezTo>
+                  <a:pt x="21424" y="12019"/>
+                  <a:pt x="21600" y="11409"/>
+                  <a:pt x="21600" y="10800"/>
+                </a:cubicBezTo>
+                <a:cubicBezTo>
+                  <a:pt x="21600" y="10191"/>
+                  <a:pt x="21424" y="9581"/>
+                  <a:pt x="21074" y="9116"/>
+                </a:cubicBezTo>
+                <a:lnTo>
+                  <a:pt x="14737" y="697"/>
+                </a:lnTo>
+                <a:cubicBezTo>
+                  <a:pt x="14387" y="232"/>
+                  <a:pt x="13927" y="0"/>
+                  <a:pt x="13469" y="0"/>
+                </a:cubicBezTo>
+                <a:close/>
+              </a:path>
+            </a:pathLst>
+          </a:custGeom>
+          <a:solidFill>
+            <a:srgbClr val="000000"/>
+          </a:solidFill>
+          <a:ln w="12700">
+            <a:miter lim="400000"/>
+          </a:ln>
+        </p:spPr>
+        <p:txBody>
+          <a:bodyPr lIns="50800" tIns="50800" rIns="50800" bIns="50800" anchor="ctr"/>
+          <a:lstStyle/>
+          <a:p>
+            <a:pPr defTabSz="825500">
+              <a:defRPr sz="3200">
+                <a:solidFill>
+                  <a:srgbClr val="FFFFFF"/>
+                </a:solidFill>
+                <a:latin typeface="Helvetica Neue Medium"/>
+                <a:ea typeface="Helvetica Neue Medium"/>
+                <a:cs typeface="Helvetica Neue Medium"/>
+                <a:sym typeface="Helvetica Neue Medium"/>
+              </a:defRPr>
+            </a:pPr>
+          </a:p>
+        </p:txBody>
+      </p:sp>
+      <p:sp>
+        <p:nvSpPr>
+          <p:cNvPr id="185" name="Saves plot in different formats"/>
+          <p:cNvSpPr txBox="1"/>
+          <p:nvPr/>
+        </p:nvSpPr>
+        <p:spPr>
+          <a:xfrm>
+            <a:off x="4325959" y="6565443"/>
+            <a:ext cx="5746192" cy="585113"/>
+          </a:xfrm>
+          <a:prstGeom prst="rect">
+            <a:avLst/>
+          </a:prstGeom>
+          <a:solidFill>
+            <a:srgbClr val="FEAD00"/>
+          </a:solidFill>
+          <a:ln w="12700">
+            <a:miter lim="400000"/>
+          </a:ln>
+          <a:extLst>
+            <a:ext uri="{C572A759-6A51-4108-AA02-DFA0A04FC94B}">
+              <ma14:wrappingTextBoxFlag xmlns:ma14="http://schemas.microsoft.com/office/mac/drawingml/2011/main" val="1"/>
+            </a:ext>
+          </a:extLst>
+        </p:spPr>
+        <p:txBody>
+          <a:bodyPr wrap="none" lIns="50800" tIns="50800" rIns="50800" bIns="50800" anchor="ctr">
+            <a:spAutoFit/>
+          </a:bodyPr>
+          <a:lstStyle>
+            <a:lvl1pPr defTabSz="825500">
+              <a:defRPr sz="3200">
+                <a:solidFill>
+                  <a:srgbClr val="000000"/>
+                </a:solidFill>
+                <a:latin typeface="Helvetica Neue Medium"/>
+                <a:ea typeface="Helvetica Neue Medium"/>
+                <a:cs typeface="Helvetica Neue Medium"/>
+                <a:sym typeface="Helvetica Neue Medium"/>
+              </a:defRPr>
+            </a:lvl1pPr>
+          </a:lstStyle>
+          <a:p>
+            <a:pPr/>
+            <a:r>
+              <a:t>Saves plot in different formats</a:t>
+            </a:r>
+          </a:p>
+        </p:txBody>
+      </p:sp>
     </p:spTree>
   </p:cSld>
   <p:clrMapOvr>
@@ -9053,7 +10241,7 @@
       </p:grpSpPr>
       <p:sp>
         <p:nvSpPr>
-          <p:cNvPr id="172" name="plotZcurve"/>
+          <p:cNvPr id="187" name="Z-curve"/>
           <p:cNvSpPr txBox="1"/>
           <p:nvPr>
             <p:ph type="title"/>
@@ -9072,12 +10260,9 @@
           <a:bodyPr/>
           <a:lstStyle>
             <a:lvl1pPr>
-              <a:defRPr>
+              <a:defRPr spc="-200">
                 <a:solidFill>
-                  <a:schemeClr val="accent4">
-                    <a:hueOff val="-1247790"/>
-                    <a:lumOff val="-12326"/>
-                  </a:schemeClr>
+                  <a:srgbClr val="F27100"/>
                 </a:solidFill>
               </a:defRPr>
             </a:lvl1pPr>
@@ -9085,21 +10270,98 @@
           <a:p>
             <a:pPr/>
             <a:r>
-              <a:t>plotZcurve</a:t>
+              <a:t>Z-curve</a:t>
             </a:r>
           </a:p>
         </p:txBody>
       </p:sp>
+      <p:grpSp>
+        <p:nvGrpSpPr>
+          <p:cNvPr id="190" name="Group"/>
+          <p:cNvGrpSpPr/>
+          <p:nvPr/>
+        </p:nvGrpSpPr>
+        <p:grpSpPr>
+          <a:xfrm>
+            <a:off x="-3066171" y="4619056"/>
+            <a:ext cx="27047097" cy="7199042"/>
+            <a:chOff x="0" y="0"/>
+            <a:chExt cx="27047095" cy="7199040"/>
+          </a:xfrm>
+        </p:grpSpPr>
+        <p:pic>
+          <p:nvPicPr>
+            <p:cNvPr id="188" name="ecoli.png" descr="ecoli.png"/>
+            <p:cNvPicPr>
+              <a:picLocks noChangeAspect="1"/>
+            </p:cNvPicPr>
+            <p:nvPr/>
+          </p:nvPicPr>
+          <p:blipFill>
+            <a:blip r:embed="rId2">
+              <a:extLst/>
+            </a:blip>
+            <a:stretch>
+              <a:fillRect/>
+            </a:stretch>
+          </p:blipFill>
+          <p:spPr>
+            <a:xfrm>
+              <a:off x="-1" y="0"/>
+              <a:ext cx="14398079" cy="7199041"/>
+            </a:xfrm>
+            <a:prstGeom prst="rect">
+              <a:avLst/>
+            </a:prstGeom>
+            <a:ln w="12700" cap="flat">
+              <a:noFill/>
+              <a:miter lim="400000"/>
+            </a:ln>
+            <a:effectLst/>
+          </p:spPr>
+        </p:pic>
+        <p:pic>
+          <p:nvPicPr>
+            <p:cNvPr id="189" name="zika.png" descr="zika.png"/>
+            <p:cNvPicPr>
+              <a:picLocks noChangeAspect="1"/>
+            </p:cNvPicPr>
+            <p:nvPr/>
+          </p:nvPicPr>
+          <p:blipFill>
+            <a:blip r:embed="rId3">
+              <a:extLst/>
+            </a:blip>
+            <a:stretch>
+              <a:fillRect/>
+            </a:stretch>
+          </p:blipFill>
+          <p:spPr>
+            <a:xfrm>
+              <a:off x="12649015" y="0"/>
+              <a:ext cx="14398080" cy="7199041"/>
+            </a:xfrm>
+            <a:prstGeom prst="rect">
+              <a:avLst/>
+            </a:prstGeom>
+            <a:ln w="12700" cap="flat">
+              <a:noFill/>
+              <a:miter lim="400000"/>
+            </a:ln>
+            <a:effectLst/>
+          </p:spPr>
+        </p:pic>
+      </p:grpSp>
       <p:sp>
         <p:nvSpPr>
-          <p:cNvPr id="173" name="Python script with R custom function - pipeline"/>
+          <p:cNvPr id="191" name="plotZcurve.py - plots"/>
           <p:cNvSpPr txBox="1"/>
           <p:nvPr/>
         </p:nvSpPr>
         <p:spPr>
           <a:xfrm>
             <a:off x="1206500" y="2372962"/>
-            <a:ext cx="20385942" cy="934780"/>
+            <a:ext cx="20385942" cy="934778"/>
           </a:xfrm>
           <a:prstGeom prst="rect">
             <a:avLst/>
@@ -9114,7 +10376,7 @@
           </a:extLst>
         </p:spPr>
         <p:txBody>
-          <a:bodyPr lIns="45719" rIns="45719">
+          <a:bodyPr lIns="45718" tIns="45718" rIns="45718" bIns="45718">
             <a:normAutofit fontScale="100000" lnSpcReduction="0"/>
           </a:bodyPr>
           <a:lstStyle>
@@ -9129,3200 +10391,11 @@
           <a:p>
             <a:pPr/>
             <a:r>
-              <a:t>Python script with R custom function - pipeline</a:t>
+              <a:t>plotZcurve.py - plots</a:t>
             </a:r>
           </a:p>
         </p:txBody>
       </p:sp>
-      <p:grpSp>
-        <p:nvGrpSpPr>
-          <p:cNvPr id="206" name="Group"/>
-          <p:cNvGrpSpPr/>
-          <p:nvPr/>
-        </p:nvGrpSpPr>
-        <p:grpSpPr>
-          <a:xfrm>
-            <a:off x="333378" y="3518851"/>
-            <a:ext cx="23717243" cy="9715317"/>
-            <a:chOff x="0" y="0"/>
-            <a:chExt cx="23717241" cy="9715315"/>
-          </a:xfrm>
-        </p:grpSpPr>
-        <p:sp>
-          <p:nvSpPr>
-            <p:cNvPr id="174" name="Imports custom R functions"/>
-            <p:cNvSpPr/>
-            <p:nvPr/>
-          </p:nvSpPr>
-          <p:spPr>
-            <a:xfrm>
-              <a:off x="3764909" y="1031559"/>
-              <a:ext cx="5229748" cy="1564842"/>
-            </a:xfrm>
-            <a:prstGeom prst="roundRect">
-              <a:avLst>
-                <a:gd name="adj" fmla="val 15000"/>
-              </a:avLst>
-            </a:prstGeom>
-            <a:solidFill>
-              <a:schemeClr val="accent4">
-                <a:hueOff val="-476017"/>
-                <a:lumOff val="-10042"/>
-                <a:alpha val="50000"/>
-              </a:schemeClr>
-            </a:solidFill>
-            <a:ln w="12700" cap="flat">
-              <a:noFill/>
-              <a:miter lim="400000"/>
-            </a:ln>
-            <a:effectLst/>
-            <a:extLst>
-              <a:ext uri="{C572A759-6A51-4108-AA02-DFA0A04FC94B}">
-                <ma14:wrappingTextBoxFlag xmlns:ma14="http://schemas.microsoft.com/office/mac/drawingml/2011/main" val="1"/>
-              </a:ext>
-            </a:extLst>
-          </p:spPr>
-          <p:txBody>
-            <a:bodyPr wrap="square" lIns="50800" tIns="50800" rIns="50800" bIns="50800" numCol="1" anchor="ctr">
-              <a:noAutofit/>
-            </a:bodyPr>
-            <a:lstStyle>
-              <a:lvl1pPr defTabSz="825500">
-                <a:defRPr>
-                  <a:solidFill>
-                    <a:srgbClr val="000000"/>
-                  </a:solidFill>
-                  <a:latin typeface="Helvetica Neue Medium"/>
-                  <a:ea typeface="Helvetica Neue Medium"/>
-                  <a:cs typeface="Helvetica Neue Medium"/>
-                  <a:sym typeface="Helvetica Neue Medium"/>
-                </a:defRPr>
-              </a:lvl1pPr>
-            </a:lstStyle>
-            <a:p>
-              <a:pPr/>
-              <a:r>
-                <a:t>Imports custom R functions</a:t>
-              </a:r>
-            </a:p>
-          </p:txBody>
-        </p:sp>
-        <p:sp>
-          <p:nvSpPr>
-            <p:cNvPr id="175" name="FASTA format?"/>
-            <p:cNvSpPr/>
-            <p:nvPr/>
-          </p:nvSpPr>
-          <p:spPr>
-            <a:xfrm>
-              <a:off x="3764909" y="3159743"/>
-              <a:ext cx="5229748" cy="1564842"/>
-            </a:xfrm>
-            <a:prstGeom prst="roundRect">
-              <a:avLst>
-                <a:gd name="adj" fmla="val 15000"/>
-              </a:avLst>
-            </a:prstGeom>
-            <a:solidFill>
-              <a:schemeClr val="accent4">
-                <a:hueOff val="-476017"/>
-                <a:lumOff val="-10042"/>
-                <a:alpha val="50000"/>
-              </a:schemeClr>
-            </a:solidFill>
-            <a:ln w="12700" cap="flat">
-              <a:noFill/>
-              <a:miter lim="400000"/>
-            </a:ln>
-            <a:effectLst/>
-            <a:extLst>
-              <a:ext uri="{C572A759-6A51-4108-AA02-DFA0A04FC94B}">
-                <ma14:wrappingTextBoxFlag xmlns:ma14="http://schemas.microsoft.com/office/mac/drawingml/2011/main" val="1"/>
-              </a:ext>
-            </a:extLst>
-          </p:spPr>
-          <p:txBody>
-            <a:bodyPr wrap="square" lIns="50800" tIns="50800" rIns="50800" bIns="50800" numCol="1" anchor="ctr">
-              <a:noAutofit/>
-            </a:bodyPr>
-            <a:lstStyle>
-              <a:lvl1pPr defTabSz="825500">
-                <a:defRPr>
-                  <a:solidFill>
-                    <a:srgbClr val="000000"/>
-                  </a:solidFill>
-                  <a:latin typeface="Helvetica Neue Medium"/>
-                  <a:ea typeface="Helvetica Neue Medium"/>
-                  <a:cs typeface="Helvetica Neue Medium"/>
-                  <a:sym typeface="Helvetica Neue Medium"/>
-                </a:defRPr>
-              </a:lvl1pPr>
-            </a:lstStyle>
-            <a:p>
-              <a:pPr/>
-              <a:r>
-                <a:t>FASTA format?</a:t>
-              </a:r>
-            </a:p>
-          </p:txBody>
-        </p:sp>
-        <p:sp>
-          <p:nvSpPr>
-            <p:cNvPr id="176" name="Invalid nucleotides?"/>
-            <p:cNvSpPr/>
-            <p:nvPr/>
-          </p:nvSpPr>
-          <p:spPr>
-            <a:xfrm>
-              <a:off x="3764909" y="5287926"/>
-              <a:ext cx="5229748" cy="1564842"/>
-            </a:xfrm>
-            <a:prstGeom prst="roundRect">
-              <a:avLst>
-                <a:gd name="adj" fmla="val 15000"/>
-              </a:avLst>
-            </a:prstGeom>
-            <a:solidFill>
-              <a:schemeClr val="accent4">
-                <a:hueOff val="-476017"/>
-                <a:lumOff val="-10042"/>
-                <a:alpha val="50000"/>
-              </a:schemeClr>
-            </a:solidFill>
-            <a:ln w="12700" cap="flat">
-              <a:noFill/>
-              <a:miter lim="400000"/>
-            </a:ln>
-            <a:effectLst/>
-            <a:extLst>
-              <a:ext uri="{C572A759-6A51-4108-AA02-DFA0A04FC94B}">
-                <ma14:wrappingTextBoxFlag xmlns:ma14="http://schemas.microsoft.com/office/mac/drawingml/2011/main" val="1"/>
-              </a:ext>
-            </a:extLst>
-          </p:spPr>
-          <p:txBody>
-            <a:bodyPr wrap="square" lIns="50800" tIns="50800" rIns="50800" bIns="50800" numCol="1" anchor="ctr">
-              <a:noAutofit/>
-            </a:bodyPr>
-            <a:lstStyle>
-              <a:lvl1pPr defTabSz="825500">
-                <a:defRPr>
-                  <a:solidFill>
-                    <a:srgbClr val="000000"/>
-                  </a:solidFill>
-                  <a:latin typeface="Helvetica Neue Medium"/>
-                  <a:ea typeface="Helvetica Neue Medium"/>
-                  <a:cs typeface="Helvetica Neue Medium"/>
-                  <a:sym typeface="Helvetica Neue Medium"/>
-                </a:defRPr>
-              </a:lvl1pPr>
-            </a:lstStyle>
-            <a:p>
-              <a:pPr/>
-              <a:r>
-                <a:t>Invalid nucleotides?</a:t>
-              </a:r>
-            </a:p>
-          </p:txBody>
-        </p:sp>
-        <p:sp>
-          <p:nvSpPr>
-            <p:cNvPr id="177" name="Extracts sequence"/>
-            <p:cNvSpPr/>
-            <p:nvPr/>
-          </p:nvSpPr>
-          <p:spPr>
-            <a:xfrm>
-              <a:off x="3764909" y="7416110"/>
-              <a:ext cx="5229748" cy="1564842"/>
-            </a:xfrm>
-            <a:prstGeom prst="roundRect">
-              <a:avLst>
-                <a:gd name="adj" fmla="val 15000"/>
-              </a:avLst>
-            </a:prstGeom>
-            <a:solidFill>
-              <a:schemeClr val="accent4">
-                <a:hueOff val="-476017"/>
-                <a:lumOff val="-10042"/>
-                <a:alpha val="50000"/>
-              </a:schemeClr>
-            </a:solidFill>
-            <a:ln w="12700" cap="flat">
-              <a:noFill/>
-              <a:miter lim="400000"/>
-            </a:ln>
-            <a:effectLst/>
-            <a:extLst>
-              <a:ext uri="{C572A759-6A51-4108-AA02-DFA0A04FC94B}">
-                <ma14:wrappingTextBoxFlag xmlns:ma14="http://schemas.microsoft.com/office/mac/drawingml/2011/main" val="1"/>
-              </a:ext>
-            </a:extLst>
-          </p:spPr>
-          <p:txBody>
-            <a:bodyPr wrap="square" lIns="50800" tIns="50800" rIns="50800" bIns="50800" numCol="1" anchor="ctr">
-              <a:noAutofit/>
-            </a:bodyPr>
-            <a:lstStyle>
-              <a:lvl1pPr defTabSz="825500">
-                <a:defRPr>
-                  <a:solidFill>
-                    <a:srgbClr val="000000"/>
-                  </a:solidFill>
-                  <a:latin typeface="Helvetica Neue Medium"/>
-                  <a:ea typeface="Helvetica Neue Medium"/>
-                  <a:cs typeface="Helvetica Neue Medium"/>
-                  <a:sym typeface="Helvetica Neue Medium"/>
-                </a:defRPr>
-              </a:lvl1pPr>
-            </a:lstStyle>
-            <a:p>
-              <a:pPr/>
-              <a:r>
-                <a:t>Extracts sequence</a:t>
-              </a:r>
-            </a:p>
-          </p:txBody>
-        </p:sp>
-        <p:sp>
-          <p:nvSpPr>
-            <p:cNvPr id="178" name="Calculates GC content"/>
-            <p:cNvSpPr/>
-            <p:nvPr/>
-          </p:nvSpPr>
-          <p:spPr>
-            <a:xfrm>
-              <a:off x="15788067" y="1031559"/>
-              <a:ext cx="5229748" cy="1564842"/>
-            </a:xfrm>
-            <a:prstGeom prst="roundRect">
-              <a:avLst>
-                <a:gd name="adj" fmla="val 15000"/>
-              </a:avLst>
-            </a:prstGeom>
-            <a:solidFill>
-              <a:schemeClr val="accent4">
-                <a:hueOff val="-476017"/>
-                <a:lumOff val="-10042"/>
-                <a:alpha val="50000"/>
-              </a:schemeClr>
-            </a:solidFill>
-            <a:ln w="12700" cap="flat">
-              <a:noFill/>
-              <a:miter lim="400000"/>
-            </a:ln>
-            <a:effectLst/>
-            <a:extLst>
-              <a:ext uri="{C572A759-6A51-4108-AA02-DFA0A04FC94B}">
-                <ma14:wrappingTextBoxFlag xmlns:ma14="http://schemas.microsoft.com/office/mac/drawingml/2011/main" val="1"/>
-              </a:ext>
-            </a:extLst>
-          </p:spPr>
-          <p:txBody>
-            <a:bodyPr wrap="square" lIns="50800" tIns="50800" rIns="50800" bIns="50800" numCol="1" anchor="ctr">
-              <a:noAutofit/>
-            </a:bodyPr>
-            <a:lstStyle>
-              <a:lvl1pPr defTabSz="825500">
-                <a:defRPr>
-                  <a:solidFill>
-                    <a:srgbClr val="000000"/>
-                  </a:solidFill>
-                  <a:latin typeface="Helvetica Neue Medium"/>
-                  <a:ea typeface="Helvetica Neue Medium"/>
-                  <a:cs typeface="Helvetica Neue Medium"/>
-                  <a:sym typeface="Helvetica Neue Medium"/>
-                </a:defRPr>
-              </a:lvl1pPr>
-            </a:lstStyle>
-            <a:p>
-              <a:pPr/>
-              <a:r>
-                <a:t>Calculates GC content</a:t>
-              </a:r>
-            </a:p>
-          </p:txBody>
-        </p:sp>
-        <p:sp>
-          <p:nvSpPr>
-            <p:cNvPr id="179" name="Calculates coordinates matrix"/>
-            <p:cNvSpPr/>
-            <p:nvPr/>
-          </p:nvSpPr>
-          <p:spPr>
-            <a:xfrm>
-              <a:off x="15788067" y="5287926"/>
-              <a:ext cx="5229748" cy="1564842"/>
-            </a:xfrm>
-            <a:prstGeom prst="roundRect">
-              <a:avLst>
-                <a:gd name="adj" fmla="val 15000"/>
-              </a:avLst>
-            </a:prstGeom>
-            <a:solidFill>
-              <a:schemeClr val="accent4">
-                <a:hueOff val="-476017"/>
-                <a:lumOff val="-10042"/>
-                <a:alpha val="50000"/>
-              </a:schemeClr>
-            </a:solidFill>
-            <a:ln w="12700" cap="flat">
-              <a:noFill/>
-              <a:miter lim="400000"/>
-            </a:ln>
-            <a:effectLst/>
-            <a:extLst>
-              <a:ext uri="{C572A759-6A51-4108-AA02-DFA0A04FC94B}">
-                <ma14:wrappingTextBoxFlag xmlns:ma14="http://schemas.microsoft.com/office/mac/drawingml/2011/main" val="1"/>
-              </a:ext>
-            </a:extLst>
-          </p:spPr>
-          <p:txBody>
-            <a:bodyPr wrap="square" lIns="50800" tIns="50800" rIns="50800" bIns="50800" numCol="1" anchor="ctr">
-              <a:noAutofit/>
-            </a:bodyPr>
-            <a:lstStyle>
-              <a:lvl1pPr defTabSz="825500">
-                <a:defRPr>
-                  <a:solidFill>
-                    <a:srgbClr val="000000"/>
-                  </a:solidFill>
-                  <a:latin typeface="Helvetica Neue Medium"/>
-                  <a:ea typeface="Helvetica Neue Medium"/>
-                  <a:cs typeface="Helvetica Neue Medium"/>
-                  <a:sym typeface="Helvetica Neue Medium"/>
-                </a:defRPr>
-              </a:lvl1pPr>
-            </a:lstStyle>
-            <a:p>
-              <a:pPr/>
-              <a:r>
-                <a:t>Calculates coordinates matrix</a:t>
-              </a:r>
-            </a:p>
-          </p:txBody>
-        </p:sp>
-        <p:sp>
-          <p:nvSpPr>
-            <p:cNvPr id="180" name="Input files"/>
-            <p:cNvSpPr/>
-            <p:nvPr/>
-          </p:nvSpPr>
-          <p:spPr>
-            <a:xfrm>
-              <a:off x="0" y="3159743"/>
-              <a:ext cx="3126504" cy="1564842"/>
-            </a:xfrm>
-            <a:prstGeom prst="roundRect">
-              <a:avLst>
-                <a:gd name="adj" fmla="val 15000"/>
-              </a:avLst>
-            </a:prstGeom>
-            <a:solidFill>
-              <a:srgbClr val="00A1FF">
-                <a:alpha val="50000"/>
-              </a:srgbClr>
-            </a:solidFill>
-            <a:ln w="12700" cap="flat">
-              <a:noFill/>
-              <a:miter lim="400000"/>
-            </a:ln>
-            <a:effectLst/>
-            <a:extLst>
-              <a:ext uri="{C572A759-6A51-4108-AA02-DFA0A04FC94B}">
-                <ma14:wrappingTextBoxFlag xmlns:ma14="http://schemas.microsoft.com/office/mac/drawingml/2011/main" val="1"/>
-              </a:ext>
-            </a:extLst>
-          </p:spPr>
-          <p:txBody>
-            <a:bodyPr wrap="square" lIns="50800" tIns="50800" rIns="50800" bIns="50800" numCol="1" anchor="ctr">
-              <a:noAutofit/>
-            </a:bodyPr>
-            <a:lstStyle>
-              <a:lvl1pPr defTabSz="825500">
-                <a:defRPr>
-                  <a:solidFill>
-                    <a:srgbClr val="000000"/>
-                  </a:solidFill>
-                  <a:latin typeface="Helvetica Neue Medium"/>
-                  <a:ea typeface="Helvetica Neue Medium"/>
-                  <a:cs typeface="Helvetica Neue Medium"/>
-                  <a:sym typeface="Helvetica Neue Medium"/>
-                </a:defRPr>
-              </a:lvl1pPr>
-            </a:lstStyle>
-            <a:p>
-              <a:pPr/>
-              <a:r>
-                <a:t>Input files</a:t>
-              </a:r>
-            </a:p>
-          </p:txBody>
-        </p:sp>
-        <p:sp>
-          <p:nvSpPr>
-            <p:cNvPr id="181" name="Prints to console"/>
-            <p:cNvSpPr/>
-            <p:nvPr/>
-          </p:nvSpPr>
-          <p:spPr>
-            <a:xfrm>
-              <a:off x="14307825" y="3159743"/>
-              <a:ext cx="3126505" cy="1564842"/>
-            </a:xfrm>
-            <a:prstGeom prst="roundRect">
-              <a:avLst>
-                <a:gd name="adj" fmla="val 15000"/>
-              </a:avLst>
-            </a:prstGeom>
-            <a:solidFill>
-              <a:srgbClr val="60D937">
-                <a:alpha val="50000"/>
-              </a:srgbClr>
-            </a:solidFill>
-            <a:ln w="12700" cap="flat">
-              <a:noFill/>
-              <a:miter lim="400000"/>
-            </a:ln>
-            <a:effectLst/>
-            <a:extLst>
-              <a:ext uri="{C572A759-6A51-4108-AA02-DFA0A04FC94B}">
-                <ma14:wrappingTextBoxFlag xmlns:ma14="http://schemas.microsoft.com/office/mac/drawingml/2011/main" val="1"/>
-              </a:ext>
-            </a:extLst>
-          </p:spPr>
-          <p:txBody>
-            <a:bodyPr wrap="square" lIns="50800" tIns="50800" rIns="50800" bIns="50800" numCol="1" anchor="ctr">
-              <a:noAutofit/>
-            </a:bodyPr>
-            <a:lstStyle>
-              <a:lvl1pPr defTabSz="825500">
-                <a:defRPr>
-                  <a:solidFill>
-                    <a:srgbClr val="000000"/>
-                  </a:solidFill>
-                  <a:latin typeface="Helvetica Neue Medium"/>
-                  <a:ea typeface="Helvetica Neue Medium"/>
-                  <a:cs typeface="Helvetica Neue Medium"/>
-                  <a:sym typeface="Helvetica Neue Medium"/>
-                </a:defRPr>
-              </a:lvl1pPr>
-            </a:lstStyle>
-            <a:p>
-              <a:pPr/>
-              <a:r>
-                <a:t>Prints to console</a:t>
-              </a:r>
-            </a:p>
-          </p:txBody>
-        </p:sp>
-        <p:sp>
-          <p:nvSpPr>
-            <p:cNvPr id="182" name="Prints to output file"/>
-            <p:cNvSpPr/>
-            <p:nvPr/>
-          </p:nvSpPr>
-          <p:spPr>
-            <a:xfrm>
-              <a:off x="19394182" y="3159743"/>
-              <a:ext cx="3126504" cy="1564842"/>
-            </a:xfrm>
-            <a:prstGeom prst="roundRect">
-              <a:avLst>
-                <a:gd name="adj" fmla="val 15000"/>
-              </a:avLst>
-            </a:prstGeom>
-            <a:solidFill>
-              <a:srgbClr val="60D937">
-                <a:alpha val="50000"/>
-              </a:srgbClr>
-            </a:solidFill>
-            <a:ln w="12700" cap="flat">
-              <a:noFill/>
-              <a:miter lim="400000"/>
-            </a:ln>
-            <a:effectLst/>
-            <a:extLst>
-              <a:ext uri="{C572A759-6A51-4108-AA02-DFA0A04FC94B}">
-                <ma14:wrappingTextBoxFlag xmlns:ma14="http://schemas.microsoft.com/office/mac/drawingml/2011/main" val="1"/>
-              </a:ext>
-            </a:extLst>
-          </p:spPr>
-          <p:txBody>
-            <a:bodyPr wrap="square" lIns="50800" tIns="50800" rIns="50800" bIns="50800" numCol="1" anchor="ctr">
-              <a:noAutofit/>
-            </a:bodyPr>
-            <a:lstStyle>
-              <a:lvl1pPr defTabSz="825500">
-                <a:defRPr>
-                  <a:solidFill>
-                    <a:srgbClr val="000000"/>
-                  </a:solidFill>
-                  <a:latin typeface="Helvetica Neue Medium"/>
-                  <a:ea typeface="Helvetica Neue Medium"/>
-                  <a:cs typeface="Helvetica Neue Medium"/>
-                  <a:sym typeface="Helvetica Neue Medium"/>
-                </a:defRPr>
-              </a:lvl1pPr>
-            </a:lstStyle>
-            <a:p>
-              <a:pPr/>
-              <a:r>
-                <a:t>Prints to output file</a:t>
-              </a:r>
-            </a:p>
-          </p:txBody>
-        </p:sp>
-        <p:sp>
-          <p:nvSpPr>
-            <p:cNvPr id="183" name="Generates plots"/>
-            <p:cNvSpPr/>
-            <p:nvPr/>
-          </p:nvSpPr>
-          <p:spPr>
-            <a:xfrm>
-              <a:off x="15788067" y="7416110"/>
-              <a:ext cx="5229748" cy="1564842"/>
-            </a:xfrm>
-            <a:prstGeom prst="roundRect">
-              <a:avLst>
-                <a:gd name="adj" fmla="val 15000"/>
-              </a:avLst>
-            </a:prstGeom>
-            <a:solidFill>
-              <a:srgbClr val="60D937">
-                <a:alpha val="50000"/>
-              </a:srgbClr>
-            </a:solidFill>
-            <a:ln w="12700" cap="flat">
-              <a:noFill/>
-              <a:miter lim="400000"/>
-            </a:ln>
-            <a:effectLst/>
-            <a:extLst>
-              <a:ext uri="{C572A759-6A51-4108-AA02-DFA0A04FC94B}">
-                <ma14:wrappingTextBoxFlag xmlns:ma14="http://schemas.microsoft.com/office/mac/drawingml/2011/main" val="1"/>
-              </a:ext>
-            </a:extLst>
-          </p:spPr>
-          <p:txBody>
-            <a:bodyPr wrap="square" lIns="50800" tIns="50800" rIns="50800" bIns="50800" numCol="1" anchor="ctr">
-              <a:noAutofit/>
-            </a:bodyPr>
-            <a:lstStyle>
-              <a:lvl1pPr defTabSz="825500">
-                <a:defRPr>
-                  <a:solidFill>
-                    <a:srgbClr val="000000"/>
-                  </a:solidFill>
-                  <a:latin typeface="Helvetica Neue Medium"/>
-                  <a:ea typeface="Helvetica Neue Medium"/>
-                  <a:cs typeface="Helvetica Neue Medium"/>
-                  <a:sym typeface="Helvetica Neue Medium"/>
-                </a:defRPr>
-              </a:lvl1pPr>
-            </a:lstStyle>
-            <a:p>
-              <a:pPr/>
-              <a:r>
-                <a:t>Generates plots</a:t>
-              </a:r>
-            </a:p>
-          </p:txBody>
-        </p:sp>
-        <p:sp>
-          <p:nvSpPr>
-            <p:cNvPr id="184" name="Dingbat Tick"/>
-            <p:cNvSpPr/>
-            <p:nvPr/>
-          </p:nvSpPr>
-          <p:spPr>
-            <a:xfrm>
-              <a:off x="7862230" y="3531647"/>
-              <a:ext cx="633461" cy="601955"/>
-            </a:xfrm>
-            <a:custGeom>
-              <a:avLst/>
-              <a:gdLst/>
-              <a:ahLst/>
-              <a:cxnLst>
-                <a:cxn ang="0">
-                  <a:pos x="wd2" y="hd2"/>
-                </a:cxn>
-                <a:cxn ang="5400000">
-                  <a:pos x="wd2" y="hd2"/>
-                </a:cxn>
-                <a:cxn ang="10800000">
-                  <a:pos x="wd2" y="hd2"/>
-                </a:cxn>
-                <a:cxn ang="16200000">
-                  <a:pos x="wd2" y="hd2"/>
-                </a:cxn>
-              </a:cxnLst>
-              <a:rect l="0" t="0" r="r" b="b"/>
-              <a:pathLst>
-                <a:path w="21452" h="20404" fill="norm" stroke="1" extrusionOk="0">
-                  <a:moveTo>
-                    <a:pt x="19340" y="6"/>
-                  </a:moveTo>
-                  <a:cubicBezTo>
-                    <a:pt x="18911" y="-308"/>
-                    <a:pt x="8317" y="11620"/>
-                    <a:pt x="6423" y="13985"/>
-                  </a:cubicBezTo>
-                  <a:cubicBezTo>
-                    <a:pt x="6323" y="14108"/>
-                    <a:pt x="6215" y="14226"/>
-                    <a:pt x="6090" y="14370"/>
-                  </a:cubicBezTo>
-                  <a:cubicBezTo>
-                    <a:pt x="5960" y="14216"/>
-                    <a:pt x="5854" y="14096"/>
-                    <a:pt x="5755" y="13971"/>
-                  </a:cubicBezTo>
-                  <a:cubicBezTo>
-                    <a:pt x="4964" y="12967"/>
-                    <a:pt x="4458" y="12167"/>
-                    <a:pt x="3657" y="11171"/>
-                  </a:cubicBezTo>
-                  <a:cubicBezTo>
-                    <a:pt x="3337" y="10773"/>
-                    <a:pt x="2972" y="10410"/>
-                    <a:pt x="2634" y="10026"/>
-                  </a:cubicBezTo>
-                  <a:cubicBezTo>
-                    <a:pt x="2472" y="9843"/>
-                    <a:pt x="2283" y="9849"/>
-                    <a:pt x="2071" y="9915"/>
-                  </a:cubicBezTo>
-                  <a:cubicBezTo>
-                    <a:pt x="1856" y="9981"/>
-                    <a:pt x="1574" y="9982"/>
-                    <a:pt x="1303" y="10152"/>
-                  </a:cubicBezTo>
-                  <a:cubicBezTo>
-                    <a:pt x="1209" y="10262"/>
-                    <a:pt x="1332" y="10438"/>
-                    <a:pt x="1349" y="10609"/>
-                  </a:cubicBezTo>
-                  <a:cubicBezTo>
-                    <a:pt x="1369" y="10821"/>
-                    <a:pt x="603" y="10792"/>
-                    <a:pt x="203" y="11061"/>
-                  </a:cubicBezTo>
-                  <a:cubicBezTo>
-                    <a:pt x="111" y="11123"/>
-                    <a:pt x="286" y="11375"/>
-                    <a:pt x="227" y="11440"/>
-                  </a:cubicBezTo>
-                  <a:cubicBezTo>
-                    <a:pt x="51" y="11634"/>
-                    <a:pt x="-61" y="11588"/>
-                    <a:pt x="36" y="11826"/>
-                  </a:cubicBezTo>
-                  <a:cubicBezTo>
-                    <a:pt x="896" y="13941"/>
-                    <a:pt x="2182" y="15733"/>
-                    <a:pt x="3218" y="17879"/>
-                  </a:cubicBezTo>
-                  <a:cubicBezTo>
-                    <a:pt x="4865" y="21292"/>
-                    <a:pt x="5178" y="19166"/>
-                    <a:pt x="5654" y="19575"/>
-                  </a:cubicBezTo>
-                  <a:cubicBezTo>
-                    <a:pt x="7119" y="20836"/>
-                    <a:pt x="6474" y="21179"/>
-                    <a:pt x="9921" y="16770"/>
-                  </a:cubicBezTo>
-                  <a:cubicBezTo>
-                    <a:pt x="11378" y="14721"/>
-                    <a:pt x="19009" y="5203"/>
-                    <a:pt x="20710" y="3334"/>
-                  </a:cubicBezTo>
-                  <a:cubicBezTo>
-                    <a:pt x="20919" y="3106"/>
-                    <a:pt x="21118" y="2879"/>
-                    <a:pt x="21258" y="2594"/>
-                  </a:cubicBezTo>
-                  <a:cubicBezTo>
-                    <a:pt x="21526" y="2050"/>
-                    <a:pt x="21539" y="2066"/>
-                    <a:pt x="21150" y="1624"/>
-                  </a:cubicBezTo>
-                  <a:cubicBezTo>
-                    <a:pt x="21006" y="1461"/>
-                    <a:pt x="20856" y="1427"/>
-                    <a:pt x="20646" y="1437"/>
-                  </a:cubicBezTo>
-                  <a:cubicBezTo>
-                    <a:pt x="20244" y="1456"/>
-                    <a:pt x="20044" y="1227"/>
-                    <a:pt x="20086" y="860"/>
-                  </a:cubicBezTo>
-                  <a:cubicBezTo>
-                    <a:pt x="20096" y="778"/>
-                    <a:pt x="20075" y="672"/>
-                    <a:pt x="20023" y="612"/>
-                  </a:cubicBezTo>
-                  <a:cubicBezTo>
-                    <a:pt x="19903" y="469"/>
-                    <a:pt x="19492" y="117"/>
-                    <a:pt x="19340" y="6"/>
-                  </a:cubicBezTo>
-                  <a:close/>
-                </a:path>
-              </a:pathLst>
-            </a:custGeom>
-            <a:solidFill>
-              <a:srgbClr val="000000"/>
-            </a:solidFill>
-            <a:ln w="12700" cap="flat">
-              <a:noFill/>
-              <a:miter lim="400000"/>
-            </a:ln>
-            <a:effectLst/>
-          </p:spPr>
-          <p:txBody>
-            <a:bodyPr wrap="square" lIns="50800" tIns="50800" rIns="50800" bIns="50800" numCol="1" anchor="ctr">
-              <a:noAutofit/>
-            </a:bodyPr>
-            <a:lstStyle/>
-            <a:p>
-              <a:pPr defTabSz="825500">
-                <a:defRPr sz="3200">
-                  <a:solidFill>
-                    <a:srgbClr val="FFFFFF"/>
-                  </a:solidFill>
-                  <a:latin typeface="Helvetica Neue Medium"/>
-                  <a:ea typeface="Helvetica Neue Medium"/>
-                  <a:cs typeface="Helvetica Neue Medium"/>
-                  <a:sym typeface="Helvetica Neue Medium"/>
-                </a:defRPr>
-              </a:pPr>
-            </a:p>
-          </p:txBody>
-        </p:sp>
-        <p:sp>
-          <p:nvSpPr>
-            <p:cNvPr id="185" name="Dingbat Tick"/>
-            <p:cNvSpPr/>
-            <p:nvPr/>
-          </p:nvSpPr>
-          <p:spPr>
-            <a:xfrm>
-              <a:off x="8206495" y="5630363"/>
-              <a:ext cx="633461" cy="601955"/>
-            </a:xfrm>
-            <a:custGeom>
-              <a:avLst/>
-              <a:gdLst/>
-              <a:ahLst/>
-              <a:cxnLst>
-                <a:cxn ang="0">
-                  <a:pos x="wd2" y="hd2"/>
-                </a:cxn>
-                <a:cxn ang="5400000">
-                  <a:pos x="wd2" y="hd2"/>
-                </a:cxn>
-                <a:cxn ang="10800000">
-                  <a:pos x="wd2" y="hd2"/>
-                </a:cxn>
-                <a:cxn ang="16200000">
-                  <a:pos x="wd2" y="hd2"/>
-                </a:cxn>
-              </a:cxnLst>
-              <a:rect l="0" t="0" r="r" b="b"/>
-              <a:pathLst>
-                <a:path w="21452" h="20404" fill="norm" stroke="1" extrusionOk="0">
-                  <a:moveTo>
-                    <a:pt x="19340" y="6"/>
-                  </a:moveTo>
-                  <a:cubicBezTo>
-                    <a:pt x="18911" y="-308"/>
-                    <a:pt x="8317" y="11620"/>
-                    <a:pt x="6423" y="13985"/>
-                  </a:cubicBezTo>
-                  <a:cubicBezTo>
-                    <a:pt x="6323" y="14108"/>
-                    <a:pt x="6215" y="14226"/>
-                    <a:pt x="6090" y="14370"/>
-                  </a:cubicBezTo>
-                  <a:cubicBezTo>
-                    <a:pt x="5960" y="14216"/>
-                    <a:pt x="5854" y="14096"/>
-                    <a:pt x="5755" y="13971"/>
-                  </a:cubicBezTo>
-                  <a:cubicBezTo>
-                    <a:pt x="4964" y="12967"/>
-                    <a:pt x="4458" y="12167"/>
-                    <a:pt x="3657" y="11171"/>
-                  </a:cubicBezTo>
-                  <a:cubicBezTo>
-                    <a:pt x="3337" y="10773"/>
-                    <a:pt x="2972" y="10410"/>
-                    <a:pt x="2634" y="10026"/>
-                  </a:cubicBezTo>
-                  <a:cubicBezTo>
-                    <a:pt x="2472" y="9843"/>
-                    <a:pt x="2283" y="9849"/>
-                    <a:pt x="2071" y="9915"/>
-                  </a:cubicBezTo>
-                  <a:cubicBezTo>
-                    <a:pt x="1856" y="9981"/>
-                    <a:pt x="1574" y="9982"/>
-                    <a:pt x="1303" y="10152"/>
-                  </a:cubicBezTo>
-                  <a:cubicBezTo>
-                    <a:pt x="1209" y="10262"/>
-                    <a:pt x="1332" y="10438"/>
-                    <a:pt x="1349" y="10609"/>
-                  </a:cubicBezTo>
-                  <a:cubicBezTo>
-                    <a:pt x="1369" y="10821"/>
-                    <a:pt x="603" y="10792"/>
-                    <a:pt x="203" y="11061"/>
-                  </a:cubicBezTo>
-                  <a:cubicBezTo>
-                    <a:pt x="111" y="11123"/>
-                    <a:pt x="286" y="11375"/>
-                    <a:pt x="227" y="11440"/>
-                  </a:cubicBezTo>
-                  <a:cubicBezTo>
-                    <a:pt x="51" y="11634"/>
-                    <a:pt x="-61" y="11588"/>
-                    <a:pt x="36" y="11826"/>
-                  </a:cubicBezTo>
-                  <a:cubicBezTo>
-                    <a:pt x="896" y="13941"/>
-                    <a:pt x="2182" y="15733"/>
-                    <a:pt x="3218" y="17879"/>
-                  </a:cubicBezTo>
-                  <a:cubicBezTo>
-                    <a:pt x="4865" y="21292"/>
-                    <a:pt x="5178" y="19166"/>
-                    <a:pt x="5654" y="19575"/>
-                  </a:cubicBezTo>
-                  <a:cubicBezTo>
-                    <a:pt x="7119" y="20836"/>
-                    <a:pt x="6474" y="21179"/>
-                    <a:pt x="9921" y="16770"/>
-                  </a:cubicBezTo>
-                  <a:cubicBezTo>
-                    <a:pt x="11378" y="14721"/>
-                    <a:pt x="19009" y="5203"/>
-                    <a:pt x="20710" y="3334"/>
-                  </a:cubicBezTo>
-                  <a:cubicBezTo>
-                    <a:pt x="20919" y="3106"/>
-                    <a:pt x="21118" y="2879"/>
-                    <a:pt x="21258" y="2594"/>
-                  </a:cubicBezTo>
-                  <a:cubicBezTo>
-                    <a:pt x="21526" y="2050"/>
-                    <a:pt x="21539" y="2066"/>
-                    <a:pt x="21150" y="1624"/>
-                  </a:cubicBezTo>
-                  <a:cubicBezTo>
-                    <a:pt x="21006" y="1461"/>
-                    <a:pt x="20856" y="1427"/>
-                    <a:pt x="20646" y="1437"/>
-                  </a:cubicBezTo>
-                  <a:cubicBezTo>
-                    <a:pt x="20244" y="1456"/>
-                    <a:pt x="20044" y="1227"/>
-                    <a:pt x="20086" y="860"/>
-                  </a:cubicBezTo>
-                  <a:cubicBezTo>
-                    <a:pt x="20096" y="778"/>
-                    <a:pt x="20075" y="672"/>
-                    <a:pt x="20023" y="612"/>
-                  </a:cubicBezTo>
-                  <a:cubicBezTo>
-                    <a:pt x="19903" y="469"/>
-                    <a:pt x="19492" y="117"/>
-                    <a:pt x="19340" y="6"/>
-                  </a:cubicBezTo>
-                  <a:close/>
-                </a:path>
-              </a:pathLst>
-            </a:custGeom>
-            <a:solidFill>
-              <a:srgbClr val="000000"/>
-            </a:solidFill>
-            <a:ln w="12700" cap="flat">
-              <a:noFill/>
-              <a:miter lim="400000"/>
-            </a:ln>
-            <a:effectLst/>
-          </p:spPr>
-          <p:txBody>
-            <a:bodyPr wrap="square" lIns="50800" tIns="50800" rIns="50800" bIns="50800" numCol="1" anchor="ctr">
-              <a:noAutofit/>
-            </a:bodyPr>
-            <a:lstStyle/>
-            <a:p>
-              <a:pPr defTabSz="825500">
-                <a:defRPr sz="3200">
-                  <a:solidFill>
-                    <a:srgbClr val="FFFFFF"/>
-                  </a:solidFill>
-                  <a:latin typeface="Helvetica Neue Medium"/>
-                  <a:ea typeface="Helvetica Neue Medium"/>
-                  <a:cs typeface="Helvetica Neue Medium"/>
-                  <a:sym typeface="Helvetica Neue Medium"/>
-                </a:defRPr>
-              </a:pPr>
-            </a:p>
-          </p:txBody>
-        </p:sp>
-        <p:sp>
-          <p:nvSpPr>
-            <p:cNvPr id="186" name="Notebook"/>
-            <p:cNvSpPr/>
-            <p:nvPr/>
-          </p:nvSpPr>
-          <p:spPr>
-            <a:xfrm>
-              <a:off x="12628836" y="3528485"/>
-              <a:ext cx="1476991" cy="827357"/>
-            </a:xfrm>
-            <a:custGeom>
-              <a:avLst/>
-              <a:gdLst/>
-              <a:ahLst/>
-              <a:cxnLst>
-                <a:cxn ang="0">
-                  <a:pos x="wd2" y="hd2"/>
-                </a:cxn>
-                <a:cxn ang="5400000">
-                  <a:pos x="wd2" y="hd2"/>
-                </a:cxn>
-                <a:cxn ang="10800000">
-                  <a:pos x="wd2" y="hd2"/>
-                </a:cxn>
-                <a:cxn ang="16200000">
-                  <a:pos x="wd2" y="hd2"/>
-                </a:cxn>
-              </a:cxnLst>
-              <a:rect l="0" t="0" r="r" b="b"/>
-              <a:pathLst>
-                <a:path w="21600" h="21599" fill="norm" stroke="1" extrusionOk="0">
-                  <a:moveTo>
-                    <a:pt x="1952" y="0"/>
-                  </a:moveTo>
-                  <a:cubicBezTo>
-                    <a:pt x="1421" y="0"/>
-                    <a:pt x="1439" y="771"/>
-                    <a:pt x="1439" y="1718"/>
-                  </a:cubicBezTo>
-                  <a:lnTo>
-                    <a:pt x="1439" y="19328"/>
-                  </a:lnTo>
-                  <a:lnTo>
-                    <a:pt x="0" y="19328"/>
-                  </a:lnTo>
-                  <a:cubicBezTo>
-                    <a:pt x="0" y="19328"/>
-                    <a:pt x="0" y="19890"/>
-                    <a:pt x="0" y="20529"/>
-                  </a:cubicBezTo>
-                  <a:cubicBezTo>
-                    <a:pt x="0" y="21600"/>
-                    <a:pt x="190" y="21599"/>
-                    <a:pt x="896" y="21599"/>
-                  </a:cubicBezTo>
-                  <a:lnTo>
-                    <a:pt x="10332" y="21599"/>
-                  </a:lnTo>
-                  <a:lnTo>
-                    <a:pt x="11268" y="21599"/>
-                  </a:lnTo>
-                  <a:lnTo>
-                    <a:pt x="20704" y="21599"/>
-                  </a:lnTo>
-                  <a:cubicBezTo>
-                    <a:pt x="21367" y="21599"/>
-                    <a:pt x="21600" y="21600"/>
-                    <a:pt x="21600" y="20529"/>
-                  </a:cubicBezTo>
-                  <a:cubicBezTo>
-                    <a:pt x="21600" y="19890"/>
-                    <a:pt x="21600" y="19328"/>
-                    <a:pt x="21600" y="19328"/>
-                  </a:cubicBezTo>
-                  <a:lnTo>
-                    <a:pt x="20161" y="19328"/>
-                  </a:lnTo>
-                  <a:lnTo>
-                    <a:pt x="20161" y="1718"/>
-                  </a:lnTo>
-                  <a:cubicBezTo>
-                    <a:pt x="20161" y="771"/>
-                    <a:pt x="20196" y="0"/>
-                    <a:pt x="19665" y="0"/>
-                  </a:cubicBezTo>
-                  <a:lnTo>
-                    <a:pt x="1952" y="0"/>
-                  </a:lnTo>
-                  <a:close/>
-                  <a:moveTo>
-                    <a:pt x="2475" y="1849"/>
-                  </a:moveTo>
-                  <a:lnTo>
-                    <a:pt x="19125" y="1849"/>
-                  </a:lnTo>
-                  <a:lnTo>
-                    <a:pt x="19125" y="19328"/>
-                  </a:lnTo>
-                  <a:lnTo>
-                    <a:pt x="11268" y="19328"/>
-                  </a:lnTo>
-                  <a:lnTo>
-                    <a:pt x="10332" y="19328"/>
-                  </a:lnTo>
-                  <a:lnTo>
-                    <a:pt x="2475" y="19328"/>
-                  </a:lnTo>
-                  <a:lnTo>
-                    <a:pt x="2475" y="1849"/>
-                  </a:lnTo>
-                  <a:close/>
-                </a:path>
-              </a:pathLst>
-            </a:custGeom>
-            <a:solidFill>
-              <a:srgbClr val="000000"/>
-            </a:solidFill>
-            <a:ln w="12700" cap="flat">
-              <a:noFill/>
-              <a:miter lim="400000"/>
-            </a:ln>
-            <a:effectLst/>
-          </p:spPr>
-          <p:txBody>
-            <a:bodyPr wrap="square" lIns="50800" tIns="50800" rIns="50800" bIns="50800" numCol="1" anchor="ctr">
-              <a:noAutofit/>
-            </a:bodyPr>
-            <a:lstStyle/>
-            <a:p>
-              <a:pPr defTabSz="825500">
-                <a:defRPr sz="3200">
-                  <a:solidFill>
-                    <a:srgbClr val="FFFFFF"/>
-                  </a:solidFill>
-                  <a:latin typeface="Helvetica Neue Medium"/>
-                  <a:ea typeface="Helvetica Neue Medium"/>
-                  <a:cs typeface="Helvetica Neue Medium"/>
-                  <a:sym typeface="Helvetica Neue Medium"/>
-                </a:defRPr>
-              </a:pPr>
-            </a:p>
-          </p:txBody>
-        </p:sp>
-        <p:sp>
-          <p:nvSpPr>
-            <p:cNvPr id="187" name="Edit Document"/>
-            <p:cNvSpPr/>
-            <p:nvPr/>
-          </p:nvSpPr>
-          <p:spPr>
-            <a:xfrm>
-              <a:off x="22759210" y="3421686"/>
-              <a:ext cx="958032" cy="1040955"/>
-            </a:xfrm>
-            <a:custGeom>
-              <a:avLst/>
-              <a:gdLst/>
-              <a:ahLst/>
-              <a:cxnLst>
-                <a:cxn ang="0">
-                  <a:pos x="wd2" y="hd2"/>
-                </a:cxn>
-                <a:cxn ang="5400000">
-                  <a:pos x="wd2" y="hd2"/>
-                </a:cxn>
-                <a:cxn ang="10800000">
-                  <a:pos x="wd2" y="hd2"/>
-                </a:cxn>
-                <a:cxn ang="16200000">
-                  <a:pos x="wd2" y="hd2"/>
-                </a:cxn>
-              </a:cxnLst>
-              <a:rect l="0" t="0" r="r" b="b"/>
-              <a:pathLst>
-                <a:path w="21535" h="21600" fill="norm" stroke="1" extrusionOk="0">
-                  <a:moveTo>
-                    <a:pt x="178" y="0"/>
-                  </a:moveTo>
-                  <a:cubicBezTo>
-                    <a:pt x="80" y="0"/>
-                    <a:pt x="0" y="72"/>
-                    <a:pt x="0" y="162"/>
-                  </a:cubicBezTo>
-                  <a:lnTo>
-                    <a:pt x="0" y="21438"/>
-                  </a:lnTo>
-                  <a:cubicBezTo>
-                    <a:pt x="0" y="21528"/>
-                    <a:pt x="80" y="21600"/>
-                    <a:pt x="178" y="21600"/>
-                  </a:cubicBezTo>
-                  <a:lnTo>
-                    <a:pt x="17891" y="21600"/>
-                  </a:lnTo>
-                  <a:cubicBezTo>
-                    <a:pt x="17989" y="21600"/>
-                    <a:pt x="18069" y="21528"/>
-                    <a:pt x="18069" y="21438"/>
-                  </a:cubicBezTo>
-                  <a:lnTo>
-                    <a:pt x="18069" y="10414"/>
-                  </a:lnTo>
-                  <a:lnTo>
-                    <a:pt x="13054" y="15043"/>
-                  </a:lnTo>
-                  <a:cubicBezTo>
-                    <a:pt x="12867" y="15216"/>
-                    <a:pt x="12647" y="15358"/>
-                    <a:pt x="12407" y="15463"/>
-                  </a:cubicBezTo>
-                  <a:lnTo>
-                    <a:pt x="8385" y="17111"/>
-                  </a:lnTo>
-                  <a:cubicBezTo>
-                    <a:pt x="8235" y="17177"/>
-                    <a:pt x="8078" y="17032"/>
-                    <a:pt x="8149" y="16892"/>
-                  </a:cubicBezTo>
-                  <a:lnTo>
-                    <a:pt x="9963" y="13105"/>
-                  </a:lnTo>
-                  <a:cubicBezTo>
-                    <a:pt x="10077" y="12882"/>
-                    <a:pt x="10231" y="12679"/>
-                    <a:pt x="10420" y="12504"/>
-                  </a:cubicBezTo>
-                  <a:lnTo>
-                    <a:pt x="17644" y="5837"/>
-                  </a:lnTo>
-                  <a:lnTo>
-                    <a:pt x="11926" y="5837"/>
-                  </a:lnTo>
-                  <a:cubicBezTo>
-                    <a:pt x="11828" y="5837"/>
-                    <a:pt x="11748" y="5765"/>
-                    <a:pt x="11748" y="5674"/>
-                  </a:cubicBezTo>
-                  <a:lnTo>
-                    <a:pt x="11748" y="58"/>
-                  </a:lnTo>
-                  <a:cubicBezTo>
-                    <a:pt x="11748" y="26"/>
-                    <a:pt x="11720" y="0"/>
-                    <a:pt x="11685" y="0"/>
-                  </a:cubicBezTo>
-                  <a:lnTo>
-                    <a:pt x="178" y="0"/>
-                  </a:lnTo>
-                  <a:close/>
-                  <a:moveTo>
-                    <a:pt x="12563" y="86"/>
-                  </a:moveTo>
-                  <a:cubicBezTo>
-                    <a:pt x="12541" y="94"/>
-                    <a:pt x="12525" y="114"/>
-                    <a:pt x="12525" y="140"/>
-                  </a:cubicBezTo>
-                  <a:lnTo>
-                    <a:pt x="12525" y="4958"/>
-                  </a:lnTo>
-                  <a:cubicBezTo>
-                    <a:pt x="12525" y="5048"/>
-                    <a:pt x="12605" y="5120"/>
-                    <a:pt x="12703" y="5120"/>
-                  </a:cubicBezTo>
-                  <a:lnTo>
-                    <a:pt x="17917" y="5120"/>
-                  </a:lnTo>
-                  <a:cubicBezTo>
-                    <a:pt x="17974" y="5120"/>
-                    <a:pt x="18001" y="5058"/>
-                    <a:pt x="17962" y="5021"/>
-                  </a:cubicBezTo>
-                  <a:lnTo>
-                    <a:pt x="12632" y="99"/>
-                  </a:lnTo>
-                  <a:cubicBezTo>
-                    <a:pt x="12612" y="81"/>
-                    <a:pt x="12585" y="78"/>
-                    <a:pt x="12563" y="86"/>
-                  </a:cubicBezTo>
-                  <a:close/>
-                  <a:moveTo>
-                    <a:pt x="20172" y="4728"/>
-                  </a:moveTo>
-                  <a:cubicBezTo>
-                    <a:pt x="20023" y="4734"/>
-                    <a:pt x="19872" y="4794"/>
-                    <a:pt x="19753" y="4903"/>
-                  </a:cubicBezTo>
-                  <a:lnTo>
-                    <a:pt x="18916" y="5676"/>
-                  </a:lnTo>
-                  <a:cubicBezTo>
-                    <a:pt x="18892" y="5699"/>
-                    <a:pt x="18892" y="5736"/>
-                    <a:pt x="18916" y="5758"/>
-                  </a:cubicBezTo>
-                  <a:lnTo>
-                    <a:pt x="20419" y="7147"/>
-                  </a:lnTo>
-                  <a:cubicBezTo>
-                    <a:pt x="20443" y="7170"/>
-                    <a:pt x="20483" y="7170"/>
-                    <a:pt x="20508" y="7147"/>
-                  </a:cubicBezTo>
-                  <a:lnTo>
-                    <a:pt x="21345" y="6372"/>
-                  </a:lnTo>
-                  <a:cubicBezTo>
-                    <a:pt x="21583" y="6154"/>
-                    <a:pt x="21600" y="5815"/>
-                    <a:pt x="21383" y="5615"/>
-                  </a:cubicBezTo>
-                  <a:lnTo>
-                    <a:pt x="20576" y="4868"/>
-                  </a:lnTo>
-                  <a:cubicBezTo>
-                    <a:pt x="20468" y="4768"/>
-                    <a:pt x="20321" y="4722"/>
-                    <a:pt x="20172" y="4728"/>
-                  </a:cubicBezTo>
-                  <a:close/>
-                  <a:moveTo>
-                    <a:pt x="18322" y="6249"/>
-                  </a:moveTo>
-                  <a:cubicBezTo>
-                    <a:pt x="18306" y="6249"/>
-                    <a:pt x="18290" y="6255"/>
-                    <a:pt x="18277" y="6266"/>
-                  </a:cubicBezTo>
-                  <a:lnTo>
-                    <a:pt x="11222" y="12779"/>
-                  </a:lnTo>
-                  <a:cubicBezTo>
-                    <a:pt x="11198" y="12801"/>
-                    <a:pt x="11198" y="12838"/>
-                    <a:pt x="11222" y="12861"/>
-                  </a:cubicBezTo>
-                  <a:lnTo>
-                    <a:pt x="12727" y="14249"/>
-                  </a:lnTo>
-                  <a:cubicBezTo>
-                    <a:pt x="12751" y="14272"/>
-                    <a:pt x="12789" y="14272"/>
-                    <a:pt x="12814" y="14249"/>
-                  </a:cubicBezTo>
-                  <a:lnTo>
-                    <a:pt x="19869" y="7737"/>
-                  </a:lnTo>
-                  <a:cubicBezTo>
-                    <a:pt x="19893" y="7714"/>
-                    <a:pt x="19893" y="7677"/>
-                    <a:pt x="19869" y="7655"/>
-                  </a:cubicBezTo>
-                  <a:lnTo>
-                    <a:pt x="18366" y="6266"/>
-                  </a:lnTo>
-                  <a:cubicBezTo>
-                    <a:pt x="18354" y="6255"/>
-                    <a:pt x="18338" y="6249"/>
-                    <a:pt x="18322" y="6249"/>
-                  </a:cubicBezTo>
-                  <a:close/>
-                  <a:moveTo>
-                    <a:pt x="10691" y="13419"/>
-                  </a:moveTo>
-                  <a:cubicBezTo>
-                    <a:pt x="10671" y="13422"/>
-                    <a:pt x="10653" y="13432"/>
-                    <a:pt x="10644" y="13451"/>
-                  </a:cubicBezTo>
-                  <a:lnTo>
-                    <a:pt x="9401" y="15879"/>
-                  </a:lnTo>
-                  <a:cubicBezTo>
-                    <a:pt x="9375" y="15929"/>
-                    <a:pt x="9430" y="15979"/>
-                    <a:pt x="9483" y="15955"/>
-                  </a:cubicBezTo>
-                  <a:lnTo>
-                    <a:pt x="12114" y="14808"/>
-                  </a:lnTo>
-                  <a:cubicBezTo>
-                    <a:pt x="12154" y="14790"/>
-                    <a:pt x="12161" y="14741"/>
-                    <a:pt x="12130" y="14712"/>
-                  </a:cubicBezTo>
-                  <a:lnTo>
-                    <a:pt x="10745" y="13434"/>
-                  </a:lnTo>
-                  <a:cubicBezTo>
-                    <a:pt x="10730" y="13420"/>
-                    <a:pt x="10710" y="13416"/>
-                    <a:pt x="10691" y="13419"/>
-                  </a:cubicBezTo>
-                  <a:close/>
-                </a:path>
-              </a:pathLst>
-            </a:custGeom>
-            <a:solidFill>
-              <a:srgbClr val="000000"/>
-            </a:solidFill>
-            <a:ln w="12700" cap="flat">
-              <a:noFill/>
-              <a:miter lim="400000"/>
-            </a:ln>
-            <a:effectLst/>
-          </p:spPr>
-          <p:txBody>
-            <a:bodyPr wrap="square" lIns="50800" tIns="50800" rIns="50800" bIns="50800" numCol="1" anchor="ctr">
-              <a:noAutofit/>
-            </a:bodyPr>
-            <a:lstStyle/>
-            <a:p>
-              <a:pPr defTabSz="825500">
-                <a:defRPr sz="3200">
-                  <a:solidFill>
-                    <a:srgbClr val="FFFFFF"/>
-                  </a:solidFill>
-                  <a:latin typeface="Helvetica Neue Medium"/>
-                  <a:ea typeface="Helvetica Neue Medium"/>
-                  <a:cs typeface="Helvetica Neue Medium"/>
-                  <a:sym typeface="Helvetica Neue Medium"/>
-                </a:defRPr>
-              </a:pPr>
-            </a:p>
-          </p:txBody>
-        </p:sp>
-        <p:sp>
-          <p:nvSpPr>
-            <p:cNvPr id="188" name="Text Document"/>
-            <p:cNvSpPr/>
-            <p:nvPr/>
-          </p:nvSpPr>
-          <p:spPr>
-            <a:xfrm>
-              <a:off x="339421" y="2060149"/>
-              <a:ext cx="796487" cy="1031441"/>
-            </a:xfrm>
-            <a:custGeom>
-              <a:avLst/>
-              <a:gdLst/>
-              <a:ahLst/>
-              <a:cxnLst>
-                <a:cxn ang="0">
-                  <a:pos x="wd2" y="hd2"/>
-                </a:cxn>
-                <a:cxn ang="5400000">
-                  <a:pos x="wd2" y="hd2"/>
-                </a:cxn>
-                <a:cxn ang="10800000">
-                  <a:pos x="wd2" y="hd2"/>
-                </a:cxn>
-                <a:cxn ang="16200000">
-                  <a:pos x="wd2" y="hd2"/>
-                </a:cxn>
-              </a:cxnLst>
-              <a:rect l="0" t="0" r="r" b="b"/>
-              <a:pathLst>
-                <a:path w="21600" h="21600" fill="norm" stroke="1" extrusionOk="0">
-                  <a:moveTo>
-                    <a:pt x="213" y="0"/>
-                  </a:moveTo>
-                  <a:cubicBezTo>
-                    <a:pt x="96" y="0"/>
-                    <a:pt x="0" y="72"/>
-                    <a:pt x="0" y="162"/>
-                  </a:cubicBezTo>
-                  <a:lnTo>
-                    <a:pt x="0" y="21438"/>
-                  </a:lnTo>
-                  <a:cubicBezTo>
-                    <a:pt x="0" y="21528"/>
-                    <a:pt x="96" y="21600"/>
-                    <a:pt x="213" y="21600"/>
-                  </a:cubicBezTo>
-                  <a:lnTo>
-                    <a:pt x="21387" y="21600"/>
-                  </a:lnTo>
-                  <a:cubicBezTo>
-                    <a:pt x="21504" y="21600"/>
-                    <a:pt x="21600" y="21528"/>
-                    <a:pt x="21600" y="21438"/>
-                  </a:cubicBezTo>
-                  <a:lnTo>
-                    <a:pt x="21600" y="5895"/>
-                  </a:lnTo>
-                  <a:cubicBezTo>
-                    <a:pt x="21600" y="5863"/>
-                    <a:pt x="21567" y="5837"/>
-                    <a:pt x="21525" y="5837"/>
-                  </a:cubicBezTo>
-                  <a:lnTo>
-                    <a:pt x="14257" y="5837"/>
-                  </a:lnTo>
-                  <a:cubicBezTo>
-                    <a:pt x="14140" y="5837"/>
-                    <a:pt x="14044" y="5765"/>
-                    <a:pt x="14044" y="5674"/>
-                  </a:cubicBezTo>
-                  <a:lnTo>
-                    <a:pt x="14044" y="58"/>
-                  </a:lnTo>
-                  <a:cubicBezTo>
-                    <a:pt x="14044" y="26"/>
-                    <a:pt x="14011" y="0"/>
-                    <a:pt x="13969" y="0"/>
-                  </a:cubicBezTo>
-                  <a:lnTo>
-                    <a:pt x="213" y="0"/>
-                  </a:lnTo>
-                  <a:close/>
-                  <a:moveTo>
-                    <a:pt x="15018" y="86"/>
-                  </a:moveTo>
-                  <a:cubicBezTo>
-                    <a:pt x="14992" y="94"/>
-                    <a:pt x="14972" y="114"/>
-                    <a:pt x="14972" y="140"/>
-                  </a:cubicBezTo>
-                  <a:lnTo>
-                    <a:pt x="14972" y="4958"/>
-                  </a:lnTo>
-                  <a:cubicBezTo>
-                    <a:pt x="14972" y="5048"/>
-                    <a:pt x="15068" y="5120"/>
-                    <a:pt x="15185" y="5120"/>
-                  </a:cubicBezTo>
-                  <a:lnTo>
-                    <a:pt x="21419" y="5120"/>
-                  </a:lnTo>
-                  <a:cubicBezTo>
-                    <a:pt x="21486" y="5120"/>
-                    <a:pt x="21519" y="5058"/>
-                    <a:pt x="21472" y="5021"/>
-                  </a:cubicBezTo>
-                  <a:lnTo>
-                    <a:pt x="15100" y="99"/>
-                  </a:lnTo>
-                  <a:cubicBezTo>
-                    <a:pt x="15077" y="81"/>
-                    <a:pt x="15044" y="78"/>
-                    <a:pt x="15018" y="86"/>
-                  </a:cubicBezTo>
-                  <a:close/>
-                  <a:moveTo>
-                    <a:pt x="3916" y="7813"/>
-                  </a:moveTo>
-                  <a:lnTo>
-                    <a:pt x="17684" y="7813"/>
-                  </a:lnTo>
-                  <a:cubicBezTo>
-                    <a:pt x="17718" y="7813"/>
-                    <a:pt x="17747" y="7836"/>
-                    <a:pt x="17747" y="7862"/>
-                  </a:cubicBezTo>
-                  <a:lnTo>
-                    <a:pt x="17747" y="8842"/>
-                  </a:lnTo>
-                  <a:cubicBezTo>
-                    <a:pt x="17747" y="8868"/>
-                    <a:pt x="17718" y="8890"/>
-                    <a:pt x="17684" y="8890"/>
-                  </a:cubicBezTo>
-                  <a:lnTo>
-                    <a:pt x="3916" y="8890"/>
-                  </a:lnTo>
-                  <a:cubicBezTo>
-                    <a:pt x="3882" y="8890"/>
-                    <a:pt x="3853" y="8868"/>
-                    <a:pt x="3853" y="8842"/>
-                  </a:cubicBezTo>
-                  <a:lnTo>
-                    <a:pt x="3853" y="7862"/>
-                  </a:lnTo>
-                  <a:cubicBezTo>
-                    <a:pt x="3853" y="7836"/>
-                    <a:pt x="3882" y="7813"/>
-                    <a:pt x="3916" y="7813"/>
-                  </a:cubicBezTo>
-                  <a:close/>
-                  <a:moveTo>
-                    <a:pt x="3916" y="10498"/>
-                  </a:moveTo>
-                  <a:lnTo>
-                    <a:pt x="17684" y="10498"/>
-                  </a:lnTo>
-                  <a:cubicBezTo>
-                    <a:pt x="17718" y="10498"/>
-                    <a:pt x="17747" y="10520"/>
-                    <a:pt x="17747" y="10546"/>
-                  </a:cubicBezTo>
-                  <a:lnTo>
-                    <a:pt x="17747" y="11526"/>
-                  </a:lnTo>
-                  <a:cubicBezTo>
-                    <a:pt x="17747" y="11552"/>
-                    <a:pt x="17718" y="11573"/>
-                    <a:pt x="17684" y="11573"/>
-                  </a:cubicBezTo>
-                  <a:lnTo>
-                    <a:pt x="3916" y="11573"/>
-                  </a:lnTo>
-                  <a:cubicBezTo>
-                    <a:pt x="3882" y="11573"/>
-                    <a:pt x="3853" y="11552"/>
-                    <a:pt x="3853" y="11526"/>
-                  </a:cubicBezTo>
-                  <a:lnTo>
-                    <a:pt x="3853" y="10546"/>
-                  </a:lnTo>
-                  <a:cubicBezTo>
-                    <a:pt x="3853" y="10520"/>
-                    <a:pt x="3882" y="10498"/>
-                    <a:pt x="3916" y="10498"/>
-                  </a:cubicBezTo>
-                  <a:close/>
-                  <a:moveTo>
-                    <a:pt x="3916" y="13182"/>
-                  </a:moveTo>
-                  <a:lnTo>
-                    <a:pt x="17684" y="13182"/>
-                  </a:lnTo>
-                  <a:cubicBezTo>
-                    <a:pt x="17718" y="13182"/>
-                    <a:pt x="17747" y="13204"/>
-                    <a:pt x="17747" y="13230"/>
-                  </a:cubicBezTo>
-                  <a:lnTo>
-                    <a:pt x="17747" y="14210"/>
-                  </a:lnTo>
-                  <a:cubicBezTo>
-                    <a:pt x="17747" y="14237"/>
-                    <a:pt x="17718" y="14257"/>
-                    <a:pt x="17684" y="14257"/>
-                  </a:cubicBezTo>
-                  <a:lnTo>
-                    <a:pt x="3916" y="14257"/>
-                  </a:lnTo>
-                  <a:cubicBezTo>
-                    <a:pt x="3882" y="14257"/>
-                    <a:pt x="3853" y="14237"/>
-                    <a:pt x="3853" y="14210"/>
-                  </a:cubicBezTo>
-                  <a:lnTo>
-                    <a:pt x="3853" y="13230"/>
-                  </a:lnTo>
-                  <a:cubicBezTo>
-                    <a:pt x="3853" y="13204"/>
-                    <a:pt x="3882" y="13182"/>
-                    <a:pt x="3916" y="13182"/>
-                  </a:cubicBezTo>
-                  <a:close/>
-                  <a:moveTo>
-                    <a:pt x="3916" y="15866"/>
-                  </a:moveTo>
-                  <a:lnTo>
-                    <a:pt x="17684" y="15866"/>
-                  </a:lnTo>
-                  <a:cubicBezTo>
-                    <a:pt x="17718" y="15866"/>
-                    <a:pt x="17747" y="15888"/>
-                    <a:pt x="17747" y="15914"/>
-                  </a:cubicBezTo>
-                  <a:lnTo>
-                    <a:pt x="17747" y="16894"/>
-                  </a:lnTo>
-                  <a:cubicBezTo>
-                    <a:pt x="17747" y="16921"/>
-                    <a:pt x="17718" y="16941"/>
-                    <a:pt x="17684" y="16941"/>
-                  </a:cubicBezTo>
-                  <a:lnTo>
-                    <a:pt x="3916" y="16941"/>
-                  </a:lnTo>
-                  <a:cubicBezTo>
-                    <a:pt x="3882" y="16941"/>
-                    <a:pt x="3853" y="16921"/>
-                    <a:pt x="3853" y="16894"/>
-                  </a:cubicBezTo>
-                  <a:lnTo>
-                    <a:pt x="3853" y="15914"/>
-                  </a:lnTo>
-                  <a:cubicBezTo>
-                    <a:pt x="3853" y="15888"/>
-                    <a:pt x="3882" y="15866"/>
-                    <a:pt x="3916" y="15866"/>
-                  </a:cubicBezTo>
-                  <a:close/>
-                </a:path>
-              </a:pathLst>
-            </a:custGeom>
-            <a:solidFill>
-              <a:srgbClr val="000000"/>
-            </a:solidFill>
-            <a:ln w="12700" cap="flat">
-              <a:noFill/>
-              <a:miter lim="400000"/>
-            </a:ln>
-            <a:effectLst/>
-          </p:spPr>
-          <p:txBody>
-            <a:bodyPr wrap="square" lIns="50800" tIns="50800" rIns="50800" bIns="50800" numCol="1" anchor="ctr">
-              <a:noAutofit/>
-            </a:bodyPr>
-            <a:lstStyle/>
-            <a:p>
-              <a:pPr defTabSz="825500">
-                <a:defRPr sz="3200">
-                  <a:solidFill>
-                    <a:srgbClr val="FFFFFF"/>
-                  </a:solidFill>
-                  <a:latin typeface="Helvetica Neue Medium"/>
-                  <a:ea typeface="Helvetica Neue Medium"/>
-                  <a:cs typeface="Helvetica Neue Medium"/>
-                  <a:sym typeface="Helvetica Neue Medium"/>
-                </a:defRPr>
-              </a:pPr>
-            </a:p>
-          </p:txBody>
-        </p:sp>
-        <p:sp>
-          <p:nvSpPr>
-            <p:cNvPr id="189" name="Text Document"/>
-            <p:cNvSpPr/>
-            <p:nvPr/>
-          </p:nvSpPr>
-          <p:spPr>
-            <a:xfrm>
-              <a:off x="1177398" y="2060149"/>
-              <a:ext cx="796487" cy="1031441"/>
-            </a:xfrm>
-            <a:custGeom>
-              <a:avLst/>
-              <a:gdLst/>
-              <a:ahLst/>
-              <a:cxnLst>
-                <a:cxn ang="0">
-                  <a:pos x="wd2" y="hd2"/>
-                </a:cxn>
-                <a:cxn ang="5400000">
-                  <a:pos x="wd2" y="hd2"/>
-                </a:cxn>
-                <a:cxn ang="10800000">
-                  <a:pos x="wd2" y="hd2"/>
-                </a:cxn>
-                <a:cxn ang="16200000">
-                  <a:pos x="wd2" y="hd2"/>
-                </a:cxn>
-              </a:cxnLst>
-              <a:rect l="0" t="0" r="r" b="b"/>
-              <a:pathLst>
-                <a:path w="21600" h="21600" fill="norm" stroke="1" extrusionOk="0">
-                  <a:moveTo>
-                    <a:pt x="213" y="0"/>
-                  </a:moveTo>
-                  <a:cubicBezTo>
-                    <a:pt x="96" y="0"/>
-                    <a:pt x="0" y="72"/>
-                    <a:pt x="0" y="162"/>
-                  </a:cubicBezTo>
-                  <a:lnTo>
-                    <a:pt x="0" y="21438"/>
-                  </a:lnTo>
-                  <a:cubicBezTo>
-                    <a:pt x="0" y="21528"/>
-                    <a:pt x="96" y="21600"/>
-                    <a:pt x="213" y="21600"/>
-                  </a:cubicBezTo>
-                  <a:lnTo>
-                    <a:pt x="21387" y="21600"/>
-                  </a:lnTo>
-                  <a:cubicBezTo>
-                    <a:pt x="21504" y="21600"/>
-                    <a:pt x="21600" y="21528"/>
-                    <a:pt x="21600" y="21438"/>
-                  </a:cubicBezTo>
-                  <a:lnTo>
-                    <a:pt x="21600" y="5895"/>
-                  </a:lnTo>
-                  <a:cubicBezTo>
-                    <a:pt x="21600" y="5863"/>
-                    <a:pt x="21567" y="5837"/>
-                    <a:pt x="21525" y="5837"/>
-                  </a:cubicBezTo>
-                  <a:lnTo>
-                    <a:pt x="14257" y="5837"/>
-                  </a:lnTo>
-                  <a:cubicBezTo>
-                    <a:pt x="14140" y="5837"/>
-                    <a:pt x="14044" y="5765"/>
-                    <a:pt x="14044" y="5674"/>
-                  </a:cubicBezTo>
-                  <a:lnTo>
-                    <a:pt x="14044" y="58"/>
-                  </a:lnTo>
-                  <a:cubicBezTo>
-                    <a:pt x="14044" y="26"/>
-                    <a:pt x="14011" y="0"/>
-                    <a:pt x="13969" y="0"/>
-                  </a:cubicBezTo>
-                  <a:lnTo>
-                    <a:pt x="213" y="0"/>
-                  </a:lnTo>
-                  <a:close/>
-                  <a:moveTo>
-                    <a:pt x="15018" y="86"/>
-                  </a:moveTo>
-                  <a:cubicBezTo>
-                    <a:pt x="14992" y="94"/>
-                    <a:pt x="14972" y="114"/>
-                    <a:pt x="14972" y="140"/>
-                  </a:cubicBezTo>
-                  <a:lnTo>
-                    <a:pt x="14972" y="4958"/>
-                  </a:lnTo>
-                  <a:cubicBezTo>
-                    <a:pt x="14972" y="5048"/>
-                    <a:pt x="15068" y="5120"/>
-                    <a:pt x="15185" y="5120"/>
-                  </a:cubicBezTo>
-                  <a:lnTo>
-                    <a:pt x="21419" y="5120"/>
-                  </a:lnTo>
-                  <a:cubicBezTo>
-                    <a:pt x="21486" y="5120"/>
-                    <a:pt x="21519" y="5058"/>
-                    <a:pt x="21472" y="5021"/>
-                  </a:cubicBezTo>
-                  <a:lnTo>
-                    <a:pt x="15100" y="99"/>
-                  </a:lnTo>
-                  <a:cubicBezTo>
-                    <a:pt x="15077" y="81"/>
-                    <a:pt x="15044" y="78"/>
-                    <a:pt x="15018" y="86"/>
-                  </a:cubicBezTo>
-                  <a:close/>
-                  <a:moveTo>
-                    <a:pt x="3916" y="7813"/>
-                  </a:moveTo>
-                  <a:lnTo>
-                    <a:pt x="17684" y="7813"/>
-                  </a:lnTo>
-                  <a:cubicBezTo>
-                    <a:pt x="17718" y="7813"/>
-                    <a:pt x="17747" y="7836"/>
-                    <a:pt x="17747" y="7862"/>
-                  </a:cubicBezTo>
-                  <a:lnTo>
-                    <a:pt x="17747" y="8842"/>
-                  </a:lnTo>
-                  <a:cubicBezTo>
-                    <a:pt x="17747" y="8868"/>
-                    <a:pt x="17718" y="8890"/>
-                    <a:pt x="17684" y="8890"/>
-                  </a:cubicBezTo>
-                  <a:lnTo>
-                    <a:pt x="3916" y="8890"/>
-                  </a:lnTo>
-                  <a:cubicBezTo>
-                    <a:pt x="3882" y="8890"/>
-                    <a:pt x="3853" y="8868"/>
-                    <a:pt x="3853" y="8842"/>
-                  </a:cubicBezTo>
-                  <a:lnTo>
-                    <a:pt x="3853" y="7862"/>
-                  </a:lnTo>
-                  <a:cubicBezTo>
-                    <a:pt x="3853" y="7836"/>
-                    <a:pt x="3882" y="7813"/>
-                    <a:pt x="3916" y="7813"/>
-                  </a:cubicBezTo>
-                  <a:close/>
-                  <a:moveTo>
-                    <a:pt x="3916" y="10498"/>
-                  </a:moveTo>
-                  <a:lnTo>
-                    <a:pt x="17684" y="10498"/>
-                  </a:lnTo>
-                  <a:cubicBezTo>
-                    <a:pt x="17718" y="10498"/>
-                    <a:pt x="17747" y="10520"/>
-                    <a:pt x="17747" y="10546"/>
-                  </a:cubicBezTo>
-                  <a:lnTo>
-                    <a:pt x="17747" y="11526"/>
-                  </a:lnTo>
-                  <a:cubicBezTo>
-                    <a:pt x="17747" y="11552"/>
-                    <a:pt x="17718" y="11573"/>
-                    <a:pt x="17684" y="11573"/>
-                  </a:cubicBezTo>
-                  <a:lnTo>
-                    <a:pt x="3916" y="11573"/>
-                  </a:lnTo>
-                  <a:cubicBezTo>
-                    <a:pt x="3882" y="11573"/>
-                    <a:pt x="3853" y="11552"/>
-                    <a:pt x="3853" y="11526"/>
-                  </a:cubicBezTo>
-                  <a:lnTo>
-                    <a:pt x="3853" y="10546"/>
-                  </a:lnTo>
-                  <a:cubicBezTo>
-                    <a:pt x="3853" y="10520"/>
-                    <a:pt x="3882" y="10498"/>
-                    <a:pt x="3916" y="10498"/>
-                  </a:cubicBezTo>
-                  <a:close/>
-                  <a:moveTo>
-                    <a:pt x="3916" y="13182"/>
-                  </a:moveTo>
-                  <a:lnTo>
-                    <a:pt x="17684" y="13182"/>
-                  </a:lnTo>
-                  <a:cubicBezTo>
-                    <a:pt x="17718" y="13182"/>
-                    <a:pt x="17747" y="13204"/>
-                    <a:pt x="17747" y="13230"/>
-                  </a:cubicBezTo>
-                  <a:lnTo>
-                    <a:pt x="17747" y="14210"/>
-                  </a:lnTo>
-                  <a:cubicBezTo>
-                    <a:pt x="17747" y="14237"/>
-                    <a:pt x="17718" y="14257"/>
-                    <a:pt x="17684" y="14257"/>
-                  </a:cubicBezTo>
-                  <a:lnTo>
-                    <a:pt x="3916" y="14257"/>
-                  </a:lnTo>
-                  <a:cubicBezTo>
-                    <a:pt x="3882" y="14257"/>
-                    <a:pt x="3853" y="14237"/>
-                    <a:pt x="3853" y="14210"/>
-                  </a:cubicBezTo>
-                  <a:lnTo>
-                    <a:pt x="3853" y="13230"/>
-                  </a:lnTo>
-                  <a:cubicBezTo>
-                    <a:pt x="3853" y="13204"/>
-                    <a:pt x="3882" y="13182"/>
-                    <a:pt x="3916" y="13182"/>
-                  </a:cubicBezTo>
-                  <a:close/>
-                  <a:moveTo>
-                    <a:pt x="3916" y="15866"/>
-                  </a:moveTo>
-                  <a:lnTo>
-                    <a:pt x="17684" y="15866"/>
-                  </a:lnTo>
-                  <a:cubicBezTo>
-                    <a:pt x="17718" y="15866"/>
-                    <a:pt x="17747" y="15888"/>
-                    <a:pt x="17747" y="15914"/>
-                  </a:cubicBezTo>
-                  <a:lnTo>
-                    <a:pt x="17747" y="16894"/>
-                  </a:lnTo>
-                  <a:cubicBezTo>
-                    <a:pt x="17747" y="16921"/>
-                    <a:pt x="17718" y="16941"/>
-                    <a:pt x="17684" y="16941"/>
-                  </a:cubicBezTo>
-                  <a:lnTo>
-                    <a:pt x="3916" y="16941"/>
-                  </a:lnTo>
-                  <a:cubicBezTo>
-                    <a:pt x="3882" y="16941"/>
-                    <a:pt x="3853" y="16921"/>
-                    <a:pt x="3853" y="16894"/>
-                  </a:cubicBezTo>
-                  <a:lnTo>
-                    <a:pt x="3853" y="15914"/>
-                  </a:lnTo>
-                  <a:cubicBezTo>
-                    <a:pt x="3853" y="15888"/>
-                    <a:pt x="3882" y="15866"/>
-                    <a:pt x="3916" y="15866"/>
-                  </a:cubicBezTo>
-                  <a:close/>
-                </a:path>
-              </a:pathLst>
-            </a:custGeom>
-            <a:solidFill>
-              <a:srgbClr val="000000"/>
-            </a:solidFill>
-            <a:ln w="12700" cap="flat">
-              <a:noFill/>
-              <a:miter lim="400000"/>
-            </a:ln>
-            <a:effectLst/>
-          </p:spPr>
-          <p:txBody>
-            <a:bodyPr wrap="square" lIns="50800" tIns="50800" rIns="50800" bIns="50800" numCol="1" anchor="ctr">
-              <a:noAutofit/>
-            </a:bodyPr>
-            <a:lstStyle/>
-            <a:p>
-              <a:pPr defTabSz="825500">
-                <a:defRPr sz="3200">
-                  <a:solidFill>
-                    <a:srgbClr val="FFFFFF"/>
-                  </a:solidFill>
-                  <a:latin typeface="Helvetica Neue Medium"/>
-                  <a:ea typeface="Helvetica Neue Medium"/>
-                  <a:cs typeface="Helvetica Neue Medium"/>
-                  <a:sym typeface="Helvetica Neue Medium"/>
-                </a:defRPr>
-              </a:pPr>
-            </a:p>
-          </p:txBody>
-        </p:sp>
-        <p:sp>
-          <p:nvSpPr>
-            <p:cNvPr id="190" name="Text Document"/>
-            <p:cNvSpPr/>
-            <p:nvPr/>
-          </p:nvSpPr>
-          <p:spPr>
-            <a:xfrm>
-              <a:off x="2015374" y="2060149"/>
-              <a:ext cx="796488" cy="1031441"/>
-            </a:xfrm>
-            <a:custGeom>
-              <a:avLst/>
-              <a:gdLst/>
-              <a:ahLst/>
-              <a:cxnLst>
-                <a:cxn ang="0">
-                  <a:pos x="wd2" y="hd2"/>
-                </a:cxn>
-                <a:cxn ang="5400000">
-                  <a:pos x="wd2" y="hd2"/>
-                </a:cxn>
-                <a:cxn ang="10800000">
-                  <a:pos x="wd2" y="hd2"/>
-                </a:cxn>
-                <a:cxn ang="16200000">
-                  <a:pos x="wd2" y="hd2"/>
-                </a:cxn>
-              </a:cxnLst>
-              <a:rect l="0" t="0" r="r" b="b"/>
-              <a:pathLst>
-                <a:path w="21600" h="21600" fill="norm" stroke="1" extrusionOk="0">
-                  <a:moveTo>
-                    <a:pt x="213" y="0"/>
-                  </a:moveTo>
-                  <a:cubicBezTo>
-                    <a:pt x="96" y="0"/>
-                    <a:pt x="0" y="72"/>
-                    <a:pt x="0" y="162"/>
-                  </a:cubicBezTo>
-                  <a:lnTo>
-                    <a:pt x="0" y="21438"/>
-                  </a:lnTo>
-                  <a:cubicBezTo>
-                    <a:pt x="0" y="21528"/>
-                    <a:pt x="96" y="21600"/>
-                    <a:pt x="213" y="21600"/>
-                  </a:cubicBezTo>
-                  <a:lnTo>
-                    <a:pt x="21387" y="21600"/>
-                  </a:lnTo>
-                  <a:cubicBezTo>
-                    <a:pt x="21504" y="21600"/>
-                    <a:pt x="21600" y="21528"/>
-                    <a:pt x="21600" y="21438"/>
-                  </a:cubicBezTo>
-                  <a:lnTo>
-                    <a:pt x="21600" y="5895"/>
-                  </a:lnTo>
-                  <a:cubicBezTo>
-                    <a:pt x="21600" y="5863"/>
-                    <a:pt x="21567" y="5837"/>
-                    <a:pt x="21525" y="5837"/>
-                  </a:cubicBezTo>
-                  <a:lnTo>
-                    <a:pt x="14257" y="5837"/>
-                  </a:lnTo>
-                  <a:cubicBezTo>
-                    <a:pt x="14140" y="5837"/>
-                    <a:pt x="14044" y="5765"/>
-                    <a:pt x="14044" y="5674"/>
-                  </a:cubicBezTo>
-                  <a:lnTo>
-                    <a:pt x="14044" y="58"/>
-                  </a:lnTo>
-                  <a:cubicBezTo>
-                    <a:pt x="14044" y="26"/>
-                    <a:pt x="14011" y="0"/>
-                    <a:pt x="13969" y="0"/>
-                  </a:cubicBezTo>
-                  <a:lnTo>
-                    <a:pt x="213" y="0"/>
-                  </a:lnTo>
-                  <a:close/>
-                  <a:moveTo>
-                    <a:pt x="15018" y="86"/>
-                  </a:moveTo>
-                  <a:cubicBezTo>
-                    <a:pt x="14992" y="94"/>
-                    <a:pt x="14972" y="114"/>
-                    <a:pt x="14972" y="140"/>
-                  </a:cubicBezTo>
-                  <a:lnTo>
-                    <a:pt x="14972" y="4958"/>
-                  </a:lnTo>
-                  <a:cubicBezTo>
-                    <a:pt x="14972" y="5048"/>
-                    <a:pt x="15068" y="5120"/>
-                    <a:pt x="15185" y="5120"/>
-                  </a:cubicBezTo>
-                  <a:lnTo>
-                    <a:pt x="21419" y="5120"/>
-                  </a:lnTo>
-                  <a:cubicBezTo>
-                    <a:pt x="21486" y="5120"/>
-                    <a:pt x="21519" y="5058"/>
-                    <a:pt x="21472" y="5021"/>
-                  </a:cubicBezTo>
-                  <a:lnTo>
-                    <a:pt x="15100" y="99"/>
-                  </a:lnTo>
-                  <a:cubicBezTo>
-                    <a:pt x="15077" y="81"/>
-                    <a:pt x="15044" y="78"/>
-                    <a:pt x="15018" y="86"/>
-                  </a:cubicBezTo>
-                  <a:close/>
-                  <a:moveTo>
-                    <a:pt x="3916" y="7813"/>
-                  </a:moveTo>
-                  <a:lnTo>
-                    <a:pt x="17684" y="7813"/>
-                  </a:lnTo>
-                  <a:cubicBezTo>
-                    <a:pt x="17718" y="7813"/>
-                    <a:pt x="17747" y="7836"/>
-                    <a:pt x="17747" y="7862"/>
-                  </a:cubicBezTo>
-                  <a:lnTo>
-                    <a:pt x="17747" y="8842"/>
-                  </a:lnTo>
-                  <a:cubicBezTo>
-                    <a:pt x="17747" y="8868"/>
-                    <a:pt x="17718" y="8890"/>
-                    <a:pt x="17684" y="8890"/>
-                  </a:cubicBezTo>
-                  <a:lnTo>
-                    <a:pt x="3916" y="8890"/>
-                  </a:lnTo>
-                  <a:cubicBezTo>
-                    <a:pt x="3882" y="8890"/>
-                    <a:pt x="3853" y="8868"/>
-                    <a:pt x="3853" y="8842"/>
-                  </a:cubicBezTo>
-                  <a:lnTo>
-                    <a:pt x="3853" y="7862"/>
-                  </a:lnTo>
-                  <a:cubicBezTo>
-                    <a:pt x="3853" y="7836"/>
-                    <a:pt x="3882" y="7813"/>
-                    <a:pt x="3916" y="7813"/>
-                  </a:cubicBezTo>
-                  <a:close/>
-                  <a:moveTo>
-                    <a:pt x="3916" y="10498"/>
-                  </a:moveTo>
-                  <a:lnTo>
-                    <a:pt x="17684" y="10498"/>
-                  </a:lnTo>
-                  <a:cubicBezTo>
-                    <a:pt x="17718" y="10498"/>
-                    <a:pt x="17747" y="10520"/>
-                    <a:pt x="17747" y="10546"/>
-                  </a:cubicBezTo>
-                  <a:lnTo>
-                    <a:pt x="17747" y="11526"/>
-                  </a:lnTo>
-                  <a:cubicBezTo>
-                    <a:pt x="17747" y="11552"/>
-                    <a:pt x="17718" y="11573"/>
-                    <a:pt x="17684" y="11573"/>
-                  </a:cubicBezTo>
-                  <a:lnTo>
-                    <a:pt x="3916" y="11573"/>
-                  </a:lnTo>
-                  <a:cubicBezTo>
-                    <a:pt x="3882" y="11573"/>
-                    <a:pt x="3853" y="11552"/>
-                    <a:pt x="3853" y="11526"/>
-                  </a:cubicBezTo>
-                  <a:lnTo>
-                    <a:pt x="3853" y="10546"/>
-                  </a:lnTo>
-                  <a:cubicBezTo>
-                    <a:pt x="3853" y="10520"/>
-                    <a:pt x="3882" y="10498"/>
-                    <a:pt x="3916" y="10498"/>
-                  </a:cubicBezTo>
-                  <a:close/>
-                  <a:moveTo>
-                    <a:pt x="3916" y="13182"/>
-                  </a:moveTo>
-                  <a:lnTo>
-                    <a:pt x="17684" y="13182"/>
-                  </a:lnTo>
-                  <a:cubicBezTo>
-                    <a:pt x="17718" y="13182"/>
-                    <a:pt x="17747" y="13204"/>
-                    <a:pt x="17747" y="13230"/>
-                  </a:cubicBezTo>
-                  <a:lnTo>
-                    <a:pt x="17747" y="14210"/>
-                  </a:lnTo>
-                  <a:cubicBezTo>
-                    <a:pt x="17747" y="14237"/>
-                    <a:pt x="17718" y="14257"/>
-                    <a:pt x="17684" y="14257"/>
-                  </a:cubicBezTo>
-                  <a:lnTo>
-                    <a:pt x="3916" y="14257"/>
-                  </a:lnTo>
-                  <a:cubicBezTo>
-                    <a:pt x="3882" y="14257"/>
-                    <a:pt x="3853" y="14237"/>
-                    <a:pt x="3853" y="14210"/>
-                  </a:cubicBezTo>
-                  <a:lnTo>
-                    <a:pt x="3853" y="13230"/>
-                  </a:lnTo>
-                  <a:cubicBezTo>
-                    <a:pt x="3853" y="13204"/>
-                    <a:pt x="3882" y="13182"/>
-                    <a:pt x="3916" y="13182"/>
-                  </a:cubicBezTo>
-                  <a:close/>
-                  <a:moveTo>
-                    <a:pt x="3916" y="15866"/>
-                  </a:moveTo>
-                  <a:lnTo>
-                    <a:pt x="17684" y="15866"/>
-                  </a:lnTo>
-                  <a:cubicBezTo>
-                    <a:pt x="17718" y="15866"/>
-                    <a:pt x="17747" y="15888"/>
-                    <a:pt x="17747" y="15914"/>
-                  </a:cubicBezTo>
-                  <a:lnTo>
-                    <a:pt x="17747" y="16894"/>
-                  </a:lnTo>
-                  <a:cubicBezTo>
-                    <a:pt x="17747" y="16921"/>
-                    <a:pt x="17718" y="16941"/>
-                    <a:pt x="17684" y="16941"/>
-                  </a:cubicBezTo>
-                  <a:lnTo>
-                    <a:pt x="3916" y="16941"/>
-                  </a:lnTo>
-                  <a:cubicBezTo>
-                    <a:pt x="3882" y="16941"/>
-                    <a:pt x="3853" y="16921"/>
-                    <a:pt x="3853" y="16894"/>
-                  </a:cubicBezTo>
-                  <a:lnTo>
-                    <a:pt x="3853" y="15914"/>
-                  </a:lnTo>
-                  <a:cubicBezTo>
-                    <a:pt x="3853" y="15888"/>
-                    <a:pt x="3882" y="15866"/>
-                    <a:pt x="3916" y="15866"/>
-                  </a:cubicBezTo>
-                  <a:close/>
-                </a:path>
-              </a:pathLst>
-            </a:custGeom>
-            <a:solidFill>
-              <a:srgbClr val="000000"/>
-            </a:solidFill>
-            <a:ln w="12700" cap="flat">
-              <a:noFill/>
-              <a:miter lim="400000"/>
-            </a:ln>
-            <a:effectLst/>
-          </p:spPr>
-          <p:txBody>
-            <a:bodyPr wrap="square" lIns="50800" tIns="50800" rIns="50800" bIns="50800" numCol="1" anchor="ctr">
-              <a:noAutofit/>
-            </a:bodyPr>
-            <a:lstStyle/>
-            <a:p>
-              <a:pPr defTabSz="825500">
-                <a:defRPr sz="3200">
-                  <a:solidFill>
-                    <a:srgbClr val="FFFFFF"/>
-                  </a:solidFill>
-                  <a:latin typeface="Helvetica Neue Medium"/>
-                  <a:ea typeface="Helvetica Neue Medium"/>
-                  <a:cs typeface="Helvetica Neue Medium"/>
-                  <a:sym typeface="Helvetica Neue Medium"/>
-                </a:defRPr>
-              </a:pPr>
-            </a:p>
-          </p:txBody>
-        </p:sp>
-        <p:sp>
-          <p:nvSpPr>
-            <p:cNvPr id="191" name="Chart Document"/>
-            <p:cNvSpPr/>
-            <p:nvPr/>
-          </p:nvSpPr>
-          <p:spPr>
-            <a:xfrm>
-              <a:off x="14825423" y="7669678"/>
-              <a:ext cx="816770" cy="1057705"/>
-            </a:xfrm>
-            <a:custGeom>
-              <a:avLst/>
-              <a:gdLst/>
-              <a:ahLst/>
-              <a:cxnLst>
-                <a:cxn ang="0">
-                  <a:pos x="wd2" y="hd2"/>
-                </a:cxn>
-                <a:cxn ang="5400000">
-                  <a:pos x="wd2" y="hd2"/>
-                </a:cxn>
-                <a:cxn ang="10800000">
-                  <a:pos x="wd2" y="hd2"/>
-                </a:cxn>
-                <a:cxn ang="16200000">
-                  <a:pos x="wd2" y="hd2"/>
-                </a:cxn>
-              </a:cxnLst>
-              <a:rect l="0" t="0" r="r" b="b"/>
-              <a:pathLst>
-                <a:path w="21599" h="21600" fill="norm" stroke="1" extrusionOk="0">
-                  <a:moveTo>
-                    <a:pt x="213" y="0"/>
-                  </a:moveTo>
-                  <a:cubicBezTo>
-                    <a:pt x="96" y="0"/>
-                    <a:pt x="0" y="72"/>
-                    <a:pt x="0" y="162"/>
-                  </a:cubicBezTo>
-                  <a:lnTo>
-                    <a:pt x="0" y="21438"/>
-                  </a:lnTo>
-                  <a:cubicBezTo>
-                    <a:pt x="0" y="21528"/>
-                    <a:pt x="96" y="21600"/>
-                    <a:pt x="213" y="21600"/>
-                  </a:cubicBezTo>
-                  <a:lnTo>
-                    <a:pt x="21387" y="21600"/>
-                  </a:lnTo>
-                  <a:cubicBezTo>
-                    <a:pt x="21503" y="21600"/>
-                    <a:pt x="21599" y="21528"/>
-                    <a:pt x="21599" y="21438"/>
-                  </a:cubicBezTo>
-                  <a:lnTo>
-                    <a:pt x="21599" y="5895"/>
-                  </a:lnTo>
-                  <a:cubicBezTo>
-                    <a:pt x="21600" y="5863"/>
-                    <a:pt x="21565" y="5837"/>
-                    <a:pt x="21524" y="5837"/>
-                  </a:cubicBezTo>
-                  <a:lnTo>
-                    <a:pt x="14256" y="5837"/>
-                  </a:lnTo>
-                  <a:cubicBezTo>
-                    <a:pt x="14139" y="5837"/>
-                    <a:pt x="14043" y="5765"/>
-                    <a:pt x="14043" y="5674"/>
-                  </a:cubicBezTo>
-                  <a:lnTo>
-                    <a:pt x="14043" y="58"/>
-                  </a:lnTo>
-                  <a:cubicBezTo>
-                    <a:pt x="14043" y="26"/>
-                    <a:pt x="14009" y="0"/>
-                    <a:pt x="13968" y="0"/>
-                  </a:cubicBezTo>
-                  <a:lnTo>
-                    <a:pt x="213" y="0"/>
-                  </a:lnTo>
-                  <a:close/>
-                  <a:moveTo>
-                    <a:pt x="15017" y="86"/>
-                  </a:moveTo>
-                  <a:cubicBezTo>
-                    <a:pt x="14991" y="94"/>
-                    <a:pt x="14972" y="114"/>
-                    <a:pt x="14972" y="140"/>
-                  </a:cubicBezTo>
-                  <a:lnTo>
-                    <a:pt x="14972" y="4958"/>
-                  </a:lnTo>
-                  <a:cubicBezTo>
-                    <a:pt x="14972" y="5048"/>
-                    <a:pt x="15067" y="5120"/>
-                    <a:pt x="15184" y="5120"/>
-                  </a:cubicBezTo>
-                  <a:lnTo>
-                    <a:pt x="21418" y="5120"/>
-                  </a:lnTo>
-                  <a:cubicBezTo>
-                    <a:pt x="21485" y="5120"/>
-                    <a:pt x="21518" y="5058"/>
-                    <a:pt x="21471" y="5021"/>
-                  </a:cubicBezTo>
-                  <a:lnTo>
-                    <a:pt x="15100" y="99"/>
-                  </a:lnTo>
-                  <a:cubicBezTo>
-                    <a:pt x="15076" y="81"/>
-                    <a:pt x="15044" y="78"/>
-                    <a:pt x="15017" y="86"/>
-                  </a:cubicBezTo>
-                  <a:close/>
-                  <a:moveTo>
-                    <a:pt x="9656" y="7345"/>
-                  </a:moveTo>
-                  <a:lnTo>
-                    <a:pt x="11938" y="7345"/>
-                  </a:lnTo>
-                  <a:cubicBezTo>
-                    <a:pt x="11983" y="7345"/>
-                    <a:pt x="12018" y="7374"/>
-                    <a:pt x="12018" y="7408"/>
-                  </a:cubicBezTo>
-                  <a:lnTo>
-                    <a:pt x="12018" y="15086"/>
-                  </a:lnTo>
-                  <a:cubicBezTo>
-                    <a:pt x="12018" y="15120"/>
-                    <a:pt x="11983" y="15149"/>
-                    <a:pt x="11938" y="15149"/>
-                  </a:cubicBezTo>
-                  <a:lnTo>
-                    <a:pt x="9656" y="15149"/>
-                  </a:lnTo>
-                  <a:cubicBezTo>
-                    <a:pt x="9611" y="15149"/>
-                    <a:pt x="9574" y="15120"/>
-                    <a:pt x="9574" y="15086"/>
-                  </a:cubicBezTo>
-                  <a:lnTo>
-                    <a:pt x="9574" y="7408"/>
-                  </a:lnTo>
-                  <a:cubicBezTo>
-                    <a:pt x="9574" y="7374"/>
-                    <a:pt x="9611" y="7345"/>
-                    <a:pt x="9656" y="7345"/>
-                  </a:cubicBezTo>
-                  <a:close/>
-                  <a:moveTo>
-                    <a:pt x="13164" y="9590"/>
-                  </a:moveTo>
-                  <a:lnTo>
-                    <a:pt x="15445" y="9590"/>
-                  </a:lnTo>
-                  <a:cubicBezTo>
-                    <a:pt x="15490" y="9590"/>
-                    <a:pt x="15527" y="9617"/>
-                    <a:pt x="15527" y="9652"/>
-                  </a:cubicBezTo>
-                  <a:lnTo>
-                    <a:pt x="15527" y="15088"/>
-                  </a:lnTo>
-                  <a:cubicBezTo>
-                    <a:pt x="15527" y="15122"/>
-                    <a:pt x="15490" y="15149"/>
-                    <a:pt x="15445" y="15149"/>
-                  </a:cubicBezTo>
-                  <a:lnTo>
-                    <a:pt x="13164" y="15149"/>
-                  </a:lnTo>
-                  <a:cubicBezTo>
-                    <a:pt x="13119" y="15149"/>
-                    <a:pt x="13084" y="15122"/>
-                    <a:pt x="13084" y="15088"/>
-                  </a:cubicBezTo>
-                  <a:lnTo>
-                    <a:pt x="13084" y="9652"/>
-                  </a:lnTo>
-                  <a:cubicBezTo>
-                    <a:pt x="13084" y="9617"/>
-                    <a:pt x="13119" y="9590"/>
-                    <a:pt x="13164" y="9590"/>
-                  </a:cubicBezTo>
-                  <a:close/>
-                  <a:moveTo>
-                    <a:pt x="6147" y="11440"/>
-                  </a:moveTo>
-                  <a:lnTo>
-                    <a:pt x="8428" y="11440"/>
-                  </a:lnTo>
-                  <a:cubicBezTo>
-                    <a:pt x="8473" y="11440"/>
-                    <a:pt x="8511" y="11467"/>
-                    <a:pt x="8511" y="11502"/>
-                  </a:cubicBezTo>
-                  <a:lnTo>
-                    <a:pt x="8511" y="15086"/>
-                  </a:lnTo>
-                  <a:cubicBezTo>
-                    <a:pt x="8511" y="15120"/>
-                    <a:pt x="8473" y="15149"/>
-                    <a:pt x="8428" y="15149"/>
-                  </a:cubicBezTo>
-                  <a:lnTo>
-                    <a:pt x="6147" y="15149"/>
-                  </a:lnTo>
-                  <a:cubicBezTo>
-                    <a:pt x="6102" y="15149"/>
-                    <a:pt x="6067" y="15120"/>
-                    <a:pt x="6067" y="15086"/>
-                  </a:cubicBezTo>
-                  <a:lnTo>
-                    <a:pt x="6067" y="11502"/>
-                  </a:lnTo>
-                  <a:cubicBezTo>
-                    <a:pt x="6067" y="11467"/>
-                    <a:pt x="6102" y="11440"/>
-                    <a:pt x="6147" y="11440"/>
-                  </a:cubicBezTo>
-                  <a:close/>
-                  <a:moveTo>
-                    <a:pt x="3933" y="15866"/>
-                  </a:moveTo>
-                  <a:lnTo>
-                    <a:pt x="17662" y="15866"/>
-                  </a:lnTo>
-                  <a:cubicBezTo>
-                    <a:pt x="17707" y="15866"/>
-                    <a:pt x="17742" y="15895"/>
-                    <a:pt x="17742" y="15929"/>
-                  </a:cubicBezTo>
-                  <a:lnTo>
-                    <a:pt x="17746" y="16878"/>
-                  </a:lnTo>
-                  <a:cubicBezTo>
-                    <a:pt x="17746" y="16913"/>
-                    <a:pt x="17709" y="16941"/>
-                    <a:pt x="17664" y="16941"/>
-                  </a:cubicBezTo>
-                  <a:lnTo>
-                    <a:pt x="3935" y="16941"/>
-                  </a:lnTo>
-                  <a:cubicBezTo>
-                    <a:pt x="3890" y="16941"/>
-                    <a:pt x="3853" y="16912"/>
-                    <a:pt x="3853" y="16878"/>
-                  </a:cubicBezTo>
-                  <a:lnTo>
-                    <a:pt x="3850" y="15929"/>
-                  </a:lnTo>
-                  <a:cubicBezTo>
-                    <a:pt x="3850" y="15895"/>
-                    <a:pt x="3888" y="15866"/>
-                    <a:pt x="3933" y="15866"/>
-                  </a:cubicBezTo>
-                  <a:close/>
-                </a:path>
-              </a:pathLst>
-            </a:custGeom>
-            <a:solidFill>
-              <a:srgbClr val="000000"/>
-            </a:solidFill>
-            <a:ln w="12700" cap="flat">
-              <a:noFill/>
-              <a:miter lim="400000"/>
-            </a:ln>
-            <a:effectLst/>
-          </p:spPr>
-          <p:txBody>
-            <a:bodyPr wrap="square" lIns="50800" tIns="50800" rIns="50800" bIns="50800" numCol="1" anchor="ctr">
-              <a:noAutofit/>
-            </a:bodyPr>
-            <a:lstStyle/>
-            <a:p>
-              <a:pPr defTabSz="825500">
-                <a:defRPr sz="3200">
-                  <a:solidFill>
-                    <a:srgbClr val="FFFFFF"/>
-                  </a:solidFill>
-                  <a:latin typeface="Helvetica Neue Medium"/>
-                  <a:ea typeface="Helvetica Neue Medium"/>
-                  <a:cs typeface="Helvetica Neue Medium"/>
-                  <a:sym typeface="Helvetica Neue Medium"/>
-                </a:defRPr>
-              </a:pPr>
-            </a:p>
-          </p:txBody>
-        </p:sp>
-        <p:sp>
-          <p:nvSpPr>
-            <p:cNvPr id="192" name="Arrow"/>
-            <p:cNvSpPr/>
-            <p:nvPr/>
-          </p:nvSpPr>
-          <p:spPr>
-            <a:xfrm rot="5400000">
-              <a:off x="6099716" y="2605317"/>
-              <a:ext cx="560133" cy="545509"/>
-            </a:xfrm>
-            <a:prstGeom prst="rightArrow">
-              <a:avLst>
-                <a:gd name="adj1" fmla="val 32000"/>
-                <a:gd name="adj2" fmla="val 70659"/>
-              </a:avLst>
-            </a:prstGeom>
-            <a:solidFill>
-              <a:srgbClr val="000000"/>
-            </a:solidFill>
-            <a:ln w="12700" cap="flat">
-              <a:noFill/>
-              <a:miter lim="400000"/>
-            </a:ln>
-            <a:effectLst/>
-          </p:spPr>
-          <p:txBody>
-            <a:bodyPr wrap="square" lIns="50800" tIns="50800" rIns="50800" bIns="50800" numCol="1" anchor="ctr">
-              <a:noAutofit/>
-            </a:bodyPr>
-            <a:lstStyle/>
-            <a:p>
-              <a:pPr defTabSz="825500">
-                <a:defRPr sz="3200">
-                  <a:solidFill>
-                    <a:srgbClr val="FFFFFF"/>
-                  </a:solidFill>
-                  <a:latin typeface="Helvetica Neue Medium"/>
-                  <a:ea typeface="Helvetica Neue Medium"/>
-                  <a:cs typeface="Helvetica Neue Medium"/>
-                  <a:sym typeface="Helvetica Neue Medium"/>
-                </a:defRPr>
-              </a:pPr>
-            </a:p>
-          </p:txBody>
-        </p:sp>
-        <p:sp>
-          <p:nvSpPr>
-            <p:cNvPr id="193" name="Arrow"/>
-            <p:cNvSpPr/>
-            <p:nvPr/>
-          </p:nvSpPr>
-          <p:spPr>
-            <a:xfrm rot="5400000">
-              <a:off x="6099716" y="4733501"/>
-              <a:ext cx="560133" cy="545509"/>
-            </a:xfrm>
-            <a:prstGeom prst="rightArrow">
-              <a:avLst>
-                <a:gd name="adj1" fmla="val 32000"/>
-                <a:gd name="adj2" fmla="val 70659"/>
-              </a:avLst>
-            </a:prstGeom>
-            <a:solidFill>
-              <a:srgbClr val="000000"/>
-            </a:solidFill>
-            <a:ln w="12700" cap="flat">
-              <a:noFill/>
-              <a:miter lim="400000"/>
-            </a:ln>
-            <a:effectLst/>
-          </p:spPr>
-          <p:txBody>
-            <a:bodyPr wrap="square" lIns="50800" tIns="50800" rIns="50800" bIns="50800" numCol="1" anchor="ctr">
-              <a:noAutofit/>
-            </a:bodyPr>
-            <a:lstStyle/>
-            <a:p>
-              <a:pPr defTabSz="825500">
-                <a:defRPr sz="3200">
-                  <a:solidFill>
-                    <a:srgbClr val="FFFFFF"/>
-                  </a:solidFill>
-                  <a:latin typeface="Helvetica Neue Medium"/>
-                  <a:ea typeface="Helvetica Neue Medium"/>
-                  <a:cs typeface="Helvetica Neue Medium"/>
-                  <a:sym typeface="Helvetica Neue Medium"/>
-                </a:defRPr>
-              </a:pPr>
-            </a:p>
-          </p:txBody>
-        </p:sp>
-        <p:sp>
-          <p:nvSpPr>
-            <p:cNvPr id="194" name="Arrow"/>
-            <p:cNvSpPr/>
-            <p:nvPr/>
-          </p:nvSpPr>
-          <p:spPr>
-            <a:xfrm rot="5400000">
-              <a:off x="6099716" y="6860079"/>
-              <a:ext cx="560133" cy="545509"/>
-            </a:xfrm>
-            <a:prstGeom prst="rightArrow">
-              <a:avLst>
-                <a:gd name="adj1" fmla="val 32000"/>
-                <a:gd name="adj2" fmla="val 70659"/>
-              </a:avLst>
-            </a:prstGeom>
-            <a:solidFill>
-              <a:srgbClr val="000000"/>
-            </a:solidFill>
-            <a:ln w="12700" cap="flat">
-              <a:noFill/>
-              <a:miter lim="400000"/>
-            </a:ln>
-            <a:effectLst/>
-          </p:spPr>
-          <p:txBody>
-            <a:bodyPr wrap="square" lIns="50800" tIns="50800" rIns="50800" bIns="50800" numCol="1" anchor="ctr">
-              <a:noAutofit/>
-            </a:bodyPr>
-            <a:lstStyle/>
-            <a:p>
-              <a:pPr defTabSz="825500">
-                <a:defRPr sz="3200">
-                  <a:solidFill>
-                    <a:srgbClr val="FFFFFF"/>
-                  </a:solidFill>
-                  <a:latin typeface="Helvetica Neue Medium"/>
-                  <a:ea typeface="Helvetica Neue Medium"/>
-                  <a:cs typeface="Helvetica Neue Medium"/>
-                  <a:sym typeface="Helvetica Neue Medium"/>
-                </a:defRPr>
-              </a:pPr>
-            </a:p>
-          </p:txBody>
-        </p:sp>
-        <p:sp>
-          <p:nvSpPr>
-            <p:cNvPr id="195" name="Arrow"/>
-            <p:cNvSpPr/>
-            <p:nvPr/>
-          </p:nvSpPr>
-          <p:spPr>
-            <a:xfrm rot="5400000">
-              <a:off x="18122873" y="375561"/>
-              <a:ext cx="560134" cy="545509"/>
-            </a:xfrm>
-            <a:prstGeom prst="rightArrow">
-              <a:avLst>
-                <a:gd name="adj1" fmla="val 32000"/>
-                <a:gd name="adj2" fmla="val 70659"/>
-              </a:avLst>
-            </a:prstGeom>
-            <a:solidFill>
-              <a:srgbClr val="000000"/>
-            </a:solidFill>
-            <a:ln w="12700" cap="flat">
-              <a:noFill/>
-              <a:miter lim="400000"/>
-            </a:ln>
-            <a:effectLst/>
-          </p:spPr>
-          <p:txBody>
-            <a:bodyPr wrap="square" lIns="50800" tIns="50800" rIns="50800" bIns="50800" numCol="1" anchor="ctr">
-              <a:noAutofit/>
-            </a:bodyPr>
-            <a:lstStyle/>
-            <a:p>
-              <a:pPr defTabSz="825500">
-                <a:defRPr sz="3200">
-                  <a:solidFill>
-                    <a:srgbClr val="FFFFFF"/>
-                  </a:solidFill>
-                  <a:latin typeface="Helvetica Neue Medium"/>
-                  <a:ea typeface="Helvetica Neue Medium"/>
-                  <a:cs typeface="Helvetica Neue Medium"/>
-                  <a:sym typeface="Helvetica Neue Medium"/>
-                </a:defRPr>
-              </a:pPr>
-            </a:p>
-          </p:txBody>
-        </p:sp>
-        <p:sp>
-          <p:nvSpPr>
-            <p:cNvPr id="196" name="Arrow"/>
-            <p:cNvSpPr/>
-            <p:nvPr/>
-          </p:nvSpPr>
-          <p:spPr>
-            <a:xfrm rot="5400000">
-              <a:off x="18122873" y="6860079"/>
-              <a:ext cx="560134" cy="545509"/>
-            </a:xfrm>
-            <a:prstGeom prst="rightArrow">
-              <a:avLst>
-                <a:gd name="adj1" fmla="val 32000"/>
-                <a:gd name="adj2" fmla="val 70659"/>
-              </a:avLst>
-            </a:prstGeom>
-            <a:solidFill>
-              <a:srgbClr val="000000"/>
-            </a:solidFill>
-            <a:ln w="12700" cap="flat">
-              <a:noFill/>
-              <a:miter lim="400000"/>
-            </a:ln>
-            <a:effectLst/>
-          </p:spPr>
-          <p:txBody>
-            <a:bodyPr wrap="square" lIns="50800" tIns="50800" rIns="50800" bIns="50800" numCol="1" anchor="ctr">
-              <a:noAutofit/>
-            </a:bodyPr>
-            <a:lstStyle/>
-            <a:p>
-              <a:pPr defTabSz="825500">
-                <a:defRPr sz="3200">
-                  <a:solidFill>
-                    <a:srgbClr val="FFFFFF"/>
-                  </a:solidFill>
-                  <a:latin typeface="Helvetica Neue Medium"/>
-                  <a:ea typeface="Helvetica Neue Medium"/>
-                  <a:cs typeface="Helvetica Neue Medium"/>
-                  <a:sym typeface="Helvetica Neue Medium"/>
-                </a:defRPr>
-              </a:pPr>
-            </a:p>
-          </p:txBody>
-        </p:sp>
-        <p:sp>
-          <p:nvSpPr>
-            <p:cNvPr id="197" name="Arrow"/>
-            <p:cNvSpPr/>
-            <p:nvPr/>
-          </p:nvSpPr>
-          <p:spPr>
-            <a:xfrm rot="1812001">
-              <a:off x="18282958" y="2697813"/>
-              <a:ext cx="1186691" cy="545509"/>
-            </a:xfrm>
-            <a:prstGeom prst="rightArrow">
-              <a:avLst>
-                <a:gd name="adj1" fmla="val 32000"/>
-                <a:gd name="adj2" fmla="val 70658"/>
-              </a:avLst>
-            </a:prstGeom>
-            <a:solidFill>
-              <a:srgbClr val="000000"/>
-            </a:solidFill>
-            <a:ln w="12700" cap="flat">
-              <a:noFill/>
-              <a:miter lim="400000"/>
-            </a:ln>
-            <a:effectLst/>
-          </p:spPr>
-          <p:txBody>
-            <a:bodyPr wrap="square" lIns="50800" tIns="50800" rIns="50800" bIns="50800" numCol="1" anchor="ctr">
-              <a:noAutofit/>
-            </a:bodyPr>
-            <a:lstStyle/>
-            <a:p>
-              <a:pPr defTabSz="825500">
-                <a:defRPr sz="3200">
-                  <a:solidFill>
-                    <a:srgbClr val="FFFFFF"/>
-                  </a:solidFill>
-                  <a:latin typeface="Helvetica Neue Medium"/>
-                  <a:ea typeface="Helvetica Neue Medium"/>
-                  <a:cs typeface="Helvetica Neue Medium"/>
-                  <a:sym typeface="Helvetica Neue Medium"/>
-                </a:defRPr>
-              </a:pPr>
-            </a:p>
-          </p:txBody>
-        </p:sp>
-        <p:sp>
-          <p:nvSpPr>
-            <p:cNvPr id="198" name="Arrow"/>
-            <p:cNvSpPr/>
-            <p:nvPr/>
-          </p:nvSpPr>
-          <p:spPr>
-            <a:xfrm rot="8932952">
-              <a:off x="17347965" y="2705006"/>
-              <a:ext cx="1186691" cy="545509"/>
-            </a:xfrm>
-            <a:prstGeom prst="rightArrow">
-              <a:avLst>
-                <a:gd name="adj1" fmla="val 32000"/>
-                <a:gd name="adj2" fmla="val 70658"/>
-              </a:avLst>
-            </a:prstGeom>
-            <a:solidFill>
-              <a:srgbClr val="000000"/>
-            </a:solidFill>
-            <a:ln w="12700" cap="flat">
-              <a:noFill/>
-              <a:miter lim="400000"/>
-            </a:ln>
-            <a:effectLst/>
-          </p:spPr>
-          <p:txBody>
-            <a:bodyPr wrap="square" lIns="50800" tIns="50800" rIns="50800" bIns="50800" numCol="1" anchor="ctr">
-              <a:noAutofit/>
-            </a:bodyPr>
-            <a:lstStyle/>
-            <a:p>
-              <a:pPr defTabSz="825500">
-                <a:defRPr sz="3200">
-                  <a:solidFill>
-                    <a:srgbClr val="FFFFFF"/>
-                  </a:solidFill>
-                  <a:latin typeface="Helvetica Neue Medium"/>
-                  <a:ea typeface="Helvetica Neue Medium"/>
-                  <a:cs typeface="Helvetica Neue Medium"/>
-                  <a:sym typeface="Helvetica Neue Medium"/>
-                </a:defRPr>
-              </a:pPr>
-            </a:p>
-          </p:txBody>
-        </p:sp>
-        <p:sp>
-          <p:nvSpPr>
-            <p:cNvPr id="199" name="Arrow"/>
-            <p:cNvSpPr/>
-            <p:nvPr/>
-          </p:nvSpPr>
-          <p:spPr>
-            <a:xfrm rot="2225151">
-              <a:off x="17302826" y="4668272"/>
-              <a:ext cx="1186690" cy="545509"/>
-            </a:xfrm>
-            <a:prstGeom prst="rightArrow">
-              <a:avLst>
-                <a:gd name="adj1" fmla="val 32000"/>
-                <a:gd name="adj2" fmla="val 70659"/>
-              </a:avLst>
-            </a:prstGeom>
-            <a:solidFill>
-              <a:srgbClr val="000000"/>
-            </a:solidFill>
-            <a:ln w="12700" cap="flat">
-              <a:noFill/>
-              <a:miter lim="400000"/>
-            </a:ln>
-            <a:effectLst/>
-          </p:spPr>
-          <p:txBody>
-            <a:bodyPr wrap="square" lIns="50800" tIns="50800" rIns="50800" bIns="50800" numCol="1" anchor="ctr">
-              <a:noAutofit/>
-            </a:bodyPr>
-            <a:lstStyle/>
-            <a:p>
-              <a:pPr defTabSz="825500">
-                <a:defRPr sz="3200">
-                  <a:solidFill>
-                    <a:srgbClr val="FFFFFF"/>
-                  </a:solidFill>
-                  <a:latin typeface="Helvetica Neue Medium"/>
-                  <a:ea typeface="Helvetica Neue Medium"/>
-                  <a:cs typeface="Helvetica Neue Medium"/>
-                  <a:sym typeface="Helvetica Neue Medium"/>
-                </a:defRPr>
-              </a:pPr>
-            </a:p>
-          </p:txBody>
-        </p:sp>
-        <p:sp>
-          <p:nvSpPr>
-            <p:cNvPr id="200" name="Arrow"/>
-            <p:cNvSpPr/>
-            <p:nvPr/>
-          </p:nvSpPr>
-          <p:spPr>
-            <a:xfrm rot="8644215">
-              <a:off x="18336587" y="4675465"/>
-              <a:ext cx="1186691" cy="545509"/>
-            </a:xfrm>
-            <a:prstGeom prst="rightArrow">
-              <a:avLst>
-                <a:gd name="adj1" fmla="val 32000"/>
-                <a:gd name="adj2" fmla="val 70659"/>
-              </a:avLst>
-            </a:prstGeom>
-            <a:solidFill>
-              <a:srgbClr val="000000"/>
-            </a:solidFill>
-            <a:ln w="12700" cap="flat">
-              <a:noFill/>
-              <a:miter lim="400000"/>
-            </a:ln>
-            <a:effectLst/>
-          </p:spPr>
-          <p:txBody>
-            <a:bodyPr wrap="square" lIns="50800" tIns="50800" rIns="50800" bIns="50800" numCol="1" anchor="ctr">
-              <a:noAutofit/>
-            </a:bodyPr>
-            <a:lstStyle/>
-            <a:p>
-              <a:pPr defTabSz="825500">
-                <a:defRPr sz="3200">
-                  <a:solidFill>
-                    <a:srgbClr val="FFFFFF"/>
-                  </a:solidFill>
-                  <a:latin typeface="Helvetica Neue Medium"/>
-                  <a:ea typeface="Helvetica Neue Medium"/>
-                  <a:cs typeface="Helvetica Neue Medium"/>
-                  <a:sym typeface="Helvetica Neue Medium"/>
-                </a:defRPr>
-              </a:pPr>
-            </a:p>
-          </p:txBody>
-        </p:sp>
-        <p:sp>
-          <p:nvSpPr>
-            <p:cNvPr id="201" name="Arrow"/>
-            <p:cNvSpPr/>
-            <p:nvPr/>
-          </p:nvSpPr>
-          <p:spPr>
-            <a:xfrm>
-              <a:off x="3165639" y="3669409"/>
-              <a:ext cx="560134" cy="545509"/>
-            </a:xfrm>
-            <a:prstGeom prst="rightArrow">
-              <a:avLst>
-                <a:gd name="adj1" fmla="val 32000"/>
-                <a:gd name="adj2" fmla="val 70658"/>
-              </a:avLst>
-            </a:prstGeom>
-            <a:solidFill>
-              <a:srgbClr val="000000"/>
-            </a:solidFill>
-            <a:ln w="12700" cap="flat">
-              <a:noFill/>
-              <a:miter lim="400000"/>
-            </a:ln>
-            <a:effectLst/>
-          </p:spPr>
-          <p:txBody>
-            <a:bodyPr wrap="square" lIns="50800" tIns="50800" rIns="50800" bIns="50800" numCol="1" anchor="ctr">
-              <a:noAutofit/>
-            </a:bodyPr>
-            <a:lstStyle/>
-            <a:p>
-              <a:pPr defTabSz="825500">
-                <a:defRPr sz="3200">
-                  <a:solidFill>
-                    <a:srgbClr val="FFFFFF"/>
-                  </a:solidFill>
-                  <a:latin typeface="Helvetica Neue Medium"/>
-                  <a:ea typeface="Helvetica Neue Medium"/>
-                  <a:cs typeface="Helvetica Neue Medium"/>
-                  <a:sym typeface="Helvetica Neue Medium"/>
-                </a:defRPr>
-              </a:pPr>
-            </a:p>
-          </p:txBody>
-        </p:sp>
-        <p:sp>
-          <p:nvSpPr>
-            <p:cNvPr id="202" name="Arrow"/>
-            <p:cNvSpPr/>
-            <p:nvPr/>
-          </p:nvSpPr>
-          <p:spPr>
-            <a:xfrm rot="5400000">
-              <a:off x="6099716" y="8986659"/>
-              <a:ext cx="560133" cy="545509"/>
-            </a:xfrm>
-            <a:prstGeom prst="rightArrow">
-              <a:avLst>
-                <a:gd name="adj1" fmla="val 35623"/>
-                <a:gd name="adj2" fmla="val 0"/>
-              </a:avLst>
-            </a:prstGeom>
-            <a:solidFill>
-              <a:srgbClr val="000000"/>
-            </a:solidFill>
-            <a:ln w="12700" cap="flat">
-              <a:noFill/>
-              <a:miter lim="400000"/>
-            </a:ln>
-            <a:effectLst/>
-          </p:spPr>
-          <p:txBody>
-            <a:bodyPr wrap="square" lIns="50800" tIns="50800" rIns="50800" bIns="50800" numCol="1" anchor="ctr">
-              <a:noAutofit/>
-            </a:bodyPr>
-            <a:lstStyle/>
-            <a:p>
-              <a:pPr defTabSz="825500">
-                <a:defRPr sz="3200">
-                  <a:solidFill>
-                    <a:srgbClr val="FFFFFF"/>
-                  </a:solidFill>
-                  <a:latin typeface="Helvetica Neue Medium"/>
-                  <a:ea typeface="Helvetica Neue Medium"/>
-                  <a:cs typeface="Helvetica Neue Medium"/>
-                  <a:sym typeface="Helvetica Neue Medium"/>
-                </a:defRPr>
-              </a:pPr>
-            </a:p>
-          </p:txBody>
-        </p:sp>
-        <p:sp>
-          <p:nvSpPr>
-            <p:cNvPr id="203" name="Arrow"/>
-            <p:cNvSpPr/>
-            <p:nvPr/>
-          </p:nvSpPr>
-          <p:spPr>
-            <a:xfrm>
-              <a:off x="6470962" y="9169807"/>
-              <a:ext cx="4929857" cy="545509"/>
-            </a:xfrm>
-            <a:prstGeom prst="rightArrow">
-              <a:avLst>
-                <a:gd name="adj1" fmla="val 35623"/>
-                <a:gd name="adj2" fmla="val 0"/>
-              </a:avLst>
-            </a:prstGeom>
-            <a:solidFill>
-              <a:srgbClr val="000000"/>
-            </a:solidFill>
-            <a:ln w="12700" cap="flat">
-              <a:noFill/>
-              <a:miter lim="400000"/>
-            </a:ln>
-            <a:effectLst/>
-          </p:spPr>
-          <p:txBody>
-            <a:bodyPr wrap="square" lIns="50800" tIns="50800" rIns="50800" bIns="50800" numCol="1" anchor="ctr">
-              <a:noAutofit/>
-            </a:bodyPr>
-            <a:lstStyle/>
-            <a:p>
-              <a:pPr defTabSz="825500">
-                <a:defRPr sz="3200">
-                  <a:solidFill>
-                    <a:srgbClr val="FFFFFF"/>
-                  </a:solidFill>
-                  <a:latin typeface="Helvetica Neue Medium"/>
-                  <a:ea typeface="Helvetica Neue Medium"/>
-                  <a:cs typeface="Helvetica Neue Medium"/>
-                  <a:sym typeface="Helvetica Neue Medium"/>
-                </a:defRPr>
-              </a:pPr>
-            </a:p>
-          </p:txBody>
-        </p:sp>
-        <p:sp>
-          <p:nvSpPr>
-            <p:cNvPr id="204" name="Arrow"/>
-            <p:cNvSpPr/>
-            <p:nvPr/>
-          </p:nvSpPr>
-          <p:spPr>
-            <a:xfrm rot="16200000">
-              <a:off x="6707780" y="4633459"/>
-              <a:ext cx="9258952" cy="545509"/>
-            </a:xfrm>
-            <a:prstGeom prst="rightArrow">
-              <a:avLst>
-                <a:gd name="adj1" fmla="val 35623"/>
-                <a:gd name="adj2" fmla="val 0"/>
-              </a:avLst>
-            </a:prstGeom>
-            <a:solidFill>
-              <a:srgbClr val="000000"/>
-            </a:solidFill>
-            <a:ln w="12700" cap="flat">
-              <a:noFill/>
-              <a:miter lim="400000"/>
-            </a:ln>
-            <a:effectLst/>
-          </p:spPr>
-          <p:txBody>
-            <a:bodyPr wrap="square" lIns="50800" tIns="50800" rIns="50800" bIns="50800" numCol="1" anchor="ctr">
-              <a:noAutofit/>
-            </a:bodyPr>
-            <a:lstStyle/>
-            <a:p>
-              <a:pPr defTabSz="825500">
-                <a:defRPr sz="3200">
-                  <a:solidFill>
-                    <a:srgbClr val="FFFFFF"/>
-                  </a:solidFill>
-                  <a:latin typeface="Helvetica Neue Medium"/>
-                  <a:ea typeface="Helvetica Neue Medium"/>
-                  <a:cs typeface="Helvetica Neue Medium"/>
-                  <a:sym typeface="Helvetica Neue Medium"/>
-                </a:defRPr>
-              </a:pPr>
-            </a:p>
-          </p:txBody>
-        </p:sp>
-        <p:sp>
-          <p:nvSpPr>
-            <p:cNvPr id="205" name="Arrow"/>
-            <p:cNvSpPr/>
-            <p:nvPr/>
-          </p:nvSpPr>
-          <p:spPr>
-            <a:xfrm>
-              <a:off x="11243471" y="0"/>
-              <a:ext cx="7246802" cy="545508"/>
-            </a:xfrm>
-            <a:prstGeom prst="rightArrow">
-              <a:avLst>
-                <a:gd name="adj1" fmla="val 35623"/>
-                <a:gd name="adj2" fmla="val 0"/>
-              </a:avLst>
-            </a:prstGeom>
-            <a:solidFill>
-              <a:srgbClr val="000000"/>
-            </a:solidFill>
-            <a:ln w="12700" cap="flat">
-              <a:noFill/>
-              <a:miter lim="400000"/>
-            </a:ln>
-            <a:effectLst/>
-          </p:spPr>
-          <p:txBody>
-            <a:bodyPr wrap="square" lIns="50800" tIns="50800" rIns="50800" bIns="50800" numCol="1" anchor="ctr">
-              <a:noAutofit/>
-            </a:bodyPr>
-            <a:lstStyle/>
-            <a:p>
-              <a:pPr defTabSz="825500">
-                <a:defRPr sz="3200">
-                  <a:solidFill>
-                    <a:srgbClr val="FFFFFF"/>
-                  </a:solidFill>
-                  <a:latin typeface="Helvetica Neue Medium"/>
-                  <a:ea typeface="Helvetica Neue Medium"/>
-                  <a:cs typeface="Helvetica Neue Medium"/>
-                  <a:sym typeface="Helvetica Neue Medium"/>
-                </a:defRPr>
-              </a:pPr>
-            </a:p>
-          </p:txBody>
-        </p:sp>
-      </p:grpSp>
     </p:spTree>
   </p:cSld>
   <p:clrMapOvr>
@@ -12351,14 +10424,50 @@
       </p:grpSpPr>
       <p:sp>
         <p:nvSpPr>
-          <p:cNvPr id="208" name="Examples of commands:…"/>
+          <p:cNvPr id="193" name="Z-curve"/>
+          <p:cNvSpPr txBox="1"/>
+          <p:nvPr>
+            <p:ph type="title"/>
+          </p:nvPr>
+        </p:nvSpPr>
+        <p:spPr>
+          <a:xfrm>
+            <a:off x="1206500" y="1079500"/>
+            <a:ext cx="9779000" cy="1435100"/>
+          </a:xfrm>
+          <a:prstGeom prst="rect">
+            <a:avLst/>
+          </a:prstGeom>
+        </p:spPr>
+        <p:txBody>
+          <a:bodyPr/>
+          <a:lstStyle>
+            <a:lvl1pPr>
+              <a:defRPr spc="-200">
+                <a:solidFill>
+                  <a:srgbClr val="F27100"/>
+                </a:solidFill>
+              </a:defRPr>
+            </a:lvl1pPr>
+          </a:lstStyle>
+          <a:p>
+            <a:pPr/>
+            <a:r>
+              <a:t>Z-curve</a:t>
+            </a:r>
+          </a:p>
+        </p:txBody>
+      </p:sp>
+      <p:sp>
+        <p:nvSpPr>
+          <p:cNvPr id="194" name="Examples of commands:…"/>
           <p:cNvSpPr txBox="1"/>
           <p:nvPr/>
         </p:nvSpPr>
         <p:spPr>
           <a:xfrm>
-            <a:off x="1361740" y="3649411"/>
-            <a:ext cx="15475307" cy="4512666"/>
+            <a:off x="1361740" y="3649410"/>
+            <a:ext cx="15475306" cy="4512667"/>
           </a:xfrm>
           <a:prstGeom prst="rect">
             <a:avLst/>
@@ -12419,43 +10528,39 @@
           </a:p>
           <a:p>
             <a:pPr algn="just">
-              <a:defRPr>
+              <a:defRPr i="1">
                 <a:solidFill>
                   <a:srgbClr val="000000"/>
                 </a:solidFill>
               </a:defRPr>
             </a:pPr>
-            <a:endParaRPr i="1"/>
           </a:p>
           <a:p>
             <a:pPr algn="just">
-              <a:defRPr>
+              <a:defRPr i="1">
                 <a:solidFill>
                   <a:srgbClr val="000000"/>
                 </a:solidFill>
               </a:defRPr>
             </a:pPr>
-            <a:endParaRPr i="1"/>
           </a:p>
           <a:p>
             <a:pPr algn="just">
-              <a:defRPr>
+              <a:defRPr i="1">
                 <a:solidFill>
                   <a:srgbClr val="000000"/>
                 </a:solidFill>
               </a:defRPr>
             </a:pPr>
-            <a:endParaRPr i="1"/>
           </a:p>
           <a:p>
             <a:pPr algn="just">
-              <a:defRPr>
+              <a:defRPr i="1">
                 <a:solidFill>
                   <a:srgbClr val="000000"/>
                 </a:solidFill>
               </a:defRPr>
             </a:pPr>
-            <a:endParaRPr i="1"/>
           </a:p>
           <a:p>
             <a:pPr algn="just">
@@ -12511,13 +10616,12 @@
           </a:p>
           <a:p>
             <a:pPr algn="just">
-              <a:defRPr>
+              <a:defRPr i="1">
                 <a:solidFill>
                   <a:srgbClr val="000000"/>
                 </a:solidFill>
               </a:defRPr>
             </a:pPr>
-            <a:endParaRPr i="1"/>
           </a:p>
           <a:p>
             <a:pPr algn="just">
@@ -12546,14 +10650,14 @@
       </p:sp>
       <p:sp>
         <p:nvSpPr>
-          <p:cNvPr id="209" name="Examples from the command line"/>
+          <p:cNvPr id="195" name="plotZcurve.py - example"/>
           <p:cNvSpPr txBox="1"/>
           <p:nvPr/>
         </p:nvSpPr>
         <p:spPr>
           <a:xfrm>
             <a:off x="1206500" y="2372962"/>
-            <a:ext cx="20385942" cy="934780"/>
+            <a:ext cx="20385942" cy="934778"/>
           </a:xfrm>
           <a:prstGeom prst="rect">
             <a:avLst/>
@@ -12568,7 +10672,7 @@
           </a:extLst>
         </p:spPr>
         <p:txBody>
-          <a:bodyPr lIns="45719" rIns="45719">
+          <a:bodyPr lIns="45718" tIns="45718" rIns="45718" bIns="45718">
             <a:normAutofit fontScale="100000" lnSpcReduction="0"/>
           </a:bodyPr>
           <a:lstStyle>
@@ -12583,14 +10687,14 @@
           <a:p>
             <a:pPr/>
             <a:r>
-              <a:t>Examples from the command line</a:t>
+              <a:t>plotZcurve.py - example</a:t>
             </a:r>
           </a:p>
         </p:txBody>
       </p:sp>
       <p:pic>
         <p:nvPicPr>
-          <p:cNvPr id="210" name="Screenshot 2022-03-15 at 12.40.52.png" descr="Screenshot 2022-03-15 at 12.40.52.png"/>
+          <p:cNvPr id="196" name="Screenshot 2022-03-15 at 12.40.52.png" descr="Screenshot 2022-03-15 at 12.40.52.png"/>
           <p:cNvPicPr>
             <a:picLocks noChangeAspect="1"/>
           </p:cNvPicPr>
@@ -12607,7 +10711,7 @@
         <p:spPr>
           <a:xfrm>
             <a:off x="1509048" y="5024456"/>
-            <a:ext cx="9173904" cy="1134917"/>
+            <a:ext cx="9173905" cy="1134918"/>
           </a:xfrm>
           <a:prstGeom prst="rect">
             <a:avLst/>
@@ -12617,45 +10721,6 @@
           </a:ln>
         </p:spPr>
       </p:pic>
-      <p:sp>
-        <p:nvSpPr>
-          <p:cNvPr id="211" name="plotZcurve"/>
-          <p:cNvSpPr txBox="1"/>
-          <p:nvPr>
-            <p:ph type="title"/>
-          </p:nvPr>
-        </p:nvSpPr>
-        <p:spPr>
-          <a:xfrm>
-            <a:off x="1206500" y="1079500"/>
-            <a:ext cx="9779000" cy="1435100"/>
-          </a:xfrm>
-          <a:prstGeom prst="rect">
-            <a:avLst/>
-          </a:prstGeom>
-        </p:spPr>
-        <p:txBody>
-          <a:bodyPr/>
-          <a:lstStyle>
-            <a:lvl1pPr>
-              <a:defRPr>
-                <a:solidFill>
-                  <a:schemeClr val="accent4">
-                    <a:hueOff val="-1247790"/>
-                    <a:lumOff val="-12326"/>
-                  </a:schemeClr>
-                </a:solidFill>
-              </a:defRPr>
-            </a:lvl1pPr>
-          </a:lstStyle>
-          <a:p>
-            <a:pPr/>
-            <a:r>
-              <a:t>plotZcurve</a:t>
-            </a:r>
-          </a:p>
-        </p:txBody>
-      </p:sp>
     </p:spTree>
   </p:cSld>
   <p:clrMapOvr>
@@ -12684,302 +10749,7 @@
       </p:grpSpPr>
       <p:sp>
         <p:nvSpPr>
-          <p:cNvPr id="213" name="Example of plots"/>
-          <p:cNvSpPr txBox="1"/>
-          <p:nvPr/>
-        </p:nvSpPr>
-        <p:spPr>
-          <a:xfrm>
-            <a:off x="1206500" y="2372962"/>
-            <a:ext cx="20385942" cy="934780"/>
-          </a:xfrm>
-          <a:prstGeom prst="rect">
-            <a:avLst/>
-          </a:prstGeom>
-          <a:ln w="12700">
-            <a:miter lim="400000"/>
-          </a:ln>
-          <a:extLst>
-            <a:ext uri="{C572A759-6A51-4108-AA02-DFA0A04FC94B}">
-              <ma14:wrappingTextBoxFlag xmlns:ma14="http://schemas.microsoft.com/office/mac/drawingml/2011/main" val="1"/>
-            </a:ext>
-          </a:extLst>
-        </p:spPr>
-        <p:txBody>
-          <a:bodyPr lIns="45719" rIns="45719">
-            <a:normAutofit fontScale="100000" lnSpcReduction="0"/>
-          </a:bodyPr>
-          <a:lstStyle>
-            <a:lvl1pPr algn="l" defTabSz="825500">
-              <a:defRPr b="1" sz="5500">
-                <a:solidFill>
-                  <a:srgbClr val="000000"/>
-                </a:solidFill>
-              </a:defRPr>
-            </a:lvl1pPr>
-          </a:lstStyle>
-          <a:p>
-            <a:pPr/>
-            <a:r>
-              <a:t>Example of plots</a:t>
-            </a:r>
-          </a:p>
-        </p:txBody>
-      </p:sp>
-      <p:grpSp>
-        <p:nvGrpSpPr>
-          <p:cNvPr id="218" name="Group"/>
-          <p:cNvGrpSpPr/>
-          <p:nvPr/>
-        </p:nvGrpSpPr>
-        <p:grpSpPr>
-          <a:xfrm>
-            <a:off x="5050044" y="557749"/>
-            <a:ext cx="19270137" cy="13075798"/>
-            <a:chOff x="0" y="0"/>
-            <a:chExt cx="19270135" cy="13075796"/>
-          </a:xfrm>
-        </p:grpSpPr>
-        <p:pic>
-          <p:nvPicPr>
-            <p:cNvPr id="214" name="ecoli_genome.png" descr="ecoli_genome.png"/>
-            <p:cNvPicPr>
-              <a:picLocks noChangeAspect="1"/>
-            </p:cNvPicPr>
-            <p:nvPr/>
-          </p:nvPicPr>
-          <p:blipFill>
-            <a:blip r:embed="rId2">
-              <a:extLst/>
-            </a:blip>
-            <a:stretch>
-              <a:fillRect/>
-            </a:stretch>
-          </p:blipFill>
-          <p:spPr>
-            <a:xfrm>
-              <a:off x="0" y="363377"/>
-              <a:ext cx="11417678" cy="5708839"/>
-            </a:xfrm>
-            <a:prstGeom prst="rect">
-              <a:avLst/>
-            </a:prstGeom>
-            <a:ln w="12700" cap="flat">
-              <a:noFill/>
-              <a:miter lim="400000"/>
-            </a:ln>
-            <a:effectLst/>
-          </p:spPr>
-        </p:pic>
-        <p:pic>
-          <p:nvPicPr>
-            <p:cNvPr id="215" name="zika.png" descr="zika.png"/>
-            <p:cNvPicPr>
-              <a:picLocks noChangeAspect="1"/>
-            </p:cNvPicPr>
-            <p:nvPr/>
-          </p:nvPicPr>
-          <p:blipFill>
-            <a:blip r:embed="rId3">
-              <a:extLst/>
-            </a:blip>
-            <a:stretch>
-              <a:fillRect/>
-            </a:stretch>
-          </p:blipFill>
-          <p:spPr>
-            <a:xfrm>
-              <a:off x="0" y="6727414"/>
-              <a:ext cx="11417678" cy="5708839"/>
-            </a:xfrm>
-            <a:prstGeom prst="rect">
-              <a:avLst/>
-            </a:prstGeom>
-            <a:ln w="12700" cap="flat">
-              <a:noFill/>
-              <a:miter lim="400000"/>
-            </a:ln>
-            <a:effectLst/>
-          </p:spPr>
-        </p:pic>
-        <p:pic>
-          <p:nvPicPr>
-            <p:cNvPr id="216" name="ecoli_genome_WS.png" descr="ecoli_genome_WS.png"/>
-            <p:cNvPicPr>
-              <a:picLocks noChangeAspect="1"/>
-            </p:cNvPicPr>
-            <p:nvPr/>
-          </p:nvPicPr>
-          <p:blipFill>
-            <a:blip r:embed="rId4">
-              <a:extLst/>
-            </a:blip>
-            <a:stretch>
-              <a:fillRect/>
-            </a:stretch>
-          </p:blipFill>
-          <p:spPr>
-            <a:xfrm>
-              <a:off x="12834541" y="0"/>
-              <a:ext cx="6435595" cy="6435594"/>
-            </a:xfrm>
-            <a:prstGeom prst="rect">
-              <a:avLst/>
-            </a:prstGeom>
-            <a:ln w="12700" cap="flat">
-              <a:noFill/>
-              <a:miter lim="400000"/>
-            </a:ln>
-            <a:effectLst/>
-          </p:spPr>
-        </p:pic>
-        <p:pic>
-          <p:nvPicPr>
-            <p:cNvPr id="217" name="zika_genome_WS.png" descr="zika_genome_WS.png"/>
-            <p:cNvPicPr>
-              <a:picLocks noChangeAspect="1"/>
-            </p:cNvPicPr>
-            <p:nvPr/>
-          </p:nvPicPr>
-          <p:blipFill>
-            <a:blip r:embed="rId5">
-              <a:extLst/>
-            </a:blip>
-            <a:stretch>
-              <a:fillRect/>
-            </a:stretch>
-          </p:blipFill>
-          <p:spPr>
-            <a:xfrm>
-              <a:off x="12878146" y="6727414"/>
-              <a:ext cx="6348384" cy="6348383"/>
-            </a:xfrm>
-            <a:prstGeom prst="rect">
-              <a:avLst/>
-            </a:prstGeom>
-            <a:ln w="12700" cap="flat">
-              <a:noFill/>
-              <a:miter lim="400000"/>
-            </a:ln>
-            <a:effectLst/>
-          </p:spPr>
-        </p:pic>
-      </p:grpSp>
-      <p:sp>
-        <p:nvSpPr>
-          <p:cNvPr id="219" name="On the top row, the generated Z-curve and W/S plots for E. coli are shown. The bottom row is displaying the results for the Zika virus genome.…"/>
-          <p:cNvSpPr txBox="1"/>
-          <p:nvPr/>
-        </p:nvSpPr>
-        <p:spPr>
-          <a:xfrm>
-            <a:off x="1171982" y="4208779"/>
-            <a:ext cx="6846924" cy="6354167"/>
-          </a:xfrm>
-          <a:prstGeom prst="rect">
-            <a:avLst/>
-          </a:prstGeom>
-          <a:ln w="12700">
-            <a:miter lim="400000"/>
-          </a:ln>
-          <a:extLst>
-            <a:ext uri="{C572A759-6A51-4108-AA02-DFA0A04FC94B}">
-              <ma14:wrappingTextBoxFlag xmlns:ma14="http://schemas.microsoft.com/office/mac/drawingml/2011/main" val="1"/>
-            </a:ext>
-          </a:extLst>
-        </p:spPr>
-        <p:txBody>
-          <a:bodyPr lIns="50800" tIns="50800" rIns="50800" bIns="50800" anchor="ctr">
-            <a:spAutoFit/>
-          </a:bodyPr>
-          <a:lstStyle/>
-          <a:p>
-            <a:pPr algn="just">
-              <a:defRPr>
-                <a:solidFill>
-                  <a:srgbClr val="000000"/>
-                </a:solidFill>
-              </a:defRPr>
-            </a:pPr>
-            <a:r>
-              <a:t>On the top row, the generated Z-curve and W/S plots for </a:t>
-            </a:r>
-            <a:r>
-              <a:rPr i="1"/>
-              <a:t>E. coli</a:t>
-            </a:r>
-            <a:r>
-              <a:t> are shown. The bottom row is displaying the results for the Zika virus genome. </a:t>
-            </a:r>
-          </a:p>
-          <a:p>
-            <a:pPr algn="just">
-              <a:defRPr>
-                <a:solidFill>
-                  <a:srgbClr val="000000"/>
-                </a:solidFill>
-              </a:defRPr>
-            </a:pPr>
-          </a:p>
-          <a:p>
-            <a:pPr algn="just">
-              <a:defRPr>
-                <a:solidFill>
-                  <a:srgbClr val="000000"/>
-                </a:solidFill>
-              </a:defRPr>
-            </a:pPr>
-            <a:r>
-              <a:t>In the Z-curve plot (top and bottom left), the sequence length is used as a legend, so we can follow the direction of the sequence in the plot. </a:t>
-            </a:r>
-          </a:p>
-          <a:p>
-            <a:pPr algn="just">
-              <a:defRPr>
-                <a:solidFill>
-                  <a:srgbClr val="000000"/>
-                </a:solidFill>
-              </a:defRPr>
-            </a:pPr>
-          </a:p>
-          <a:p>
-            <a:pPr algn="just">
-              <a:defRPr>
-                <a:solidFill>
-                  <a:srgbClr val="000000"/>
-                </a:solidFill>
-              </a:defRPr>
-            </a:pPr>
-            <a:r>
-              <a:t>In the W/S plots (top and bottom right), the lines are colored based on the W/S coordinates values along the sequence length. </a:t>
-            </a:r>
-          </a:p>
-          <a:p>
-            <a:pPr algn="just">
-              <a:defRPr>
-                <a:solidFill>
-                  <a:srgbClr val="000000"/>
-                </a:solidFill>
-              </a:defRPr>
-            </a:pPr>
-          </a:p>
-          <a:p>
-            <a:pPr algn="just">
-              <a:defRPr>
-                <a:solidFill>
-                  <a:srgbClr val="000000"/>
-                </a:solidFill>
-              </a:defRPr>
-            </a:pPr>
-            <a:r>
-              <a:t>While the Z-curve shows the overall trends in the three disparities, the W/S plot focuses on the AT/GC disparity, since the user may be interested in if and how the GC content changes throughout the sequence. </a:t>
-            </a:r>
-          </a:p>
-        </p:txBody>
-      </p:sp>
-      <p:sp>
-        <p:nvSpPr>
-          <p:cNvPr id="220" name="plotZcurve"/>
+          <p:cNvPr id="198" name="Z-curve"/>
           <p:cNvSpPr txBox="1"/>
           <p:nvPr>
             <p:ph type="title"/>
@@ -12998,12 +10768,9 @@
           <a:bodyPr/>
           <a:lstStyle>
             <a:lvl1pPr>
-              <a:defRPr>
+              <a:defRPr spc="-200">
                 <a:solidFill>
-                  <a:schemeClr val="accent4">
-                    <a:hueOff val="-1247790"/>
-                    <a:lumOff val="-12326"/>
-                  </a:schemeClr>
+                  <a:srgbClr val="F27100"/>
                 </a:solidFill>
               </a:defRPr>
             </a:lvl1pPr>
@@ -13011,47 +10778,21 @@
           <a:p>
             <a:pPr/>
             <a:r>
-              <a:t>plotZcurve</a:t>
+              <a:t>Z-curve</a:t>
             </a:r>
           </a:p>
         </p:txBody>
       </p:sp>
-    </p:spTree>
-  </p:cSld>
-  <p:clrMapOvr>
-    <a:masterClrMapping/>
-  </p:clrMapOvr>
-  <p:transition xmlns:p14="http://schemas.microsoft.com/office/powerpoint/2010/main" spd="med" advClick="1"/>
-</p:sld>
-</file>
-
-<file path=ppt/slides/slide7.xml><?xml version="1.0" encoding="utf-8"?>
-<p:sld xmlns:a="http://schemas.openxmlformats.org/drawingml/2006/main" xmlns:r="http://schemas.openxmlformats.org/officeDocument/2006/relationships" xmlns:p="http://schemas.openxmlformats.org/presentationml/2006/main" xmlns:m="http://schemas.openxmlformats.org/officeDocument/2006/math" xmlns:a14="http://schemas.microsoft.com/office/drawing/2010/main" showMasterSp="1" showMasterPhAnim="1">
-  <p:cSld>
-    <p:spTree>
-      <p:nvGrpSpPr>
-        <p:cNvPr id="1" name=""/>
-        <p:cNvGrpSpPr/>
-        <p:nvPr/>
-      </p:nvGrpSpPr>
-      <p:grpSpPr>
-        <a:xfrm>
-          <a:off x="0" y="0"/>
-          <a:ext cx="0" cy="0"/>
-          <a:chOff x="0" y="0"/>
-          <a:chExt cx="0" cy="0"/>
-        </a:xfrm>
-      </p:grpSpPr>
       <p:sp>
         <p:nvSpPr>
-          <p:cNvPr id="222" name="Flask web interface"/>
+          <p:cNvPr id="199" name="Flask web interface"/>
           <p:cNvSpPr txBox="1"/>
           <p:nvPr/>
         </p:nvSpPr>
         <p:spPr>
           <a:xfrm>
             <a:off x="1206500" y="2372962"/>
-            <a:ext cx="9779000" cy="934780"/>
+            <a:ext cx="9779000" cy="934778"/>
           </a:xfrm>
           <a:prstGeom prst="rect">
             <a:avLst/>
@@ -13066,7 +10807,7 @@
           </a:extLst>
         </p:spPr>
         <p:txBody>
-          <a:bodyPr lIns="45719" rIns="45719">
+          <a:bodyPr lIns="45718" tIns="45718" rIns="45718" bIns="45718">
             <a:normAutofit fontScale="100000" lnSpcReduction="0"/>
           </a:bodyPr>
           <a:lstStyle>
@@ -13086,16 +10827,94 @@
           </a:p>
         </p:txBody>
       </p:sp>
+      <p:grpSp>
+        <p:nvGrpSpPr>
+          <p:cNvPr id="202" name="Group"/>
+          <p:cNvGrpSpPr/>
+          <p:nvPr/>
+        </p:nvGrpSpPr>
+        <p:grpSpPr>
+          <a:xfrm>
+            <a:off x="679961" y="4487178"/>
+            <a:ext cx="22318496" cy="8957887"/>
+            <a:chOff x="0" y="0"/>
+            <a:chExt cx="22318494" cy="8957886"/>
+          </a:xfrm>
+        </p:grpSpPr>
+        <p:pic>
+          <p:nvPicPr>
+            <p:cNvPr id="200" name="image1.png" descr="image1.png"/>
+            <p:cNvPicPr>
+              <a:picLocks noChangeAspect="1"/>
+            </p:cNvPicPr>
+            <p:nvPr/>
+          </p:nvPicPr>
+          <p:blipFill>
+            <a:blip r:embed="rId2">
+              <a:extLst/>
+            </a:blip>
+            <a:stretch>
+              <a:fillRect/>
+            </a:stretch>
+          </p:blipFill>
+          <p:spPr>
+            <a:xfrm>
+              <a:off x="-1" y="-1"/>
+              <a:ext cx="13208003" cy="8851902"/>
+            </a:xfrm>
+            <a:prstGeom prst="rect">
+              <a:avLst/>
+            </a:prstGeom>
+            <a:ln w="12700" cap="flat">
+              <a:noFill/>
+              <a:miter lim="400000"/>
+            </a:ln>
+            <a:effectLst/>
+          </p:spPr>
+        </p:pic>
+        <p:pic>
+          <p:nvPicPr>
+            <p:cNvPr id="201" name="image2.png" descr="image2.png"/>
+            <p:cNvPicPr>
+              <a:picLocks noChangeAspect="1"/>
+            </p:cNvPicPr>
+            <p:nvPr/>
+          </p:nvPicPr>
+          <p:blipFill>
+            <a:blip r:embed="rId3">
+              <a:extLst/>
+            </a:blip>
+            <a:srcRect l="0" t="49235" r="0" b="0"/>
+            <a:stretch>
+              <a:fillRect/>
+            </a:stretch>
+          </p:blipFill>
+          <p:spPr>
+            <a:xfrm>
+              <a:off x="11167891" y="2813828"/>
+              <a:ext cx="11150604" cy="6144059"/>
+            </a:xfrm>
+            <a:prstGeom prst="rect">
+              <a:avLst/>
+            </a:prstGeom>
+            <a:ln w="12700" cap="flat">
+              <a:noFill/>
+              <a:miter lim="400000"/>
+            </a:ln>
+            <a:effectLst/>
+          </p:spPr>
+        </p:pic>
+      </p:grpSp>
       <p:sp>
         <p:nvSpPr>
-          <p:cNvPr id="223" name="Runs as: flask run (in the flask_interface directory)"/>
+          <p:cNvPr id="203" name="Runs as: flask run (in the flask_interface directory)"/>
           <p:cNvSpPr txBox="1"/>
           <p:nvPr/>
         </p:nvSpPr>
         <p:spPr>
           <a:xfrm>
-            <a:off x="1228909" y="3533945"/>
-            <a:ext cx="6865926" cy="461367"/>
+            <a:off x="1209933" y="3666776"/>
+            <a:ext cx="6865925" cy="461366"/>
           </a:xfrm>
           <a:prstGeom prst="rect">
             <a:avLst/>
@@ -13130,9 +10949,112 @@
           </a:p>
         </p:txBody>
       </p:sp>
+    </p:spTree>
+  </p:cSld>
+  <p:clrMapOvr>
+    <a:masterClrMapping/>
+  </p:clrMapOvr>
+  <p:transition xmlns:p14="http://schemas.microsoft.com/office/powerpoint/2010/main" spd="med" advClick="1"/>
+  <p:timing>
+    <p:tnLst>
+      <p:par>
+        <p:cTn id="1" nodeType="tmRoot" restart="never" dur="indefinite" fill="hold">
+          <p:childTnLst>
+            <p:seq concurrent="1" prevAc="none" nextAc="seek">
+              <p:cTn id="2" nodeType="mainSeq" dur="indefinite" fill="hold">
+                <p:childTnLst>
+                  <p:par>
+                    <p:cTn id="3" fill="hold">
+                      <p:stCondLst>
+                        <p:cond delay="indefinite"/>
+                      </p:stCondLst>
+                      <p:childTnLst>
+                        <p:par>
+                          <p:cTn id="4" fill="hold">
+                            <p:stCondLst>
+                              <p:cond delay="0"/>
+                            </p:stCondLst>
+                            <p:childTnLst>
+                              <p:par>
+                                <p:cTn id="5" presetClass="entr" nodeType="clickEffect" presetSubtype="0" presetID="1" grpId="1" fill="hold">
+                                  <p:stCondLst>
+                                    <p:cond delay="0"/>
+                                  </p:stCondLst>
+                                  <p:iterate type="el" backwards="0">
+                                    <p:tmAbs val="0"/>
+                                  </p:iterate>
+                                  <p:childTnLst>
+                                    <p:set>
+                                      <p:cBhvr>
+                                        <p:cTn id="6" fill="hold"/>
+                                        <p:tgtEl>
+                                          <p:spTgt spid="202"/>
+                                        </p:tgtEl>
+                                        <p:attrNameLst>
+                                          <p:attrName>style.visibility</p:attrName>
+                                        </p:attrNameLst>
+                                      </p:cBhvr>
+                                      <p:to>
+                                        <p:strVal val="visible"/>
+                                      </p:to>
+                                    </p:set>
+                                  </p:childTnLst>
+                                </p:cTn>
+                              </p:par>
+                            </p:childTnLst>
+                          </p:cTn>
+                        </p:par>
+                      </p:childTnLst>
+                    </p:cTn>
+                  </p:par>
+                </p:childTnLst>
+              </p:cTn>
+              <p:prevCondLst>
+                <p:cond evt="onPrev">
+                  <p:tgtEl>
+                    <p:sldTgt/>
+                  </p:tgtEl>
+                </p:cond>
+              </p:prevCondLst>
+              <p:nextCondLst>
+                <p:cond evt="onNext">
+                  <p:tgtEl>
+                    <p:sldTgt/>
+                  </p:tgtEl>
+                </p:cond>
+              </p:nextCondLst>
+            </p:seq>
+          </p:childTnLst>
+        </p:cTn>
+      </p:par>
+    </p:tnLst>
+    <p:bldLst>
+      <p:bldP build="whole" bldLvl="1" animBg="1" rev="0" advAuto="0" spid="202" grpId="1"/>
+    </p:bldLst>
+  </p:timing>
+</p:sld>
+</file>
+
+<file path=ppt/slides/slide7.xml><?xml version="1.0" encoding="utf-8"?>
+<p:sld xmlns:a="http://schemas.openxmlformats.org/drawingml/2006/main" xmlns:r="http://schemas.openxmlformats.org/officeDocument/2006/relationships" xmlns:p="http://schemas.openxmlformats.org/presentationml/2006/main" xmlns:m="http://schemas.openxmlformats.org/officeDocument/2006/math" xmlns:a14="http://schemas.microsoft.com/office/drawing/2010/main" showMasterSp="1" showMasterPhAnim="1">
+  <p:cSld>
+    <p:spTree>
+      <p:nvGrpSpPr>
+        <p:cNvPr id="1" name=""/>
+        <p:cNvGrpSpPr/>
+        <p:nvPr/>
+      </p:nvGrpSpPr>
+      <p:grpSpPr>
+        <a:xfrm>
+          <a:off x="0" y="0"/>
+          <a:ext cx="0" cy="0"/>
+          <a:chOff x="0" y="0"/>
+          <a:chExt cx="0" cy="0"/>
+        </a:xfrm>
+      </p:grpSpPr>
       <p:sp>
         <p:nvSpPr>
-          <p:cNvPr id="224" name="plotZcurve"/>
+          <p:cNvPr id="205" name="Z-curve"/>
           <p:cNvSpPr txBox="1"/>
           <p:nvPr>
             <p:ph type="title"/>
@@ -13151,12 +11073,9 @@
           <a:bodyPr/>
           <a:lstStyle>
             <a:lvl1pPr>
-              <a:defRPr>
+              <a:defRPr spc="-200">
                 <a:solidFill>
-                  <a:schemeClr val="accent4">
-                    <a:hueOff val="-1247790"/>
-                    <a:lumOff val="-12326"/>
-                  </a:schemeClr>
+                  <a:srgbClr val="F27100"/>
                 </a:solidFill>
               </a:defRPr>
             </a:lvl1pPr>
@@ -13164,90 +11083,35 @@
           <a:p>
             <a:pPr/>
             <a:r>
-              <a:t>plotZcurve</a:t>
+              <a:t>Z-curve</a:t>
             </a:r>
           </a:p>
         </p:txBody>
       </p:sp>
-      <p:pic>
-        <p:nvPicPr>
-          <p:cNvPr id="225" name="flask_example.png" descr="flask_example.png"/>
-          <p:cNvPicPr>
-            <a:picLocks noChangeAspect="1"/>
-          </p:cNvPicPr>
-          <p:nvPr/>
-        </p:nvPicPr>
-        <p:blipFill>
-          <a:blip r:embed="rId2">
-            <a:extLst/>
-          </a:blip>
-          <a:stretch>
-            <a:fillRect/>
-          </a:stretch>
-        </p:blipFill>
-        <p:spPr>
-          <a:xfrm>
-            <a:off x="2922727" y="3995511"/>
-            <a:ext cx="18538546" cy="9679895"/>
-          </a:xfrm>
-          <a:prstGeom prst="rect">
-            <a:avLst/>
-          </a:prstGeom>
-          <a:ln w="12700">
-            <a:miter lim="400000"/>
-          </a:ln>
-        </p:spPr>
-      </p:pic>
-    </p:spTree>
-  </p:cSld>
-  <p:clrMapOvr>
-    <a:masterClrMapping/>
-  </p:clrMapOvr>
-  <p:transition xmlns:p14="http://schemas.microsoft.com/office/powerpoint/2010/main" spd="med" advClick="1"/>
-</p:sld>
-</file>
-
-<file path=ppt/slides/slide8.xml><?xml version="1.0" encoding="utf-8"?>
-<p:sld xmlns:a="http://schemas.openxmlformats.org/drawingml/2006/main" xmlns:r="http://schemas.openxmlformats.org/officeDocument/2006/relationships" xmlns:p="http://schemas.openxmlformats.org/presentationml/2006/main" xmlns:m="http://schemas.openxmlformats.org/officeDocument/2006/math" xmlns:a14="http://schemas.microsoft.com/office/drawing/2010/main" showMasterSp="1" showMasterPhAnim="1">
-  <p:cSld>
-    <p:spTree>
-      <p:nvGrpSpPr>
-        <p:cNvPr id="1" name=""/>
-        <p:cNvGrpSpPr/>
-        <p:nvPr/>
-      </p:nvGrpSpPr>
-      <p:grpSpPr>
-        <a:xfrm>
-          <a:off x="0" y="0"/>
-          <a:ext cx="0" cy="0"/>
-          <a:chOff x="0" y="0"/>
-          <a:chExt cx="0" cy="0"/>
-        </a:xfrm>
-      </p:grpSpPr>
       <p:grpSp>
         <p:nvGrpSpPr>
-          <p:cNvPr id="229" name="Group"/>
+          <p:cNvPr id="208" name="Group"/>
           <p:cNvGrpSpPr/>
           <p:nvPr/>
         </p:nvGrpSpPr>
         <p:grpSpPr>
           <a:xfrm>
-            <a:off x="1447956" y="10650658"/>
-            <a:ext cx="17670943" cy="2179093"/>
-            <a:chOff x="0" y="0"/>
-            <a:chExt cx="17670941" cy="2179091"/>
+            <a:off x="1447954" y="10904657"/>
+            <a:ext cx="17670948" cy="2179093"/>
+            <a:chOff x="-1" y="0"/>
+            <a:chExt cx="17670946" cy="2179091"/>
           </a:xfrm>
         </p:grpSpPr>
         <p:sp>
           <p:nvSpPr>
-            <p:cNvPr id="227" name="This novel software is a useful tool to study the chemical properties of genome (or sequences), to compare organisms and/or individuals and to get an overall idea of the genome sequence."/>
+            <p:cNvPr id="206" name="This novel software is a useful tool to study the chemical properties of genome (or sequences), to compare organisms and/or individuals and to get an overall idea of the genome sequence."/>
             <p:cNvSpPr txBox="1"/>
             <p:nvPr/>
           </p:nvSpPr>
           <p:spPr>
             <a:xfrm>
-              <a:off x="0" y="1123670"/>
-              <a:ext cx="17670942" cy="1055422"/>
+              <a:off x="-2" y="1123671"/>
+              <a:ext cx="17670948" cy="1055421"/>
             </a:xfrm>
             <a:prstGeom prst="rect">
               <a:avLst/>
@@ -13287,14 +11151,14 @@
         </p:sp>
         <p:sp>
           <p:nvSpPr>
-            <p:cNvPr id="228" name="Conclusions"/>
+            <p:cNvPr id="207" name="Conclusions"/>
             <p:cNvSpPr txBox="1"/>
             <p:nvPr/>
           </p:nvSpPr>
           <p:spPr>
             <a:xfrm>
-              <a:off x="0" y="0"/>
-              <a:ext cx="13030745" cy="934779"/>
+              <a:off x="-1" y="-1"/>
+              <a:ext cx="13030748" cy="934780"/>
             </a:xfrm>
             <a:prstGeom prst="rect">
               <a:avLst/>
@@ -13312,7 +11176,7 @@
             </a:extLst>
           </p:spPr>
           <p:txBody>
-            <a:bodyPr wrap="square" lIns="45719" tIns="45719" rIns="45719" bIns="45719" numCol="1" anchor="t">
+            <a:bodyPr wrap="square" lIns="45718" tIns="45718" rIns="45718" bIns="45718" numCol="1" anchor="t">
               <a:normAutofit fontScale="100000" lnSpcReduction="0"/>
             </a:bodyPr>
             <a:lstStyle>
@@ -13335,28 +11199,28 @@
       </p:grpSp>
       <p:grpSp>
         <p:nvGrpSpPr>
-          <p:cNvPr id="232" name="Group"/>
+          <p:cNvPr id="211" name="Group"/>
           <p:cNvGrpSpPr/>
           <p:nvPr/>
         </p:nvGrpSpPr>
         <p:grpSpPr>
           <a:xfrm>
-            <a:off x="1447956" y="2750162"/>
-            <a:ext cx="21658479" cy="2412517"/>
+            <a:off x="1447954" y="3028209"/>
+            <a:ext cx="21658484" cy="1017772"/>
             <a:chOff x="0" y="0"/>
-            <a:chExt cx="21658477" cy="2412515"/>
+            <a:chExt cx="21658482" cy="1017771"/>
           </a:xfrm>
         </p:grpSpPr>
         <p:sp>
           <p:nvSpPr>
-            <p:cNvPr id="230" name="Novel software, not many options already available…"/>
+            <p:cNvPr id="209" name="Novel software, not many options already available…"/>
             <p:cNvSpPr/>
             <p:nvPr/>
           </p:nvSpPr>
           <p:spPr>
             <a:xfrm>
-              <a:off x="0" y="2412515"/>
-              <a:ext cx="21658478" cy="1"/>
+              <a:off x="0" y="1017771"/>
+              <a:ext cx="21658483" cy="1"/>
             </a:xfrm>
             <a:custGeom>
               <a:avLst/>
@@ -13413,7 +11277,7 @@
             </a:bodyPr>
             <a:lstStyle/>
             <a:p>
-              <a:pPr marL="740833" indent="-740833" algn="just">
+              <a:pPr marL="740832" indent="-740832" algn="just">
                 <a:buSzPct val="100000"/>
                 <a:buAutoNum type="arabicPeriod" startAt="1"/>
                 <a:defRPr sz="3200">
@@ -13427,7 +11291,7 @@
               </a:r>
             </a:p>
             <a:p>
-              <a:pPr marL="740833" indent="-740833" algn="just">
+              <a:pPr marL="740832" indent="-740832" algn="just">
                 <a:buSzPct val="100000"/>
                 <a:buAutoNum type="arabicPeriod" startAt="1"/>
                 <a:defRPr sz="3200">
@@ -13441,7 +11305,7 @@
               </a:r>
             </a:p>
             <a:p>
-              <a:pPr marL="740833" indent="-740833" algn="just">
+              <a:pPr marL="740832" indent="-740832" algn="just">
                 <a:buSzPct val="100000"/>
                 <a:buAutoNum type="arabicPeriod" startAt="1"/>
                 <a:defRPr sz="3200">
@@ -13455,7 +11319,7 @@
               </a:r>
             </a:p>
             <a:p>
-              <a:pPr marL="740833" indent="-740833" algn="just">
+              <a:pPr marL="740832" indent="-740832" algn="just">
                 <a:buSzPct val="100000"/>
                 <a:buAutoNum type="arabicPeriod" startAt="1"/>
                 <a:defRPr sz="3200">
@@ -13469,7 +11333,7 @@
               </a:r>
             </a:p>
             <a:p>
-              <a:pPr marL="740833" indent="-740833" algn="just">
+              <a:pPr marL="740832" indent="-740832" algn="just">
                 <a:buSzPct val="100000"/>
                 <a:buAutoNum type="arabicPeriod" startAt="1"/>
                 <a:defRPr sz="3200">
@@ -13483,7 +11347,7 @@
               </a:r>
             </a:p>
             <a:p>
-              <a:pPr marL="740833" indent="-740833" algn="just">
+              <a:pPr marL="740832" indent="-740832" algn="just">
                 <a:buSzPct val="100000"/>
                 <a:buAutoNum type="arabicPeriod" startAt="1"/>
                 <a:defRPr sz="3200">
@@ -13500,14 +11364,14 @@
         </p:sp>
         <p:sp>
           <p:nvSpPr>
-            <p:cNvPr id="231" name="Advantages"/>
+            <p:cNvPr id="210" name="Advantages"/>
             <p:cNvSpPr txBox="1"/>
             <p:nvPr/>
           </p:nvSpPr>
           <p:spPr>
             <a:xfrm>
               <a:off x="0" y="0"/>
-              <a:ext cx="13030745" cy="934779"/>
+              <a:ext cx="13030748" cy="934779"/>
             </a:xfrm>
             <a:prstGeom prst="rect">
               <a:avLst/>
@@ -13525,7 +11389,7 @@
             </a:extLst>
           </p:spPr>
           <p:txBody>
-            <a:bodyPr wrap="square" lIns="45719" tIns="45719" rIns="45719" bIns="45719" numCol="1" anchor="t">
+            <a:bodyPr wrap="square" lIns="45718" tIns="45718" rIns="45718" bIns="45718" numCol="1" anchor="t">
               <a:normAutofit fontScale="100000" lnSpcReduction="0"/>
             </a:bodyPr>
             <a:lstStyle>
@@ -13548,28 +11412,28 @@
       </p:grpSp>
       <p:grpSp>
         <p:nvGrpSpPr>
-          <p:cNvPr id="235" name="Group"/>
+          <p:cNvPr id="214" name="Group"/>
           <p:cNvGrpSpPr/>
           <p:nvPr/>
         </p:nvGrpSpPr>
         <p:grpSpPr>
           <a:xfrm>
-            <a:off x="1447956" y="7231936"/>
-            <a:ext cx="21658479" cy="1984465"/>
+            <a:off x="1447954" y="7485936"/>
+            <a:ext cx="21658484" cy="1046620"/>
             <a:chOff x="0" y="0"/>
-            <a:chExt cx="21658477" cy="1984463"/>
+            <a:chExt cx="21658482" cy="1046619"/>
           </a:xfrm>
         </p:grpSpPr>
         <p:sp>
           <p:nvSpPr>
-            <p:cNvPr id="233" name="Slower if bigger genomes are used as…"/>
+            <p:cNvPr id="212" name="Slower if bigger genomes are used as…"/>
             <p:cNvSpPr/>
             <p:nvPr/>
           </p:nvSpPr>
           <p:spPr>
             <a:xfrm>
-              <a:off x="0" y="1984463"/>
-              <a:ext cx="21658478" cy="1"/>
+              <a:off x="0" y="1046619"/>
+              <a:ext cx="21658483" cy="1"/>
             </a:xfrm>
             <a:custGeom>
               <a:avLst/>
@@ -13626,7 +11490,7 @@
             </a:bodyPr>
             <a:lstStyle/>
             <a:p>
-              <a:pPr marL="740833" indent="-740833" algn="just">
+              <a:pPr marL="740832" indent="-740832" algn="just">
                 <a:buSzPct val="100000"/>
                 <a:buAutoNum type="arabicPeriod" startAt="1"/>
                 <a:defRPr sz="3200">
@@ -13640,7 +11504,7 @@
               </a:r>
             </a:p>
             <a:p>
-              <a:pPr marL="740833" indent="-740833" algn="just">
+              <a:pPr marL="740832" indent="-740832" algn="just">
                 <a:buSzPct val="100000"/>
                 <a:buAutoNum type="arabicPeriod" startAt="1"/>
                 <a:defRPr sz="3200">
@@ -13654,7 +11518,7 @@
               </a:r>
             </a:p>
             <a:p>
-              <a:pPr marL="740833" indent="-740833" algn="just">
+              <a:pPr marL="740832" indent="-740832" algn="just">
                 <a:buSzPct val="100000"/>
                 <a:buAutoNum type="arabicPeriod" startAt="1"/>
                 <a:defRPr sz="3200">
@@ -13668,7 +11532,7 @@
               </a:r>
             </a:p>
             <a:p>
-              <a:pPr marL="740833" indent="-740833" algn="just">
+              <a:pPr marL="740832" indent="-740832" algn="just">
                 <a:buSzPct val="100000"/>
                 <a:buAutoNum type="arabicPeriod" startAt="1"/>
                 <a:defRPr sz="3200">
@@ -13685,14 +11549,14 @@
         </p:sp>
         <p:sp>
           <p:nvSpPr>
-            <p:cNvPr id="234" name="Limitations"/>
+            <p:cNvPr id="213" name="Limitations"/>
             <p:cNvSpPr txBox="1"/>
             <p:nvPr/>
           </p:nvSpPr>
           <p:spPr>
             <a:xfrm>
               <a:off x="0" y="0"/>
-              <a:ext cx="13030745" cy="934779"/>
+              <a:ext cx="13030748" cy="934779"/>
             </a:xfrm>
             <a:prstGeom prst="rect">
               <a:avLst/>
@@ -13710,7 +11574,7 @@
             </a:extLst>
           </p:spPr>
           <p:txBody>
-            <a:bodyPr wrap="square" lIns="45719" tIns="45719" rIns="45719" bIns="45719" numCol="1" anchor="t">
+            <a:bodyPr wrap="square" lIns="45718" tIns="45718" rIns="45718" bIns="45718" numCol="1" anchor="t">
               <a:normAutofit fontScale="100000" lnSpcReduction="0"/>
             </a:bodyPr>
             <a:lstStyle>
@@ -13731,45 +11595,6 @@
           </p:txBody>
         </p:sp>
       </p:grpSp>
-      <p:sp>
-        <p:nvSpPr>
-          <p:cNvPr id="236" name="plotZcurve"/>
-          <p:cNvSpPr txBox="1"/>
-          <p:nvPr>
-            <p:ph type="title"/>
-          </p:nvPr>
-        </p:nvSpPr>
-        <p:spPr>
-          <a:xfrm>
-            <a:off x="1206500" y="1079500"/>
-            <a:ext cx="9779000" cy="1435100"/>
-          </a:xfrm>
-          <a:prstGeom prst="rect">
-            <a:avLst/>
-          </a:prstGeom>
-        </p:spPr>
-        <p:txBody>
-          <a:bodyPr/>
-          <a:lstStyle>
-            <a:lvl1pPr>
-              <a:defRPr>
-                <a:solidFill>
-                  <a:schemeClr val="accent4">
-                    <a:hueOff val="-1247790"/>
-                    <a:lumOff val="-12326"/>
-                  </a:schemeClr>
-                </a:solidFill>
-              </a:defRPr>
-            </a:lvl1pPr>
-          </a:lstStyle>
-          <a:p>
-            <a:pPr/>
-            <a:r>
-              <a:t>plotZcurve</a:t>
-            </a:r>
-          </a:p>
-        </p:txBody>
-      </p:sp>
     </p:spTree>
   </p:cSld>
   <p:clrMapOvr>
@@ -13809,7 +11634,7 @@
                                       <p:cBhvr>
                                         <p:cTn id="6" fill="hold"/>
                                         <p:tgtEl>
-                                          <p:spTgt spid="235"/>
+                                          <p:spTgt spid="214"/>
                                         </p:tgtEl>
                                         <p:attrNameLst>
                                           <p:attrName>style.visibility</p:attrName>
@@ -13853,7 +11678,7 @@
                                       <p:cBhvr>
                                         <p:cTn id="10" fill="hold"/>
                                         <p:tgtEl>
-                                          <p:spTgt spid="229"/>
+                                          <p:spTgt spid="208"/>
                                         </p:tgtEl>
                                         <p:attrNameLst>
                                           <p:attrName>style.visibility</p:attrName>
@@ -13894,8 +11719,8 @@
       </p:par>
     </p:tnLst>
     <p:bldLst>
-      <p:bldP build="whole" bldLvl="1" animBg="1" rev="0" advAuto="0" spid="235" grpId="1"/>
-      <p:bldP build="whole" bldLvl="1" animBg="1" rev="0" advAuto="0" spid="229" grpId="2"/>
+      <p:bldP build="whole" bldLvl="1" animBg="1" rev="0" advAuto="0" spid="214" grpId="1"/>
+      <p:bldP build="whole" bldLvl="1" animBg="1" rev="0" advAuto="0" spid="208" grpId="2"/>
     </p:bldLst>
   </p:timing>
 </p:sld>
@@ -13912,10 +11737,10 @@
         <a:srgbClr val="FFFFFF"/>
       </a:lt1>
       <a:dk2>
-        <a:srgbClr val="5E5E5E"/>
+        <a:srgbClr val="A7A7A7"/>
       </a:dk2>
       <a:lt2>
-        <a:srgbClr val="D5D5D5"/>
+        <a:srgbClr val="535353"/>
       </a:lt2>
       <a:accent1>
         <a:srgbClr val="00A2FF"/>
@@ -13944,9 +11769,9 @@
     </a:clrScheme>
     <a:fontScheme name="21_BasicWhite">
       <a:majorFont>
-        <a:latin typeface="Helvetica Neue"/>
-        <a:ea typeface="Helvetica Neue"/>
-        <a:cs typeface="Helvetica Neue"/>
+        <a:latin typeface="Helvetica"/>
+        <a:ea typeface="Helvetica"/>
+        <a:cs typeface="Helvetica"/>
       </a:majorFont>
       <a:minorFont>
         <a:latin typeface="Helvetica Neue"/>
@@ -14092,11 +11917,14 @@
     <a:spDef>
       <a:spPr>
         <a:solidFill>
-          <a:srgbClr val="000000"/>
+          <a:srgbClr val="FFFFFF"/>
         </a:solidFill>
-        <a:ln w="12700" cap="flat">
-          <a:noFill/>
-          <a:miter lim="400000"/>
+        <a:ln w="25400" cap="flat">
+          <a:solidFill>
+            <a:schemeClr val="accent1"/>
+          </a:solidFill>
+          <a:prstDash val="solid"/>
+          <a:round/>
         </a:ln>
         <a:effectLst/>
         <a:sp3d/>
@@ -14105,7 +11933,7 @@
         <a:spAutoFit/>
       </a:bodyPr>
       <a:lstStyle>
-        <a:defPPr marL="0" marR="0" indent="0" algn="ctr" defTabSz="825500" rtl="0" fontAlgn="auto" latinLnBrk="0" hangingPunct="0">
+        <a:defPPr marL="0" marR="0" indent="0" algn="ctr" defTabSz="2438337" rtl="0" fontAlgn="auto" latinLnBrk="0" hangingPunct="0">
           <a:lnSpc>
             <a:spcPct val="100000"/>
           </a:lnSpc>
@@ -14120,19 +11948,19 @@
           <a:buFontTx/>
           <a:buNone/>
           <a:tabLst/>
-          <a:defRPr b="0" baseline="0" cap="none" i="0" spc="0" strike="noStrike" sz="3200" u="none" kumimoji="0" normalizeH="0">
+          <a:defRPr b="0" baseline="0" cap="none" i="0" spc="0" strike="noStrike" sz="2400" u="none" kumimoji="0" normalizeH="0">
             <a:ln>
               <a:noFill/>
             </a:ln>
             <a:solidFill>
-              <a:srgbClr val="FFFFFF"/>
+              <a:srgbClr val="5E5E5E"/>
             </a:solidFill>
             <a:effectLst/>
             <a:uFillTx/>
-            <a:latin typeface="Helvetica Neue Medium"/>
-            <a:ea typeface="Helvetica Neue Medium"/>
-            <a:cs typeface="Helvetica Neue Medium"/>
-            <a:sym typeface="Helvetica Neue Medium"/>
+            <a:latin typeface="+mn-lt"/>
+            <a:ea typeface="+mn-ea"/>
+            <a:cs typeface="+mn-cs"/>
+            <a:sym typeface="Helvetica Neue"/>
           </a:defRPr>
         </a:defPPr>
         <a:lvl1pPr marL="0" marR="0" indent="0" algn="l" defTabSz="914400" rtl="0" fontAlgn="auto" latinLnBrk="1" hangingPunct="0">
@@ -14382,10 +12210,10 @@
         <a:noFill/>
         <a:ln w="25400" cap="flat">
           <a:solidFill>
-            <a:srgbClr val="000000"/>
+            <a:schemeClr val="accent1"/>
           </a:solidFill>
           <a:prstDash val="solid"/>
-          <a:miter lim="400000"/>
+          <a:round/>
         </a:ln>
         <a:effectLst/>
         <a:sp3d/>
@@ -14676,7 +12504,7 @@
         <a:spAutoFit/>
       </a:bodyPr>
       <a:lstStyle>
-        <a:defPPr marL="0" marR="0" indent="0" algn="ctr" defTabSz="2438338" rtl="0" fontAlgn="auto" latinLnBrk="0" hangingPunct="0">
+        <a:defPPr marL="0" marR="0" indent="0" algn="ctr" defTabSz="2438337" rtl="0" fontAlgn="auto" latinLnBrk="0" hangingPunct="0">
           <a:lnSpc>
             <a:spcPct val="100000"/>
           </a:lnSpc>
@@ -14963,10 +12791,10 @@
         <a:srgbClr val="FFFFFF"/>
       </a:lt1>
       <a:dk2>
-        <a:srgbClr val="5E5E5E"/>
+        <a:srgbClr val="A7A7A7"/>
       </a:dk2>
       <a:lt2>
-        <a:srgbClr val="D5D5D5"/>
+        <a:srgbClr val="535353"/>
       </a:lt2>
       <a:accent1>
         <a:srgbClr val="00A2FF"/>
@@ -14995,9 +12823,9 @@
     </a:clrScheme>
     <a:fontScheme name="21_BasicWhite">
       <a:majorFont>
-        <a:latin typeface="Helvetica Neue"/>
-        <a:ea typeface="Helvetica Neue"/>
-        <a:cs typeface="Helvetica Neue"/>
+        <a:latin typeface="Helvetica"/>
+        <a:ea typeface="Helvetica"/>
+        <a:cs typeface="Helvetica"/>
       </a:majorFont>
       <a:minorFont>
         <a:latin typeface="Helvetica Neue"/>
@@ -15143,11 +12971,14 @@
     <a:spDef>
       <a:spPr>
         <a:solidFill>
-          <a:srgbClr val="000000"/>
+          <a:srgbClr val="FFFFFF"/>
         </a:solidFill>
-        <a:ln w="12700" cap="flat">
-          <a:noFill/>
-          <a:miter lim="400000"/>
+        <a:ln w="25400" cap="flat">
+          <a:solidFill>
+            <a:schemeClr val="accent1"/>
+          </a:solidFill>
+          <a:prstDash val="solid"/>
+          <a:round/>
         </a:ln>
         <a:effectLst/>
         <a:sp3d/>
@@ -15156,7 +12987,7 @@
         <a:spAutoFit/>
       </a:bodyPr>
       <a:lstStyle>
-        <a:defPPr marL="0" marR="0" indent="0" algn="ctr" defTabSz="825500" rtl="0" fontAlgn="auto" latinLnBrk="0" hangingPunct="0">
+        <a:defPPr marL="0" marR="0" indent="0" algn="ctr" defTabSz="2438337" rtl="0" fontAlgn="auto" latinLnBrk="0" hangingPunct="0">
           <a:lnSpc>
             <a:spcPct val="100000"/>
           </a:lnSpc>
@@ -15171,19 +13002,19 @@
           <a:buFontTx/>
           <a:buNone/>
           <a:tabLst/>
-          <a:defRPr b="0" baseline="0" cap="none" i="0" spc="0" strike="noStrike" sz="3200" u="none" kumimoji="0" normalizeH="0">
+          <a:defRPr b="0" baseline="0" cap="none" i="0" spc="0" strike="noStrike" sz="2400" u="none" kumimoji="0" normalizeH="0">
             <a:ln>
               <a:noFill/>
             </a:ln>
             <a:solidFill>
-              <a:srgbClr val="FFFFFF"/>
+              <a:srgbClr val="5E5E5E"/>
             </a:solidFill>
             <a:effectLst/>
             <a:uFillTx/>
-            <a:latin typeface="Helvetica Neue Medium"/>
-            <a:ea typeface="Helvetica Neue Medium"/>
-            <a:cs typeface="Helvetica Neue Medium"/>
-            <a:sym typeface="Helvetica Neue Medium"/>
+            <a:latin typeface="+mn-lt"/>
+            <a:ea typeface="+mn-ea"/>
+            <a:cs typeface="+mn-cs"/>
+            <a:sym typeface="Helvetica Neue"/>
           </a:defRPr>
         </a:defPPr>
         <a:lvl1pPr marL="0" marR="0" indent="0" algn="l" defTabSz="914400" rtl="0" fontAlgn="auto" latinLnBrk="1" hangingPunct="0">
@@ -15433,10 +13264,10 @@
         <a:noFill/>
         <a:ln w="25400" cap="flat">
           <a:solidFill>
-            <a:srgbClr val="000000"/>
+            <a:schemeClr val="accent1"/>
           </a:solidFill>
           <a:prstDash val="solid"/>
-          <a:miter lim="400000"/>
+          <a:round/>
         </a:ln>
         <a:effectLst/>
         <a:sp3d/>
@@ -15727,7 +13558,7 @@
         <a:spAutoFit/>
       </a:bodyPr>
       <a:lstStyle>
-        <a:defPPr marL="0" marR="0" indent="0" algn="ctr" defTabSz="2438338" rtl="0" fontAlgn="auto" latinLnBrk="0" hangingPunct="0">
+        <a:defPPr marL="0" marR="0" indent="0" algn="ctr" defTabSz="2438337" rtl="0" fontAlgn="auto" latinLnBrk="0" hangingPunct="0">
           <a:lnSpc>
             <a:spcPct val="100000"/>
           </a:lnSpc>
